--- a/ppt/Spring-08-SpringRest.pptx
+++ b/ppt/Spring-08-SpringRest.pptx
@@ -5,10 +5,10 @@
     <p:sldMasterId id="2147483653" r:id="rId1"/>
   </p:sldMasterIdLst>
   <p:notesMasterIdLst>
-    <p:notesMasterId r:id="rId51"/>
+    <p:notesMasterId r:id="rId45"/>
   </p:notesMasterIdLst>
   <p:handoutMasterIdLst>
-    <p:handoutMasterId r:id="rId52"/>
+    <p:handoutMasterId r:id="rId46"/>
   </p:handoutMasterIdLst>
   <p:sldIdLst>
     <p:sldId id="264" r:id="rId2"/>
@@ -35,14 +35,14 @@
     <p:sldId id="295" r:id="rId23"/>
     <p:sldId id="291" r:id="rId24"/>
     <p:sldId id="289" r:id="rId25"/>
-    <p:sldId id="321" r:id="rId26"/>
-    <p:sldId id="293" r:id="rId27"/>
+    <p:sldId id="293" r:id="rId26"/>
+    <p:sldId id="321" r:id="rId27"/>
     <p:sldId id="322" r:id="rId28"/>
     <p:sldId id="296" r:id="rId29"/>
     <p:sldId id="297" r:id="rId30"/>
-    <p:sldId id="301" r:id="rId31"/>
-    <p:sldId id="318" r:id="rId32"/>
-    <p:sldId id="303" r:id="rId33"/>
+    <p:sldId id="303" r:id="rId31"/>
+    <p:sldId id="313" r:id="rId32"/>
+    <p:sldId id="323" r:id="rId33"/>
     <p:sldId id="304" r:id="rId34"/>
     <p:sldId id="319" r:id="rId35"/>
     <p:sldId id="306" r:id="rId36"/>
@@ -52,14 +52,8 @@
     <p:sldId id="310" r:id="rId40"/>
     <p:sldId id="311" r:id="rId41"/>
     <p:sldId id="312" r:id="rId42"/>
-    <p:sldId id="315" r:id="rId43"/>
-    <p:sldId id="314" r:id="rId44"/>
-    <p:sldId id="316" r:id="rId45"/>
-    <p:sldId id="317" r:id="rId46"/>
-    <p:sldId id="305" r:id="rId47"/>
-    <p:sldId id="320" r:id="rId48"/>
-    <p:sldId id="313" r:id="rId49"/>
-    <p:sldId id="323" r:id="rId50"/>
+    <p:sldId id="305" r:id="rId43"/>
+    <p:sldId id="320" r:id="rId44"/>
   </p:sldIdLst>
   <p:sldSz cx="9144000" cy="6858000" type="screen4x3"/>
   <p:notesSz cx="6648450" cy="9782175"/>
@@ -444,6 +438,11 @@
         </p:txBody>
       </p:sp>
     </p:spTree>
+    <p:extLst>
+      <p:ext uri="{BB962C8B-B14F-4D97-AF65-F5344CB8AC3E}">
+        <p14:creationId xmlns:p14="http://schemas.microsoft.com/office/powerpoint/2010/main" val="1"/>
+      </p:ext>
+    </p:extLst>
   </p:cSld>
   <p:clrMap bg1="lt1" tx1="dk1" bg2="lt2" tx2="dk2" accent1="accent1" accent2="accent2" accent3="accent3" accent4="accent4" accent5="accent5" accent6="accent6" hlink="hlink" folHlink="folHlink"/>
 </p:handoutMaster>
@@ -645,35 +644,35 @@
           <a:p>
             <a:pPr lvl="0"/>
             <a:r>
-              <a:rPr lang="fr-FR" noProof="0" smtClean="0"/>
+              <a:rPr lang="fr-FR" noProof="0"/>
               <a:t>Cliquez pour modifier les styles du texte du masque</a:t>
             </a:r>
           </a:p>
           <a:p>
             <a:pPr lvl="1"/>
             <a:r>
-              <a:rPr lang="fr-FR" noProof="0" smtClean="0"/>
+              <a:rPr lang="fr-FR" noProof="0"/>
               <a:t>Deuxième niveau</a:t>
             </a:r>
           </a:p>
           <a:p>
             <a:pPr lvl="2"/>
             <a:r>
-              <a:rPr lang="fr-FR" noProof="0" smtClean="0"/>
+              <a:rPr lang="fr-FR" noProof="0"/>
               <a:t>Troisième niveau</a:t>
             </a:r>
           </a:p>
           <a:p>
             <a:pPr lvl="3"/>
             <a:r>
-              <a:rPr lang="fr-FR" noProof="0" smtClean="0"/>
+              <a:rPr lang="fr-FR" noProof="0"/>
               <a:t>Quatrième niveau</a:t>
             </a:r>
           </a:p>
           <a:p>
             <a:pPr lvl="4"/>
             <a:r>
-              <a:rPr lang="fr-FR" noProof="0" smtClean="0"/>
+              <a:rPr lang="fr-FR" noProof="0"/>
               <a:t>Cinquième niveau</a:t>
             </a:r>
           </a:p>
@@ -1153,7 +1152,7 @@
           <a:p>
             <a:pPr eaLnBrk="1" hangingPunct="1"/>
             <a:r>
-              <a:rPr lang="en-US" altLang="fr-FR" smtClean="0">
+              <a:rPr lang="en-US" altLang="fr-FR">
                 <a:latin typeface="Arial" panose="020B0604020202020204" pitchFamily="34" charset="0"/>
                 <a:cs typeface="Arial" panose="020B0604020202020204" pitchFamily="34" charset="0"/>
               </a:rPr>
@@ -1163,7 +1162,7 @@
           <a:p>
             <a:pPr eaLnBrk="1" hangingPunct="1"/>
             <a:r>
-              <a:rPr lang="en-US" altLang="fr-FR" smtClean="0">
+              <a:rPr lang="en-US" altLang="fr-FR">
                 <a:latin typeface="Arial" panose="020B0604020202020204" pitchFamily="34" charset="0"/>
                 <a:cs typeface="Arial" panose="020B0604020202020204" pitchFamily="34" charset="0"/>
               </a:rPr>
@@ -1173,7 +1172,7 @@
           <a:p>
             <a:pPr eaLnBrk="1" hangingPunct="1"/>
             <a:r>
-              <a:rPr lang="en-US" altLang="fr-FR" smtClean="0">
+              <a:rPr lang="en-US" altLang="fr-FR">
                 <a:latin typeface="Arial" panose="020B0604020202020204" pitchFamily="34" charset="0"/>
                 <a:cs typeface="Arial" panose="020B0604020202020204" pitchFamily="34" charset="0"/>
               </a:rPr>
@@ -1183,7 +1182,7 @@
           <a:p>
             <a:pPr eaLnBrk="1" hangingPunct="1"/>
             <a:r>
-              <a:rPr lang="en-US" altLang="fr-FR" smtClean="0">
+              <a:rPr lang="en-US" altLang="fr-FR">
                 <a:latin typeface="Arial" panose="020B0604020202020204" pitchFamily="34" charset="0"/>
                 <a:cs typeface="Arial" panose="020B0604020202020204" pitchFamily="34" charset="0"/>
               </a:rPr>
@@ -1192,7 +1191,7 @@
           </a:p>
           <a:p>
             <a:pPr eaLnBrk="1" hangingPunct="1"/>
-            <a:endParaRPr lang="en-US" altLang="fr-FR" smtClean="0">
+            <a:endParaRPr lang="en-US" altLang="fr-FR">
               <a:latin typeface="Arial" panose="020B0604020202020204" pitchFamily="34" charset="0"/>
               <a:cs typeface="Arial" panose="020B0604020202020204" pitchFamily="34" charset="0"/>
             </a:endParaRPr>
@@ -1200,7 +1199,7 @@
           <a:p>
             <a:pPr eaLnBrk="1" hangingPunct="1"/>
             <a:r>
-              <a:rPr lang="en-US" altLang="fr-FR" smtClean="0">
+              <a:rPr lang="en-US" altLang="fr-FR">
                 <a:latin typeface="Arial" panose="020B0604020202020204" pitchFamily="34" charset="0"/>
                 <a:cs typeface="Arial" panose="020B0604020202020204" pitchFamily="34" charset="0"/>
               </a:rPr>
@@ -1209,7 +1208,7 @@
           </a:p>
           <a:p>
             <a:pPr eaLnBrk="1" hangingPunct="1"/>
-            <a:endParaRPr lang="en-US" altLang="fr-FR" smtClean="0">
+            <a:endParaRPr lang="en-US" altLang="fr-FR">
               <a:latin typeface="Arial" panose="020B0604020202020204" pitchFamily="34" charset="0"/>
               <a:cs typeface="Arial" panose="020B0604020202020204" pitchFamily="34" charset="0"/>
             </a:endParaRPr>
@@ -1460,7 +1459,7 @@
           <a:lstStyle/>
           <a:p>
             <a:pPr eaLnBrk="1" hangingPunct="1"/>
-            <a:endParaRPr lang="fr-FR" altLang="fr-FR" smtClean="0">
+            <a:endParaRPr lang="fr-FR" altLang="fr-FR">
               <a:latin typeface="Arial" panose="020B0604020202020204" pitchFamily="34" charset="0"/>
               <a:cs typeface="Arial" panose="020B0604020202020204" pitchFamily="34" charset="0"/>
             </a:endParaRPr>
@@ -1712,7 +1711,7 @@
           <a:p>
             <a:pPr eaLnBrk="1" hangingPunct="1"/>
             <a:r>
-              <a:rPr lang="en-US" altLang="fr-FR" smtClean="0">
+              <a:rPr lang="en-US" altLang="fr-FR">
                 <a:latin typeface="Arial" panose="020B0604020202020204" pitchFamily="34" charset="0"/>
                 <a:cs typeface="Arial" panose="020B0604020202020204" pitchFamily="34" charset="0"/>
               </a:rPr>
@@ -1722,7 +1721,7 @@
           <a:p>
             <a:pPr eaLnBrk="1" hangingPunct="1"/>
             <a:r>
-              <a:rPr lang="en-US" altLang="fr-FR" smtClean="0">
+              <a:rPr lang="en-US" altLang="fr-FR">
                 <a:latin typeface="Arial" panose="020B0604020202020204" pitchFamily="34" charset="0"/>
                 <a:cs typeface="Arial" panose="020B0604020202020204" pitchFamily="34" charset="0"/>
               </a:rPr>
@@ -1732,7 +1731,7 @@
           <a:p>
             <a:pPr eaLnBrk="1" hangingPunct="1"/>
             <a:r>
-              <a:rPr lang="en-US" altLang="fr-FR" smtClean="0">
+              <a:rPr lang="en-US" altLang="fr-FR">
                 <a:latin typeface="Arial" panose="020B0604020202020204" pitchFamily="34" charset="0"/>
                 <a:cs typeface="Arial" panose="020B0604020202020204" pitchFamily="34" charset="0"/>
               </a:rPr>
@@ -1742,7 +1741,7 @@
           <a:p>
             <a:pPr eaLnBrk="1" hangingPunct="1"/>
             <a:r>
-              <a:rPr lang="en-US" altLang="fr-FR" smtClean="0">
+              <a:rPr lang="en-US" altLang="fr-FR">
                 <a:latin typeface="Arial" panose="020B0604020202020204" pitchFamily="34" charset="0"/>
                 <a:cs typeface="Arial" panose="020B0604020202020204" pitchFamily="34" charset="0"/>
               </a:rPr>
@@ -1751,14 +1750,14 @@
           </a:p>
           <a:p>
             <a:pPr eaLnBrk="1" hangingPunct="1"/>
-            <a:endParaRPr lang="en-US" altLang="fr-FR" smtClean="0">
+            <a:endParaRPr lang="en-US" altLang="fr-FR">
               <a:latin typeface="Arial" panose="020B0604020202020204" pitchFamily="34" charset="0"/>
               <a:cs typeface="Arial" panose="020B0604020202020204" pitchFamily="34" charset="0"/>
             </a:endParaRPr>
           </a:p>
           <a:p>
             <a:pPr eaLnBrk="1" hangingPunct="1"/>
-            <a:endParaRPr lang="en-US" altLang="fr-FR" smtClean="0">
+            <a:endParaRPr lang="en-US" altLang="fr-FR">
               <a:latin typeface="Arial" panose="020B0604020202020204" pitchFamily="34" charset="0"/>
               <a:cs typeface="Arial" panose="020B0604020202020204" pitchFamily="34" charset="0"/>
             </a:endParaRPr>
@@ -2010,7 +2009,7 @@
           <a:p>
             <a:pPr eaLnBrk="1" hangingPunct="1"/>
             <a:r>
-              <a:rPr lang="en-US" altLang="fr-FR" smtClean="0">
+              <a:rPr lang="en-US" altLang="fr-FR">
                 <a:latin typeface="Arial" panose="020B0604020202020204" pitchFamily="34" charset="0"/>
                 <a:cs typeface="Arial" panose="020B0604020202020204" pitchFamily="34" charset="0"/>
               </a:rPr>
@@ -2020,7 +2019,7 @@
           <a:p>
             <a:pPr eaLnBrk="1" hangingPunct="1"/>
             <a:r>
-              <a:rPr lang="en-US" altLang="fr-FR" smtClean="0">
+              <a:rPr lang="en-US" altLang="fr-FR">
                 <a:latin typeface="Arial" panose="020B0604020202020204" pitchFamily="34" charset="0"/>
                 <a:cs typeface="Arial" panose="020B0604020202020204" pitchFamily="34" charset="0"/>
               </a:rPr>
@@ -2030,7 +2029,7 @@
           <a:p>
             <a:pPr eaLnBrk="1" hangingPunct="1"/>
             <a:r>
-              <a:rPr lang="en-US" altLang="fr-FR" smtClean="0">
+              <a:rPr lang="en-US" altLang="fr-FR">
                 <a:latin typeface="Arial" panose="020B0604020202020204" pitchFamily="34" charset="0"/>
                 <a:cs typeface="Arial" panose="020B0604020202020204" pitchFamily="34" charset="0"/>
               </a:rPr>
@@ -2040,7 +2039,7 @@
           <a:p>
             <a:pPr eaLnBrk="1" hangingPunct="1"/>
             <a:r>
-              <a:rPr lang="en-US" altLang="fr-FR" smtClean="0">
+              <a:rPr lang="en-US" altLang="fr-FR">
                 <a:latin typeface="Arial" panose="020B0604020202020204" pitchFamily="34" charset="0"/>
                 <a:cs typeface="Arial" panose="020B0604020202020204" pitchFamily="34" charset="0"/>
               </a:rPr>
@@ -2049,7 +2048,7 @@
           </a:p>
           <a:p>
             <a:pPr eaLnBrk="1" hangingPunct="1"/>
-            <a:endParaRPr lang="en-US" altLang="fr-FR" smtClean="0">
+            <a:endParaRPr lang="en-US" altLang="fr-FR">
               <a:latin typeface="Arial" panose="020B0604020202020204" pitchFamily="34" charset="0"/>
               <a:cs typeface="Arial" panose="020B0604020202020204" pitchFamily="34" charset="0"/>
             </a:endParaRPr>
@@ -2301,7 +2300,7 @@
           <a:p>
             <a:pPr eaLnBrk="1" hangingPunct="1"/>
             <a:r>
-              <a:rPr lang="en-US" altLang="fr-FR" smtClean="0">
+              <a:rPr lang="en-US" altLang="fr-FR">
                 <a:latin typeface="Arial" panose="020B0604020202020204" pitchFamily="34" charset="0"/>
                 <a:cs typeface="Arial" panose="020B0604020202020204" pitchFamily="34" charset="0"/>
               </a:rPr>
@@ -2311,7 +2310,7 @@
           <a:p>
             <a:pPr eaLnBrk="1" hangingPunct="1"/>
             <a:r>
-              <a:rPr lang="en-US" altLang="fr-FR" smtClean="0">
+              <a:rPr lang="en-US" altLang="fr-FR">
                 <a:latin typeface="Arial" panose="020B0604020202020204" pitchFamily="34" charset="0"/>
                 <a:cs typeface="Arial" panose="020B0604020202020204" pitchFamily="34" charset="0"/>
               </a:rPr>
@@ -2321,7 +2320,7 @@
           <a:p>
             <a:pPr eaLnBrk="1" hangingPunct="1"/>
             <a:r>
-              <a:rPr lang="en-US" altLang="fr-FR" smtClean="0">
+              <a:rPr lang="en-US" altLang="fr-FR">
                 <a:latin typeface="Arial" panose="020B0604020202020204" pitchFamily="34" charset="0"/>
                 <a:cs typeface="Arial" panose="020B0604020202020204" pitchFamily="34" charset="0"/>
               </a:rPr>
@@ -2330,14 +2329,14 @@
           </a:p>
           <a:p>
             <a:pPr eaLnBrk="1" hangingPunct="1"/>
-            <a:endParaRPr lang="en-US" altLang="fr-FR" smtClean="0">
+            <a:endParaRPr lang="en-US" altLang="fr-FR">
               <a:latin typeface="Arial" panose="020B0604020202020204" pitchFamily="34" charset="0"/>
               <a:cs typeface="Arial" panose="020B0604020202020204" pitchFamily="34" charset="0"/>
             </a:endParaRPr>
           </a:p>
           <a:p>
             <a:pPr eaLnBrk="1" hangingPunct="1"/>
-            <a:endParaRPr lang="en-US" altLang="fr-FR" smtClean="0">
+            <a:endParaRPr lang="en-US" altLang="fr-FR">
               <a:latin typeface="Arial" panose="020B0604020202020204" pitchFamily="34" charset="0"/>
               <a:cs typeface="Arial" panose="020B0604020202020204" pitchFamily="34" charset="0"/>
             </a:endParaRPr>
@@ -2589,7 +2588,7 @@
           <a:p>
             <a:pPr eaLnBrk="1" hangingPunct="1"/>
             <a:r>
-              <a:rPr lang="en-US" altLang="fr-FR" smtClean="0">
+              <a:rPr lang="en-US" altLang="fr-FR">
                 <a:latin typeface="Arial" panose="020B0604020202020204" pitchFamily="34" charset="0"/>
                 <a:cs typeface="Arial" panose="020B0604020202020204" pitchFamily="34" charset="0"/>
               </a:rPr>
@@ -2599,7 +2598,7 @@
           <a:p>
             <a:pPr eaLnBrk="1" hangingPunct="1"/>
             <a:r>
-              <a:rPr lang="en-US" altLang="fr-FR" smtClean="0">
+              <a:rPr lang="en-US" altLang="fr-FR">
                 <a:latin typeface="Arial" panose="020B0604020202020204" pitchFamily="34" charset="0"/>
                 <a:cs typeface="Arial" panose="020B0604020202020204" pitchFamily="34" charset="0"/>
               </a:rPr>
@@ -2609,7 +2608,7 @@
           <a:p>
             <a:pPr eaLnBrk="1" hangingPunct="1"/>
             <a:r>
-              <a:rPr lang="en-US" altLang="fr-FR" smtClean="0">
+              <a:rPr lang="en-US" altLang="fr-FR">
                 <a:latin typeface="Arial" panose="020B0604020202020204" pitchFamily="34" charset="0"/>
                 <a:cs typeface="Arial" panose="020B0604020202020204" pitchFamily="34" charset="0"/>
               </a:rPr>
@@ -2619,7 +2618,7 @@
           <a:p>
             <a:pPr eaLnBrk="1" hangingPunct="1"/>
             <a:r>
-              <a:rPr lang="en-US" altLang="fr-FR" smtClean="0">
+              <a:rPr lang="en-US" altLang="fr-FR">
                 <a:latin typeface="Arial" panose="020B0604020202020204" pitchFamily="34" charset="0"/>
                 <a:cs typeface="Arial" panose="020B0604020202020204" pitchFamily="34" charset="0"/>
               </a:rPr>
@@ -2629,7 +2628,7 @@
           <a:p>
             <a:pPr eaLnBrk="1" hangingPunct="1"/>
             <a:r>
-              <a:rPr lang="en-US" altLang="fr-FR" smtClean="0">
+              <a:rPr lang="en-US" altLang="fr-FR">
                 <a:latin typeface="Arial" panose="020B0604020202020204" pitchFamily="34" charset="0"/>
                 <a:cs typeface="Arial" panose="020B0604020202020204" pitchFamily="34" charset="0"/>
               </a:rPr>
@@ -2882,7 +2881,7 @@
           <a:lstStyle/>
           <a:p>
             <a:pPr eaLnBrk="1" hangingPunct="1"/>
-            <a:endParaRPr lang="fr-FR" altLang="fr-FR" smtClean="0">
+            <a:endParaRPr lang="fr-FR" altLang="fr-FR">
               <a:latin typeface="Arial" panose="020B0604020202020204" pitchFamily="34" charset="0"/>
               <a:cs typeface="Arial" panose="020B0604020202020204" pitchFamily="34" charset="0"/>
             </a:endParaRPr>
@@ -3134,7 +3133,7 @@
           <a:p>
             <a:pPr eaLnBrk="1" hangingPunct="1"/>
             <a:r>
-              <a:rPr lang="en-US" altLang="fr-FR" smtClean="0">
+              <a:rPr lang="en-US" altLang="fr-FR">
                 <a:latin typeface="Arial" panose="020B0604020202020204" pitchFamily="34" charset="0"/>
                 <a:cs typeface="Arial" panose="020B0604020202020204" pitchFamily="34" charset="0"/>
               </a:rPr>
@@ -3144,7 +3143,7 @@
           <a:p>
             <a:pPr eaLnBrk="1" hangingPunct="1"/>
             <a:r>
-              <a:rPr lang="en-US" altLang="fr-FR" smtClean="0">
+              <a:rPr lang="en-US" altLang="fr-FR">
                 <a:latin typeface="Arial" panose="020B0604020202020204" pitchFamily="34" charset="0"/>
                 <a:cs typeface="Arial" panose="020B0604020202020204" pitchFamily="34" charset="0"/>
               </a:rPr>
@@ -3154,7 +3153,7 @@
           <a:p>
             <a:pPr eaLnBrk="1" hangingPunct="1"/>
             <a:r>
-              <a:rPr lang="en-US" altLang="fr-FR" smtClean="0">
+              <a:rPr lang="en-US" altLang="fr-FR">
                 <a:latin typeface="Arial" panose="020B0604020202020204" pitchFamily="34" charset="0"/>
                 <a:cs typeface="Arial" panose="020B0604020202020204" pitchFamily="34" charset="0"/>
               </a:rPr>
@@ -3164,7 +3163,7 @@
           <a:p>
             <a:pPr eaLnBrk="1" hangingPunct="1"/>
             <a:r>
-              <a:rPr lang="en-US" altLang="fr-FR" smtClean="0">
+              <a:rPr lang="en-US" altLang="fr-FR">
                 <a:latin typeface="Arial" panose="020B0604020202020204" pitchFamily="34" charset="0"/>
                 <a:cs typeface="Arial" panose="020B0604020202020204" pitchFamily="34" charset="0"/>
               </a:rPr>
@@ -3173,7 +3172,7 @@
           </a:p>
           <a:p>
             <a:pPr eaLnBrk="1" hangingPunct="1"/>
-            <a:endParaRPr lang="en-US" altLang="fr-FR" smtClean="0">
+            <a:endParaRPr lang="en-US" altLang="fr-FR">
               <a:latin typeface="Arial" panose="020B0604020202020204" pitchFamily="34" charset="0"/>
               <a:cs typeface="Arial" panose="020B0604020202020204" pitchFamily="34" charset="0"/>
             </a:endParaRPr>
@@ -3425,7 +3424,7 @@
           <a:p>
             <a:pPr eaLnBrk="1" hangingPunct="1"/>
             <a:r>
-              <a:rPr lang="en-US" altLang="fr-FR" smtClean="0">
+              <a:rPr lang="en-US" altLang="fr-FR">
                 <a:latin typeface="Arial" panose="020B0604020202020204" pitchFamily="34" charset="0"/>
                 <a:cs typeface="Arial" panose="020B0604020202020204" pitchFamily="34" charset="0"/>
               </a:rPr>
@@ -3435,7 +3434,7 @@
           <a:p>
             <a:pPr eaLnBrk="1" hangingPunct="1"/>
             <a:r>
-              <a:rPr lang="en-US" altLang="fr-FR" smtClean="0">
+              <a:rPr lang="en-US" altLang="fr-FR">
                 <a:latin typeface="Arial" panose="020B0604020202020204" pitchFamily="34" charset="0"/>
                 <a:cs typeface="Arial" panose="020B0604020202020204" pitchFamily="34" charset="0"/>
               </a:rPr>
@@ -3445,7 +3444,7 @@
           <a:p>
             <a:pPr eaLnBrk="1" hangingPunct="1"/>
             <a:r>
-              <a:rPr lang="en-US" altLang="fr-FR" smtClean="0">
+              <a:rPr lang="en-US" altLang="fr-FR">
                 <a:latin typeface="Arial" panose="020B0604020202020204" pitchFamily="34" charset="0"/>
                 <a:cs typeface="Arial" panose="020B0604020202020204" pitchFamily="34" charset="0"/>
               </a:rPr>
@@ -3455,7 +3454,7 @@
           <a:p>
             <a:pPr eaLnBrk="1" hangingPunct="1"/>
             <a:r>
-              <a:rPr lang="en-US" altLang="fr-FR" smtClean="0">
+              <a:rPr lang="en-US" altLang="fr-FR">
                 <a:latin typeface="Arial" panose="020B0604020202020204" pitchFamily="34" charset="0"/>
                 <a:cs typeface="Arial" panose="020B0604020202020204" pitchFamily="34" charset="0"/>
               </a:rPr>
@@ -3708,7 +3707,7 @@
           <a:lstStyle/>
           <a:p>
             <a:pPr eaLnBrk="1" hangingPunct="1"/>
-            <a:endParaRPr lang="fr-FR" altLang="fr-FR" smtClean="0">
+            <a:endParaRPr lang="fr-FR" altLang="fr-FR">
               <a:latin typeface="Arial" panose="020B0604020202020204" pitchFamily="34" charset="0"/>
               <a:cs typeface="Arial" panose="020B0604020202020204" pitchFamily="34" charset="0"/>
             </a:endParaRPr>
@@ -3959,7 +3958,7 @@
           <a:lstStyle/>
           <a:p>
             <a:pPr eaLnBrk="1" hangingPunct="1"/>
-            <a:endParaRPr lang="fr-FR" altLang="fr-FR" smtClean="0">
+            <a:endParaRPr lang="fr-FR" altLang="fr-FR">
               <a:latin typeface="Arial" panose="020B0604020202020204" pitchFamily="34" charset="0"/>
               <a:cs typeface="Arial" panose="020B0604020202020204" pitchFamily="34" charset="0"/>
             </a:endParaRPr>
@@ -4211,7 +4210,7 @@
           <a:p>
             <a:pPr eaLnBrk="1" hangingPunct="1"/>
             <a:r>
-              <a:rPr lang="en-US" altLang="fr-FR" smtClean="0">
+              <a:rPr lang="en-US" altLang="fr-FR">
                 <a:latin typeface="Arial" panose="020B0604020202020204" pitchFamily="34" charset="0"/>
                 <a:cs typeface="Arial" panose="020B0604020202020204" pitchFamily="34" charset="0"/>
               </a:rPr>
@@ -4221,7 +4220,7 @@
           <a:p>
             <a:pPr eaLnBrk="1" hangingPunct="1"/>
             <a:r>
-              <a:rPr lang="en-US" altLang="fr-FR" smtClean="0">
+              <a:rPr lang="en-US" altLang="fr-FR">
                 <a:latin typeface="Arial" panose="020B0604020202020204" pitchFamily="34" charset="0"/>
                 <a:cs typeface="Arial" panose="020B0604020202020204" pitchFamily="34" charset="0"/>
               </a:rPr>
@@ -4231,7 +4230,7 @@
           <a:p>
             <a:pPr eaLnBrk="1" hangingPunct="1"/>
             <a:r>
-              <a:rPr lang="en-US" altLang="fr-FR" smtClean="0">
+              <a:rPr lang="en-US" altLang="fr-FR">
                 <a:latin typeface="Arial" panose="020B0604020202020204" pitchFamily="34" charset="0"/>
                 <a:cs typeface="Arial" panose="020B0604020202020204" pitchFamily="34" charset="0"/>
               </a:rPr>
@@ -4241,7 +4240,7 @@
           <a:p>
             <a:pPr eaLnBrk="1" hangingPunct="1"/>
             <a:r>
-              <a:rPr lang="en-US" altLang="fr-FR" smtClean="0">
+              <a:rPr lang="en-US" altLang="fr-FR">
                 <a:latin typeface="Arial" panose="020B0604020202020204" pitchFamily="34" charset="0"/>
                 <a:cs typeface="Arial" panose="020B0604020202020204" pitchFamily="34" charset="0"/>
               </a:rPr>
@@ -4495,7 +4494,7 @@
           <a:p>
             <a:pPr eaLnBrk="1" hangingPunct="1"/>
             <a:r>
-              <a:rPr lang="en-US" altLang="fr-FR" smtClean="0">
+              <a:rPr lang="en-US" altLang="fr-FR">
                 <a:latin typeface="Arial" panose="020B0604020202020204" pitchFamily="34" charset="0"/>
                 <a:cs typeface="Arial" panose="020B0604020202020204" pitchFamily="34" charset="0"/>
               </a:rPr>
@@ -4505,7 +4504,7 @@
           <a:p>
             <a:pPr eaLnBrk="1" hangingPunct="1"/>
             <a:r>
-              <a:rPr lang="en-US" altLang="fr-FR" smtClean="0">
+              <a:rPr lang="en-US" altLang="fr-FR">
                 <a:latin typeface="Arial" panose="020B0604020202020204" pitchFamily="34" charset="0"/>
                 <a:cs typeface="Arial" panose="020B0604020202020204" pitchFamily="34" charset="0"/>
               </a:rPr>
@@ -4515,7 +4514,7 @@
           <a:p>
             <a:pPr eaLnBrk="1" hangingPunct="1"/>
             <a:r>
-              <a:rPr lang="en-US" altLang="fr-FR" smtClean="0">
+              <a:rPr lang="en-US" altLang="fr-FR">
                 <a:latin typeface="Arial" panose="020B0604020202020204" pitchFamily="34" charset="0"/>
                 <a:cs typeface="Arial" panose="020B0604020202020204" pitchFamily="34" charset="0"/>
               </a:rPr>
@@ -4525,7 +4524,7 @@
           <a:p>
             <a:pPr eaLnBrk="1" hangingPunct="1"/>
             <a:r>
-              <a:rPr lang="en-US" altLang="fr-FR" smtClean="0">
+              <a:rPr lang="en-US" altLang="fr-FR">
                 <a:latin typeface="Arial" panose="020B0604020202020204" pitchFamily="34" charset="0"/>
                 <a:cs typeface="Arial" panose="020B0604020202020204" pitchFamily="34" charset="0"/>
               </a:rPr>
@@ -4534,7 +4533,7 @@
           </a:p>
           <a:p>
             <a:pPr eaLnBrk="1" hangingPunct="1"/>
-            <a:endParaRPr lang="en-US" altLang="fr-FR" smtClean="0">
+            <a:endParaRPr lang="en-US" altLang="fr-FR">
               <a:latin typeface="Arial" panose="020B0604020202020204" pitchFamily="34" charset="0"/>
               <a:cs typeface="Arial" panose="020B0604020202020204" pitchFamily="34" charset="0"/>
             </a:endParaRPr>
@@ -4587,10 +4586,9 @@
           <a:lstStyle/>
           <a:p>
             <a:r>
-              <a:rPr lang="fr-FR" smtClean="0"/>
+              <a:rPr lang="fr-FR"/>
               <a:t>Cliquez pour modifier le style du titre</a:t>
             </a:r>
-            <a:endParaRPr lang="fr-FR"/>
           </a:p>
         </p:txBody>
       </p:sp>
@@ -4652,10 +4650,9 @@
           </a:lstStyle>
           <a:p>
             <a:r>
-              <a:rPr lang="fr-FR" smtClean="0"/>
+              <a:rPr lang="fr-FR"/>
               <a:t>Cliquez pour modifier le style des sous-titres du masque</a:t>
             </a:r>
-            <a:endParaRPr lang="fr-FR"/>
           </a:p>
         </p:txBody>
       </p:sp>
@@ -4705,10 +4702,9 @@
           <a:lstStyle/>
           <a:p>
             <a:r>
-              <a:rPr lang="fr-FR" smtClean="0"/>
+              <a:rPr lang="fr-FR"/>
               <a:t>Cliquez pour modifier le style du titre</a:t>
             </a:r>
-            <a:endParaRPr lang="fr-FR"/>
           </a:p>
         </p:txBody>
       </p:sp>
@@ -4729,38 +4725,37 @@
           <a:p>
             <a:pPr lvl="0"/>
             <a:r>
-              <a:rPr lang="fr-FR" smtClean="0"/>
+              <a:rPr lang="fr-FR"/>
               <a:t>Cliquez pour modifier les styles du texte du masque</a:t>
             </a:r>
           </a:p>
           <a:p>
             <a:pPr lvl="1"/>
             <a:r>
-              <a:rPr lang="fr-FR" smtClean="0"/>
+              <a:rPr lang="fr-FR"/>
               <a:t>Deuxième niveau</a:t>
             </a:r>
           </a:p>
           <a:p>
             <a:pPr lvl="2"/>
             <a:r>
-              <a:rPr lang="fr-FR" smtClean="0"/>
+              <a:rPr lang="fr-FR"/>
               <a:t>Troisième niveau</a:t>
             </a:r>
           </a:p>
           <a:p>
             <a:pPr lvl="3"/>
             <a:r>
-              <a:rPr lang="fr-FR" smtClean="0"/>
+              <a:rPr lang="fr-FR"/>
               <a:t>Quatrième niveau</a:t>
             </a:r>
           </a:p>
           <a:p>
             <a:pPr lvl="4"/>
             <a:r>
-              <a:rPr lang="fr-FR" smtClean="0"/>
+              <a:rPr lang="fr-FR"/>
               <a:t>Cinquième niveau</a:t>
             </a:r>
-            <a:endParaRPr lang="fr-FR"/>
           </a:p>
         </p:txBody>
       </p:sp>
@@ -4815,10 +4810,9 @@
           <a:lstStyle/>
           <a:p>
             <a:r>
-              <a:rPr lang="fr-FR" smtClean="0"/>
+              <a:rPr lang="fr-FR"/>
               <a:t>Cliquez pour modifier le style du titre</a:t>
             </a:r>
-            <a:endParaRPr lang="fr-FR"/>
           </a:p>
         </p:txBody>
       </p:sp>
@@ -4844,38 +4838,37 @@
           <a:p>
             <a:pPr lvl="0"/>
             <a:r>
-              <a:rPr lang="fr-FR" smtClean="0"/>
+              <a:rPr lang="fr-FR"/>
               <a:t>Cliquez pour modifier les styles du texte du masque</a:t>
             </a:r>
           </a:p>
           <a:p>
             <a:pPr lvl="1"/>
             <a:r>
-              <a:rPr lang="fr-FR" smtClean="0"/>
+              <a:rPr lang="fr-FR"/>
               <a:t>Deuxième niveau</a:t>
             </a:r>
           </a:p>
           <a:p>
             <a:pPr lvl="2"/>
             <a:r>
-              <a:rPr lang="fr-FR" smtClean="0"/>
+              <a:rPr lang="fr-FR"/>
               <a:t>Troisième niveau</a:t>
             </a:r>
           </a:p>
           <a:p>
             <a:pPr lvl="3"/>
             <a:r>
-              <a:rPr lang="fr-FR" smtClean="0"/>
+              <a:rPr lang="fr-FR"/>
               <a:t>Quatrième niveau</a:t>
             </a:r>
           </a:p>
           <a:p>
             <a:pPr lvl="4"/>
             <a:r>
-              <a:rPr lang="fr-FR" smtClean="0"/>
+              <a:rPr lang="fr-FR"/>
               <a:t>Cinquième niveau</a:t>
             </a:r>
-            <a:endParaRPr lang="fr-FR"/>
           </a:p>
         </p:txBody>
       </p:sp>
@@ -4925,10 +4918,9 @@
           <a:lstStyle/>
           <a:p>
             <a:r>
-              <a:rPr lang="fr-FR" smtClean="0"/>
+              <a:rPr lang="fr-FR"/>
               <a:t>Cliquez pour modifier le style du titre</a:t>
             </a:r>
-            <a:endParaRPr lang="fr-FR"/>
           </a:p>
         </p:txBody>
       </p:sp>
@@ -4949,38 +4941,37 @@
           <a:p>
             <a:pPr lvl="0"/>
             <a:r>
-              <a:rPr lang="fr-FR" smtClean="0"/>
+              <a:rPr lang="fr-FR"/>
               <a:t>Cliquez pour modifier les styles du texte du masque</a:t>
             </a:r>
           </a:p>
           <a:p>
             <a:pPr lvl="1"/>
             <a:r>
-              <a:rPr lang="fr-FR" smtClean="0"/>
+              <a:rPr lang="fr-FR"/>
               <a:t>Deuxième niveau</a:t>
             </a:r>
           </a:p>
           <a:p>
             <a:pPr lvl="2"/>
             <a:r>
-              <a:rPr lang="fr-FR" smtClean="0"/>
+              <a:rPr lang="fr-FR"/>
               <a:t>Troisième niveau</a:t>
             </a:r>
           </a:p>
           <a:p>
             <a:pPr lvl="3"/>
             <a:r>
-              <a:rPr lang="fr-FR" smtClean="0"/>
+              <a:rPr lang="fr-FR"/>
               <a:t>Quatrième niveau</a:t>
             </a:r>
           </a:p>
           <a:p>
             <a:pPr lvl="4"/>
             <a:r>
-              <a:rPr lang="fr-FR" smtClean="0"/>
+              <a:rPr lang="fr-FR"/>
               <a:t>Cinquième niveau</a:t>
             </a:r>
-            <a:endParaRPr lang="fr-FR"/>
           </a:p>
         </p:txBody>
       </p:sp>
@@ -5039,10 +5030,9 @@
           </a:lstStyle>
           <a:p>
             <a:r>
-              <a:rPr lang="fr-FR" smtClean="0"/>
+              <a:rPr lang="fr-FR"/>
               <a:t>Cliquez pour modifier le style du titre</a:t>
             </a:r>
-            <a:endParaRPr lang="fr-FR"/>
           </a:p>
         </p:txBody>
       </p:sp>
@@ -5105,7 +5095,7 @@
           <a:p>
             <a:pPr lvl="0"/>
             <a:r>
-              <a:rPr lang="fr-FR" smtClean="0"/>
+              <a:rPr lang="fr-FR"/>
               <a:t>Cliquez pour modifier les styles du texte du masque</a:t>
             </a:r>
           </a:p>
@@ -5157,10 +5147,9 @@
           <a:lstStyle/>
           <a:p>
             <a:r>
-              <a:rPr lang="fr-FR" smtClean="0"/>
+              <a:rPr lang="fr-FR"/>
               <a:t>Cliquez pour modifier le style du titre</a:t>
             </a:r>
-            <a:endParaRPr lang="fr-FR"/>
           </a:p>
         </p:txBody>
       </p:sp>
@@ -5214,38 +5203,37 @@
           <a:p>
             <a:pPr lvl="0"/>
             <a:r>
-              <a:rPr lang="fr-FR" smtClean="0"/>
+              <a:rPr lang="fr-FR"/>
               <a:t>Cliquez pour modifier les styles du texte du masque</a:t>
             </a:r>
           </a:p>
           <a:p>
             <a:pPr lvl="1"/>
             <a:r>
-              <a:rPr lang="fr-FR" smtClean="0"/>
+              <a:rPr lang="fr-FR"/>
               <a:t>Deuxième niveau</a:t>
             </a:r>
           </a:p>
           <a:p>
             <a:pPr lvl="2"/>
             <a:r>
-              <a:rPr lang="fr-FR" smtClean="0"/>
+              <a:rPr lang="fr-FR"/>
               <a:t>Troisième niveau</a:t>
             </a:r>
           </a:p>
           <a:p>
             <a:pPr lvl="3"/>
             <a:r>
-              <a:rPr lang="fr-FR" smtClean="0"/>
+              <a:rPr lang="fr-FR"/>
               <a:t>Quatrième niveau</a:t>
             </a:r>
           </a:p>
           <a:p>
             <a:pPr lvl="4"/>
             <a:r>
-              <a:rPr lang="fr-FR" smtClean="0"/>
+              <a:rPr lang="fr-FR"/>
               <a:t>Cinquième niveau</a:t>
             </a:r>
-            <a:endParaRPr lang="fr-FR"/>
           </a:p>
         </p:txBody>
       </p:sp>
@@ -5299,38 +5287,37 @@
           <a:p>
             <a:pPr lvl="0"/>
             <a:r>
-              <a:rPr lang="fr-FR" smtClean="0"/>
+              <a:rPr lang="fr-FR"/>
               <a:t>Cliquez pour modifier les styles du texte du masque</a:t>
             </a:r>
           </a:p>
           <a:p>
             <a:pPr lvl="1"/>
             <a:r>
-              <a:rPr lang="fr-FR" smtClean="0"/>
+              <a:rPr lang="fr-FR"/>
               <a:t>Deuxième niveau</a:t>
             </a:r>
           </a:p>
           <a:p>
             <a:pPr lvl="2"/>
             <a:r>
-              <a:rPr lang="fr-FR" smtClean="0"/>
+              <a:rPr lang="fr-FR"/>
               <a:t>Troisième niveau</a:t>
             </a:r>
           </a:p>
           <a:p>
             <a:pPr lvl="3"/>
             <a:r>
-              <a:rPr lang="fr-FR" smtClean="0"/>
+              <a:rPr lang="fr-FR"/>
               <a:t>Quatrième niveau</a:t>
             </a:r>
           </a:p>
           <a:p>
             <a:pPr lvl="4"/>
             <a:r>
-              <a:rPr lang="fr-FR" smtClean="0"/>
+              <a:rPr lang="fr-FR"/>
               <a:t>Cinquième niveau</a:t>
             </a:r>
-            <a:endParaRPr lang="fr-FR"/>
           </a:p>
         </p:txBody>
       </p:sp>
@@ -5389,10 +5376,9 @@
           </a:lstStyle>
           <a:p>
             <a:r>
-              <a:rPr lang="fr-FR" smtClean="0"/>
+              <a:rPr lang="fr-FR"/>
               <a:t>Cliquez pour modifier le style du titre</a:t>
             </a:r>
-            <a:endParaRPr lang="fr-FR"/>
           </a:p>
         </p:txBody>
       </p:sp>
@@ -5455,7 +5441,7 @@
           <a:p>
             <a:pPr lvl="0"/>
             <a:r>
-              <a:rPr lang="fr-FR" smtClean="0"/>
+              <a:rPr lang="fr-FR"/>
               <a:t>Cliquez pour modifier les styles du texte du masque</a:t>
             </a:r>
           </a:p>
@@ -5511,38 +5497,37 @@
           <a:p>
             <a:pPr lvl="0"/>
             <a:r>
-              <a:rPr lang="fr-FR" smtClean="0"/>
+              <a:rPr lang="fr-FR"/>
               <a:t>Cliquez pour modifier les styles du texte du masque</a:t>
             </a:r>
           </a:p>
           <a:p>
             <a:pPr lvl="1"/>
             <a:r>
-              <a:rPr lang="fr-FR" smtClean="0"/>
+              <a:rPr lang="fr-FR"/>
               <a:t>Deuxième niveau</a:t>
             </a:r>
           </a:p>
           <a:p>
             <a:pPr lvl="2"/>
             <a:r>
-              <a:rPr lang="fr-FR" smtClean="0"/>
+              <a:rPr lang="fr-FR"/>
               <a:t>Troisième niveau</a:t>
             </a:r>
           </a:p>
           <a:p>
             <a:pPr lvl="3"/>
             <a:r>
-              <a:rPr lang="fr-FR" smtClean="0"/>
+              <a:rPr lang="fr-FR"/>
               <a:t>Quatrième niveau</a:t>
             </a:r>
           </a:p>
           <a:p>
             <a:pPr lvl="4"/>
             <a:r>
-              <a:rPr lang="fr-FR" smtClean="0"/>
+              <a:rPr lang="fr-FR"/>
               <a:t>Cinquième niveau</a:t>
             </a:r>
-            <a:endParaRPr lang="fr-FR"/>
           </a:p>
         </p:txBody>
       </p:sp>
@@ -5605,7 +5590,7 @@
           <a:p>
             <a:pPr lvl="0"/>
             <a:r>
-              <a:rPr lang="fr-FR" smtClean="0"/>
+              <a:rPr lang="fr-FR"/>
               <a:t>Cliquez pour modifier les styles du texte du masque</a:t>
             </a:r>
           </a:p>
@@ -5661,38 +5646,37 @@
           <a:p>
             <a:pPr lvl="0"/>
             <a:r>
-              <a:rPr lang="fr-FR" smtClean="0"/>
+              <a:rPr lang="fr-FR"/>
               <a:t>Cliquez pour modifier les styles du texte du masque</a:t>
             </a:r>
           </a:p>
           <a:p>
             <a:pPr lvl="1"/>
             <a:r>
-              <a:rPr lang="fr-FR" smtClean="0"/>
+              <a:rPr lang="fr-FR"/>
               <a:t>Deuxième niveau</a:t>
             </a:r>
           </a:p>
           <a:p>
             <a:pPr lvl="2"/>
             <a:r>
-              <a:rPr lang="fr-FR" smtClean="0"/>
+              <a:rPr lang="fr-FR"/>
               <a:t>Troisième niveau</a:t>
             </a:r>
           </a:p>
           <a:p>
             <a:pPr lvl="3"/>
             <a:r>
-              <a:rPr lang="fr-FR" smtClean="0"/>
+              <a:rPr lang="fr-FR"/>
               <a:t>Quatrième niveau</a:t>
             </a:r>
           </a:p>
           <a:p>
             <a:pPr lvl="4"/>
             <a:r>
-              <a:rPr lang="fr-FR" smtClean="0"/>
+              <a:rPr lang="fr-FR"/>
               <a:t>Cinquième niveau</a:t>
             </a:r>
-            <a:endParaRPr lang="fr-FR"/>
           </a:p>
         </p:txBody>
       </p:sp>
@@ -5742,10 +5726,9 @@
           <a:lstStyle/>
           <a:p>
             <a:r>
-              <a:rPr lang="fr-FR" smtClean="0"/>
+              <a:rPr lang="fr-FR"/>
               <a:t>Cliquez pour modifier le style du titre</a:t>
             </a:r>
-            <a:endParaRPr lang="fr-FR"/>
           </a:p>
         </p:txBody>
       </p:sp>
@@ -5834,10 +5817,9 @@
           </a:lstStyle>
           <a:p>
             <a:r>
-              <a:rPr lang="fr-FR" smtClean="0"/>
+              <a:rPr lang="fr-FR"/>
               <a:t>Cliquez pour modifier le style du titre</a:t>
             </a:r>
-            <a:endParaRPr lang="fr-FR"/>
           </a:p>
         </p:txBody>
       </p:sp>
@@ -5891,38 +5873,37 @@
           <a:p>
             <a:pPr lvl="0"/>
             <a:r>
-              <a:rPr lang="fr-FR" smtClean="0"/>
+              <a:rPr lang="fr-FR"/>
               <a:t>Cliquez pour modifier les styles du texte du masque</a:t>
             </a:r>
           </a:p>
           <a:p>
             <a:pPr lvl="1"/>
             <a:r>
-              <a:rPr lang="fr-FR" smtClean="0"/>
+              <a:rPr lang="fr-FR"/>
               <a:t>Deuxième niveau</a:t>
             </a:r>
           </a:p>
           <a:p>
             <a:pPr lvl="2"/>
             <a:r>
-              <a:rPr lang="fr-FR" smtClean="0"/>
+              <a:rPr lang="fr-FR"/>
               <a:t>Troisième niveau</a:t>
             </a:r>
           </a:p>
           <a:p>
             <a:pPr lvl="3"/>
             <a:r>
-              <a:rPr lang="fr-FR" smtClean="0"/>
+              <a:rPr lang="fr-FR"/>
               <a:t>Quatrième niveau</a:t>
             </a:r>
           </a:p>
           <a:p>
             <a:pPr lvl="4"/>
             <a:r>
-              <a:rPr lang="fr-FR" smtClean="0"/>
+              <a:rPr lang="fr-FR"/>
               <a:t>Cinquième niveau</a:t>
             </a:r>
-            <a:endParaRPr lang="fr-FR"/>
           </a:p>
         </p:txBody>
       </p:sp>
@@ -5985,7 +5966,7 @@
           <a:p>
             <a:pPr lvl="0"/>
             <a:r>
-              <a:rPr lang="fr-FR" smtClean="0"/>
+              <a:rPr lang="fr-FR"/>
               <a:t>Cliquez pour modifier les styles du texte du masque</a:t>
             </a:r>
           </a:p>
@@ -6046,10 +6027,9 @@
           </a:lstStyle>
           <a:p>
             <a:r>
-              <a:rPr lang="fr-FR" smtClean="0"/>
+              <a:rPr lang="fr-FR"/>
               <a:t>Cliquez pour modifier le style du titre</a:t>
             </a:r>
-            <a:endParaRPr lang="fr-FR"/>
           </a:p>
         </p:txBody>
       </p:sp>
@@ -6111,7 +6091,7 @@
           </a:lstStyle>
           <a:p>
             <a:pPr lvl="0"/>
-            <a:endParaRPr lang="fr-FR" noProof="0" smtClean="0"/>
+            <a:endParaRPr lang="fr-FR" noProof="0"/>
           </a:p>
         </p:txBody>
       </p:sp>
@@ -6174,7 +6154,7 @@
           <a:p>
             <a:pPr lvl="0"/>
             <a:r>
-              <a:rPr lang="fr-FR" smtClean="0"/>
+              <a:rPr lang="fr-FR"/>
               <a:t>Cliquez pour modifier les styles du texte du masque</a:t>
             </a:r>
           </a:p>
@@ -6357,7 +6337,7 @@
             <a:pPr eaLnBrk="1" hangingPunct="1">
               <a:defRPr/>
             </a:pPr>
-            <a:endParaRPr lang="fr-FR" altLang="fr-FR" smtClean="0"/>
+            <a:endParaRPr lang="fr-FR" altLang="fr-FR"/>
           </a:p>
         </p:txBody>
       </p:sp>
@@ -6511,7 +6491,7 @@
               <a:defRPr/>
             </a:pPr>
             <a:r>
-              <a:rPr lang="fr-FR" altLang="fr-FR" sz="1200" smtClean="0"/>
+              <a:rPr lang="fr-FR" altLang="fr-FR" sz="1200"/>
               <a:t>Page </a:t>
             </a:r>
             <a:fld id="{1706FA2A-E49C-4B2B-8D52-E45B1D57F2DD}" type="slidenum">
@@ -6524,7 +6504,7 @@
               </a:pPr>
               <a:t>‹N°›</a:t>
             </a:fld>
-            <a:endParaRPr lang="fr-FR" altLang="fr-FR" smtClean="0">
+            <a:endParaRPr lang="fr-FR" altLang="fr-FR">
               <a:latin typeface="Times New Roman" panose="02020603050405020304" pitchFamily="18" charset="0"/>
             </a:endParaRPr>
           </a:p>
@@ -6582,7 +6562,7 @@
           <a:p>
             <a:pPr lvl="0"/>
             <a:r>
-              <a:rPr lang="fr-FR" altLang="fr-FR" smtClean="0"/>
+              <a:rPr lang="fr-FR" altLang="fr-FR"/>
               <a:t>Cliquez pour modifier le style du titre du masque</a:t>
             </a:r>
           </a:p>
@@ -6640,35 +6620,35 @@
           <a:p>
             <a:pPr lvl="0"/>
             <a:r>
-              <a:rPr lang="fr-FR" altLang="fr-FR" smtClean="0"/>
+              <a:rPr lang="fr-FR" altLang="fr-FR"/>
               <a:t>Cliquez pour modifier les styles du texte du masque</a:t>
             </a:r>
           </a:p>
           <a:p>
             <a:pPr lvl="1"/>
             <a:r>
-              <a:rPr lang="fr-FR" altLang="fr-FR" smtClean="0"/>
+              <a:rPr lang="fr-FR" altLang="fr-FR"/>
               <a:t>Deuxième niveau</a:t>
             </a:r>
           </a:p>
           <a:p>
             <a:pPr lvl="2"/>
             <a:r>
-              <a:rPr lang="fr-FR" altLang="fr-FR" smtClean="0"/>
+              <a:rPr lang="fr-FR" altLang="fr-FR"/>
               <a:t>Troisième niveau</a:t>
             </a:r>
           </a:p>
           <a:p>
             <a:pPr lvl="3"/>
             <a:r>
-              <a:rPr lang="fr-FR" altLang="fr-FR" smtClean="0"/>
+              <a:rPr lang="fr-FR" altLang="fr-FR"/>
               <a:t>Quatrième niveau</a:t>
             </a:r>
           </a:p>
           <a:p>
             <a:pPr lvl="4"/>
             <a:r>
-              <a:rPr lang="fr-FR" altLang="fr-FR" smtClean="0"/>
+              <a:rPr lang="fr-FR" altLang="fr-FR"/>
               <a:t>Cinquième niveau</a:t>
             </a:r>
           </a:p>
@@ -6824,10 +6804,10 @@
               <a:defRPr/>
             </a:pPr>
             <a:r>
-              <a:rPr lang="fr-FR" sz="1200" smtClean="0"/>
+              <a:rPr lang="fr-FR" sz="1200"/>
               <a:t>© Cyril Vincent Conseil</a:t>
             </a:r>
-            <a:endParaRPr lang="fr-FR" smtClean="0">
+            <a:endParaRPr lang="fr-FR">
               <a:latin typeface="Times New Roman" pitchFamily="18" charset="0"/>
             </a:endParaRPr>
           </a:p>
@@ -7309,12 +7289,12 @@
           <a:lstStyle/>
           <a:p>
             <a:pPr eaLnBrk="1" hangingPunct="1"/>
-            <a:endParaRPr lang="fr-FR" altLang="fr-FR" smtClean="0"/>
+            <a:endParaRPr lang="fr-FR" altLang="fr-FR"/>
           </a:p>
           <a:p>
             <a:pPr eaLnBrk="1" hangingPunct="1"/>
             <a:r>
-              <a:rPr lang="fr-FR" altLang="fr-FR" smtClean="0"/>
+              <a:rPr lang="fr-FR" altLang="fr-FR"/>
               <a:t>REST</a:t>
             </a:r>
           </a:p>
@@ -7420,13 +7400,6 @@
   <p:clrMapOvr>
     <a:masterClrMapping/>
   </p:clrMapOvr>
-  <p:timing>
-    <p:tnLst>
-      <p:par>
-        <p:cTn id="1" dur="indefinite" restart="never" nodeType="tmRoot"/>
-      </p:par>
-    </p:tnLst>
-  </p:timing>
 </p:sld>
 </file>
 
@@ -7463,7 +7436,7 @@
           <a:lstStyle/>
           <a:p>
             <a:r>
-              <a:rPr lang="fr-FR" altLang="fr-FR" smtClean="0"/>
+              <a:rPr lang="fr-FR" altLang="fr-FR"/>
               <a:t>REST</a:t>
             </a:r>
           </a:p>
@@ -7490,112 +7463,112 @@
           <a:lstStyle/>
           <a:p>
             <a:r>
-              <a:rPr lang="fr-FR" altLang="fr-FR" sz="1800" smtClean="0"/>
+              <a:rPr lang="fr-FR" altLang="fr-FR" sz="1800"/>
               <a:t>REST (</a:t>
             </a:r>
             <a:r>
-              <a:rPr lang="fr-FR" altLang="fr-FR" sz="1800" i="1" u="sng" smtClean="0"/>
+              <a:rPr lang="fr-FR" altLang="fr-FR" sz="1800" i="1" u="sng"/>
               <a:t>Re</a:t>
             </a:r>
             <a:r>
-              <a:rPr lang="fr-FR" altLang="fr-FR" sz="1800" i="1" smtClean="0"/>
+              <a:rPr lang="fr-FR" altLang="fr-FR" sz="1800" i="1"/>
               <a:t>presentational </a:t>
             </a:r>
             <a:r>
-              <a:rPr lang="fr-FR" altLang="fr-FR" sz="1800" i="1" u="sng" smtClean="0"/>
+              <a:rPr lang="fr-FR" altLang="fr-FR" sz="1800" i="1" u="sng"/>
               <a:t>S</a:t>
             </a:r>
             <a:r>
-              <a:rPr lang="fr-FR" altLang="fr-FR" sz="1800" i="1" smtClean="0"/>
+              <a:rPr lang="fr-FR" altLang="fr-FR" sz="1800" i="1"/>
               <a:t>tate </a:t>
             </a:r>
             <a:r>
-              <a:rPr lang="fr-FR" altLang="fr-FR" sz="1800" i="1" u="sng" smtClean="0"/>
+              <a:rPr lang="fr-FR" altLang="fr-FR" sz="1800" i="1" u="sng"/>
               <a:t>T</a:t>
             </a:r>
             <a:r>
-              <a:rPr lang="fr-FR" altLang="fr-FR" sz="1800" i="1" smtClean="0"/>
+              <a:rPr lang="fr-FR" altLang="fr-FR" sz="1800" i="1"/>
               <a:t>ransfer </a:t>
             </a:r>
             <a:r>
-              <a:rPr lang="fr-FR" altLang="fr-FR" sz="1800" smtClean="0"/>
+              <a:rPr lang="fr-FR" altLang="fr-FR" sz="1800"/>
               <a:t>) est un type</a:t>
             </a:r>
             <a:br>
-              <a:rPr lang="fr-FR" altLang="fr-FR" sz="1800" smtClean="0"/>
+              <a:rPr lang="fr-FR" altLang="fr-FR" sz="1800"/>
             </a:br>
             <a:r>
-              <a:rPr lang="fr-FR" altLang="fr-FR" sz="1800" smtClean="0"/>
+              <a:rPr lang="fr-FR" altLang="fr-FR" sz="1800"/>
               <a:t>d’architecture logicielle</a:t>
             </a:r>
           </a:p>
           <a:p>
             <a:pPr lvl="1"/>
             <a:r>
-              <a:rPr lang="fr-FR" altLang="fr-FR" sz="1800" smtClean="0"/>
+              <a:rPr lang="fr-FR" altLang="fr-FR" sz="1800"/>
               <a:t>Décrit des architectures distribuées constituées de services </a:t>
             </a:r>
             <a:br>
-              <a:rPr lang="fr-FR" altLang="fr-FR" sz="1800" smtClean="0"/>
+              <a:rPr lang="fr-FR" altLang="fr-FR" sz="1800"/>
             </a:br>
             <a:r>
-              <a:rPr lang="fr-FR" altLang="fr-FR" sz="1800" smtClean="0"/>
+              <a:rPr lang="fr-FR" altLang="fr-FR" sz="1800"/>
               <a:t>sans états</a:t>
             </a:r>
           </a:p>
           <a:p>
             <a:pPr lvl="1"/>
             <a:r>
-              <a:rPr lang="fr-FR" altLang="fr-FR" sz="1800" smtClean="0"/>
+              <a:rPr lang="fr-FR" altLang="fr-FR" sz="1800"/>
               <a:t>Forgé par Roy Fielding pour décrire l’architecture du World Wide Web</a:t>
             </a:r>
           </a:p>
           <a:p>
             <a:r>
-              <a:rPr lang="fr-FR" altLang="fr-FR" sz="1800" smtClean="0"/>
+              <a:rPr lang="fr-FR" altLang="fr-FR" sz="1800"/>
               <a:t>Dans les services Web SOAP/WSDL, toutes les opérations vont à l’URL du service est sont déterminées par le type du message reçu</a:t>
             </a:r>
           </a:p>
           <a:p>
             <a:r>
-              <a:rPr lang="fr-FR" altLang="fr-FR" sz="1800" smtClean="0"/>
+              <a:rPr lang="fr-FR" altLang="fr-FR" sz="1800"/>
               <a:t>Dans REST, chaque opération a une URL unique </a:t>
             </a:r>
           </a:p>
           <a:p>
             <a:pPr lvl="1"/>
             <a:r>
-              <a:rPr lang="fr-FR" altLang="fr-FR" sz="1800" smtClean="0"/>
+              <a:rPr lang="fr-FR" altLang="fr-FR" sz="1800"/>
               <a:t>Le  client envoie la requête HTTP a une « ressource » sur le serveur</a:t>
             </a:r>
           </a:p>
           <a:p>
             <a:pPr lvl="1"/>
             <a:r>
-              <a:rPr lang="fr-FR" altLang="fr-FR" sz="1800" smtClean="0"/>
+              <a:rPr lang="fr-FR" altLang="fr-FR" sz="1800"/>
               <a:t>Les données sont généralement envoyées et reçues par le serveur sous forme de messages XML ordinaires</a:t>
             </a:r>
           </a:p>
           <a:p>
             <a:pPr lvl="1"/>
             <a:r>
-              <a:rPr lang="fr-FR" altLang="fr-FR" sz="1800" smtClean="0"/>
+              <a:rPr lang="fr-FR" altLang="fr-FR" sz="1800"/>
               <a:t>REST est plus simple et moins formel que l’emploi de SOAP/WSDL</a:t>
             </a:r>
           </a:p>
           <a:p>
             <a:r>
-              <a:rPr lang="fr-FR" altLang="fr-FR" sz="1800" smtClean="0"/>
+              <a:rPr lang="fr-FR" altLang="fr-FR" sz="1800"/>
               <a:t>On peut utiliser l’API Provider côté serveur pour servir du XML ordinaire</a:t>
             </a:r>
           </a:p>
           <a:p>
             <a:pPr lvl="1"/>
             <a:r>
-              <a:rPr lang="fr-FR" altLang="fr-FR" sz="1800" smtClean="0"/>
+              <a:rPr lang="fr-FR" altLang="fr-FR" sz="1800"/>
               <a:t>Utile si le XML est stocké en colonne dans une base de données et que la base prend en charge les interrogations style XPath</a:t>
             </a:r>
-            <a:endParaRPr lang="fr-FR" altLang="fr-FR" sz="1800" smtClean="0">
+            <a:endParaRPr lang="fr-FR" altLang="fr-FR" sz="1800">
               <a:latin typeface="Courier New" panose="02070309020205020404" pitchFamily="49" charset="0"/>
               <a:cs typeface="Courier New" panose="02070309020205020404" pitchFamily="49" charset="0"/>
             </a:endParaRPr>
@@ -7610,13 +7583,6 @@
   <p:clrMapOvr>
     <a:masterClrMapping/>
   </p:clrMapOvr>
-  <p:timing>
-    <p:tnLst>
-      <p:par>
-        <p:cTn id="1" dur="indefinite" restart="never" nodeType="tmRoot"/>
-      </p:par>
-    </p:tnLst>
-  </p:timing>
 </p:sld>
 </file>
 
@@ -7653,7 +7619,7 @@
           <a:lstStyle/>
           <a:p>
             <a:r>
-              <a:rPr lang="fr-FR" altLang="fr-FR" smtClean="0"/>
+              <a:rPr lang="fr-FR" altLang="fr-FR"/>
               <a:t>Qu’est-ce qui rend Ajax différent?</a:t>
             </a:r>
           </a:p>
@@ -7680,27 +7646,27 @@
           <a:lstStyle/>
           <a:p>
             <a:r>
-              <a:rPr lang="fr-FR" altLang="fr-FR" sz="1800" smtClean="0"/>
+              <a:rPr lang="fr-FR" altLang="fr-FR" sz="1800"/>
               <a:t>Dans les applications Web classiques, les requêtes sont synchrones</a:t>
             </a:r>
           </a:p>
           <a:p>
             <a:pPr lvl="1"/>
             <a:r>
-              <a:rPr lang="fr-FR" altLang="fr-FR" sz="1800" smtClean="0"/>
+              <a:rPr lang="fr-FR" altLang="fr-FR" sz="1800"/>
               <a:t>La réponse du serveur amène le client à une page différente </a:t>
             </a:r>
           </a:p>
           <a:p>
             <a:r>
-              <a:rPr lang="fr-FR" altLang="fr-FR" sz="1800" smtClean="0"/>
+              <a:rPr lang="fr-FR" altLang="fr-FR" sz="1800"/>
               <a:t>Les applications Ajax émettent les requêtes de manière asynchrone</a:t>
             </a:r>
           </a:p>
           <a:p>
             <a:pPr lvl="1"/>
             <a:r>
-              <a:rPr lang="fr-FR" altLang="fr-FR" sz="1800" smtClean="0"/>
+              <a:rPr lang="fr-FR" altLang="fr-FR" sz="1800"/>
               <a:t>Quand la réponse arrive, le client met à jour la page Web courante</a:t>
             </a:r>
           </a:p>
@@ -7722,7 +7688,7 @@
           <a:graphicData uri="http://schemas.openxmlformats.org/presentationml/2006/ole">
             <mc:AlternateContent xmlns:mc="http://schemas.openxmlformats.org/markup-compatibility/2006">
               <mc:Choice xmlns:v="urn:schemas-microsoft-com:vml" Requires="v">
-                <p:oleObj spid="_x0000_s23560" name="Visio" r:id="rId5" imgW="3391939" imgH="2771706" progId="">
+                <p:oleObj spid="_x0000_s23568" name="Visio" r:id="rId5" imgW="3391939" imgH="2771706" progId="">
                   <p:embed/>
                 </p:oleObj>
               </mc:Choice>
@@ -7805,7 +7771,7 @@
           <a:graphicData uri="http://schemas.openxmlformats.org/presentationml/2006/ole">
             <mc:AlternateContent xmlns:mc="http://schemas.openxmlformats.org/markup-compatibility/2006">
               <mc:Choice xmlns:v="urn:schemas-microsoft-com:vml" Requires="v">
-                <p:oleObj spid="_x0000_s23561" name="Visio" r:id="rId7" imgW="4644189" imgH="2187953" progId="">
+                <p:oleObj spid="_x0000_s23569" name="Visio" r:id="rId7" imgW="4644189" imgH="2187953" progId="">
                   <p:embed/>
                 </p:oleObj>
               </mc:Choice>
@@ -7880,13 +7846,6 @@
   <p:clrMapOvr>
     <a:masterClrMapping/>
   </p:clrMapOvr>
-  <p:timing>
-    <p:tnLst>
-      <p:par>
-        <p:cTn id="1" dur="indefinite" restart="never" nodeType="tmRoot"/>
-      </p:par>
-    </p:tnLst>
-  </p:timing>
 </p:sld>
 </file>
 
@@ -7923,7 +7882,7 @@
           <a:lstStyle/>
           <a:p>
             <a:r>
-              <a:rPr lang="fr-FR" altLang="fr-FR" smtClean="0"/>
+              <a:rPr lang="fr-FR" altLang="fr-FR"/>
               <a:t>Ajax</a:t>
             </a:r>
           </a:p>
@@ -7950,22 +7909,22 @@
           <a:lstStyle/>
           <a:p>
             <a:r>
-              <a:rPr lang="fr-FR" altLang="fr-FR" sz="1800" smtClean="0"/>
+              <a:rPr lang="fr-FR" altLang="fr-FR" sz="1800"/>
               <a:t>Acronyme de </a:t>
             </a:r>
             <a:r>
-              <a:rPr lang="fr-FR" altLang="fr-FR" sz="1800" i="1" smtClean="0"/>
+              <a:rPr lang="fr-FR" altLang="fr-FR" sz="1800" i="1"/>
               <a:t>Asynchronous JavaScript &amp; XML</a:t>
             </a:r>
           </a:p>
           <a:p>
             <a:pPr lvl="1"/>
             <a:r>
-              <a:rPr lang="fr-FR" altLang="fr-FR" sz="1800" smtClean="0"/>
+              <a:rPr lang="fr-FR" altLang="fr-FR" sz="1800"/>
               <a:t>Terme forgé par Jesse James Garrett dans un article de 2005 : </a:t>
             </a:r>
             <a:r>
-              <a:rPr lang="fr-FR" altLang="fr-FR" sz="1600" smtClean="0">
+              <a:rPr lang="fr-FR" altLang="fr-FR" sz="1600">
                 <a:latin typeface="Courier New" panose="02070309020205020404" pitchFamily="49" charset="0"/>
                 <a:cs typeface="Courier New" panose="02070309020205020404" pitchFamily="49" charset="0"/>
               </a:rPr>
@@ -7974,75 +7933,75 @@
           </a:p>
           <a:p>
             <a:r>
-              <a:rPr lang="fr-FR" altLang="fr-FR" sz="1800" smtClean="0"/>
+              <a:rPr lang="fr-FR" altLang="fr-FR" sz="1800"/>
               <a:t>En Ajax, le code JavaScript est exécuté par le navigateur Web</a:t>
             </a:r>
           </a:p>
           <a:p>
             <a:pPr lvl="1"/>
             <a:r>
-              <a:rPr lang="fr-FR" altLang="fr-FR" sz="1800" smtClean="0">
+              <a:rPr lang="fr-FR" altLang="fr-FR" sz="1800">
                 <a:latin typeface="Courier New" panose="02070309020205020404" pitchFamily="49" charset="0"/>
               </a:rPr>
               <a:t>XmlHttpRequest</a:t>
             </a:r>
             <a:r>
-              <a:rPr lang="fr-FR" altLang="fr-FR" sz="1800" smtClean="0"/>
+              <a:rPr lang="fr-FR" altLang="fr-FR" sz="1800"/>
               <a:t> est émis par le code JavaScript</a:t>
             </a:r>
           </a:p>
           <a:p>
             <a:pPr lvl="2"/>
             <a:r>
-              <a:rPr lang="fr-FR" altLang="fr-FR" sz="1800" smtClean="0"/>
+              <a:rPr lang="fr-FR" altLang="fr-FR" sz="1800"/>
               <a:t>Un objet spécial peut demander les données du serveur sans recharger la page</a:t>
             </a:r>
           </a:p>
           <a:p>
             <a:pPr lvl="2"/>
             <a:r>
-              <a:rPr lang="fr-FR" altLang="fr-FR" sz="1800" smtClean="0"/>
+              <a:rPr lang="fr-FR" altLang="fr-FR" sz="1800"/>
               <a:t>La page Web courante est actualisée avec la réponse quand elle</a:t>
             </a:r>
             <a:br>
-              <a:rPr lang="fr-FR" altLang="fr-FR" sz="1800" smtClean="0"/>
+              <a:rPr lang="fr-FR" altLang="fr-FR" sz="1800"/>
             </a:br>
             <a:r>
-              <a:rPr lang="fr-FR" altLang="fr-FR" sz="1800" smtClean="0"/>
+              <a:rPr lang="fr-FR" altLang="fr-FR" sz="1800"/>
               <a:t>est disponible</a:t>
             </a:r>
           </a:p>
           <a:p>
             <a:pPr lvl="1"/>
             <a:r>
-              <a:rPr lang="fr-FR" altLang="fr-FR" sz="1800" smtClean="0"/>
+              <a:rPr lang="fr-FR" altLang="fr-FR" sz="1800"/>
               <a:t>XML est utilisée pour renvoyer les données depuis le serveur</a:t>
             </a:r>
           </a:p>
           <a:p>
             <a:pPr lvl="2"/>
             <a:r>
-              <a:rPr lang="fr-FR" altLang="fr-FR" sz="1800" smtClean="0"/>
+              <a:rPr lang="fr-FR" altLang="fr-FR" sz="1800"/>
               <a:t>XML est analysé par JavaScript et utilisé pour actualiser l’affichage</a:t>
             </a:r>
           </a:p>
           <a:p>
             <a:r>
-              <a:rPr lang="fr-FR" altLang="fr-FR" sz="1800" smtClean="0"/>
+              <a:rPr lang="fr-FR" altLang="fr-FR" sz="1800"/>
               <a:t>L’essentiel d’Ajax se trouve côté client</a:t>
             </a:r>
           </a:p>
           <a:p>
             <a:pPr lvl="1"/>
             <a:r>
-              <a:rPr lang="fr-FR" altLang="fr-FR" sz="1800" smtClean="0"/>
+              <a:rPr lang="fr-FR" altLang="fr-FR" sz="1800"/>
               <a:t>JavaScript dépasse la portée de ce cours</a:t>
             </a:r>
           </a:p>
           <a:p>
             <a:pPr lvl="1"/>
             <a:r>
-              <a:rPr lang="fr-FR" altLang="fr-FR" sz="1800" smtClean="0"/>
+              <a:rPr lang="fr-FR" altLang="fr-FR" sz="1800"/>
               <a:t>Nous nous intéressons plus à ce qui doit être fait côté serveur</a:t>
             </a:r>
           </a:p>
@@ -8824,13 +8783,6 @@
   <p:clrMapOvr>
     <a:masterClrMapping/>
   </p:clrMapOvr>
-  <p:timing>
-    <p:tnLst>
-      <p:par>
-        <p:cTn id="1" dur="indefinite" restart="never" nodeType="tmRoot"/>
-      </p:par>
-    </p:tnLst>
-  </p:timing>
 </p:sld>
 </file>
 
@@ -8872,7 +8824,7 @@
           <a:lstStyle/>
           <a:p>
             <a:r>
-              <a:rPr lang="fr-FR" altLang="fr-FR" smtClean="0"/>
+              <a:rPr lang="fr-FR" altLang="fr-FR"/>
               <a:t>Une application de gestion de stock RESTful</a:t>
             </a:r>
           </a:p>
@@ -8904,14 +8856,14 @@
               </a:lnSpc>
             </a:pPr>
             <a:r>
-              <a:rPr lang="fr-FR" altLang="fr-FR" sz="1800" smtClean="0"/>
+              <a:rPr lang="fr-FR" altLang="fr-FR" sz="1800"/>
               <a:t>Supposez par exemple qu’on veuille construire un service Web  de</a:t>
             </a:r>
             <a:br>
-              <a:rPr lang="fr-FR" altLang="fr-FR" sz="1800" smtClean="0"/>
+              <a:rPr lang="fr-FR" altLang="fr-FR" sz="1800"/>
             </a:br>
             <a:r>
-              <a:rPr lang="fr-FR" altLang="fr-FR" sz="1800" smtClean="0"/>
+              <a:rPr lang="fr-FR" altLang="fr-FR" sz="1800"/>
               <a:t>gestion de stock</a:t>
             </a:r>
           </a:p>
@@ -8922,26 +8874,26 @@
               </a:lnSpc>
             </a:pPr>
             <a:r>
-              <a:rPr lang="fr-FR" altLang="fr-FR" sz="1800" smtClean="0">
+              <a:rPr lang="fr-FR" altLang="fr-FR" sz="1800">
                 <a:cs typeface="Courier New" panose="02070309020205020404" pitchFamily="49" charset="0"/>
               </a:rPr>
               <a:t>Disponible à l’adresse </a:t>
             </a:r>
             <a:r>
-              <a:rPr lang="fr-FR" altLang="fr-FR" sz="1800" smtClean="0">
+              <a:rPr lang="fr-FR" altLang="fr-FR" sz="1800">
                 <a:latin typeface="Courier New" panose="02070309020205020404" pitchFamily="49" charset="0"/>
                 <a:cs typeface="Courier New" panose="02070309020205020404" pitchFamily="49" charset="0"/>
               </a:rPr>
               <a:t>http://rf.com/inventory/rs/item/</a:t>
             </a:r>
             <a:r>
-              <a:rPr lang="fr-FR" altLang="fr-FR" sz="1800" i="1" smtClean="0">
+              <a:rPr lang="fr-FR" altLang="fr-FR" sz="1800" i="1">
                 <a:latin typeface="Courier New" panose="02070309020205020404" pitchFamily="49" charset="0"/>
                 <a:cs typeface="Courier New" panose="02070309020205020404" pitchFamily="49" charset="0"/>
               </a:rPr>
               <a:t>XXXX</a:t>
             </a:r>
-            <a:endParaRPr lang="fr-FR" altLang="fr-FR" sz="1800" i="1" smtClean="0"/>
+            <a:endParaRPr lang="fr-FR" altLang="fr-FR" sz="1800" i="1"/>
           </a:p>
           <a:p>
             <a:pPr>
@@ -8950,7 +8902,7 @@
               </a:lnSpc>
             </a:pPr>
             <a:r>
-              <a:rPr lang="fr-FR" altLang="fr-FR" sz="1800" smtClean="0"/>
+              <a:rPr lang="fr-FR" altLang="fr-FR" sz="1800"/>
               <a:t>Un client Ajax émet des requêtes HTTP/XML</a:t>
             </a:r>
           </a:p>
@@ -8961,24 +8913,24 @@
               </a:lnSpc>
             </a:pPr>
             <a:r>
-              <a:rPr lang="fr-FR" altLang="fr-FR" sz="1800" smtClean="0">
+              <a:rPr lang="fr-FR" altLang="fr-FR" sz="1800">
                 <a:latin typeface="Courier New" panose="02070309020205020404" pitchFamily="49" charset="0"/>
                 <a:cs typeface="Courier New" panose="02070309020205020404" pitchFamily="49" charset="0"/>
               </a:rPr>
               <a:t>HTTP GET</a:t>
             </a:r>
             <a:r>
-              <a:rPr lang="fr-FR" altLang="fr-FR" sz="1800" smtClean="0"/>
+              <a:rPr lang="fr-FR" altLang="fr-FR" sz="1800"/>
               <a:t> vers l’URL </a:t>
             </a:r>
             <a:r>
-              <a:rPr lang="fr-FR" altLang="fr-FR" sz="1800" smtClean="0">
+              <a:rPr lang="fr-FR" altLang="fr-FR" sz="1800">
                 <a:latin typeface="Courier New" panose="02070309020205020404" pitchFamily="49" charset="0"/>
               </a:rPr>
               <a:t>/all</a:t>
             </a:r>
             <a:r>
-              <a:rPr lang="fr-FR" altLang="fr-FR" sz="1800" smtClean="0"/>
+              <a:rPr lang="fr-FR" altLang="fr-FR" sz="1800"/>
               <a:t> retournera tous les articles en stock</a:t>
             </a:r>
           </a:p>
@@ -8989,7 +8941,7 @@
               </a:lnSpc>
             </a:pPr>
             <a:r>
-              <a:rPr lang="fr-FR" altLang="fr-FR" sz="1800" smtClean="0"/>
+              <a:rPr lang="fr-FR" altLang="fr-FR" sz="1800"/>
               <a:t>La réponse retournée sera un document XML</a:t>
             </a:r>
           </a:p>
@@ -9000,14 +8952,14 @@
               </a:lnSpc>
             </a:pPr>
             <a:r>
-              <a:rPr lang="fr-FR" altLang="fr-FR" sz="1800" smtClean="0">
+              <a:rPr lang="fr-FR" altLang="fr-FR" sz="1800">
                 <a:latin typeface="Courier New" panose="02070309020205020404" pitchFamily="49" charset="0"/>
                 <a:cs typeface="Courier New" panose="02070309020205020404" pitchFamily="49" charset="0"/>
               </a:rPr>
               <a:t>HTTP POST</a:t>
             </a:r>
             <a:r>
-              <a:rPr lang="fr-FR" altLang="fr-FR" sz="1800" smtClean="0"/>
+              <a:rPr lang="fr-FR" altLang="fr-FR" sz="1800"/>
               <a:t> déclenchera une mise à jour du stock</a:t>
             </a:r>
           </a:p>
@@ -9018,25 +8970,25 @@
               </a:lnSpc>
             </a:pPr>
             <a:r>
-              <a:rPr lang="fr-FR" altLang="fr-FR" sz="1800" smtClean="0"/>
+              <a:rPr lang="fr-FR" altLang="fr-FR" sz="1800"/>
               <a:t>Le document XML posté contiendra </a:t>
             </a:r>
             <a:r>
-              <a:rPr lang="fr-FR" altLang="fr-FR" sz="1800" smtClean="0">
+              <a:rPr lang="fr-FR" altLang="fr-FR" sz="1800">
                 <a:latin typeface="Courier New" panose="02070309020205020404" pitchFamily="49" charset="0"/>
                 <a:cs typeface="Courier New" panose="02070309020205020404" pitchFamily="49" charset="0"/>
               </a:rPr>
               <a:t>product_id</a:t>
             </a:r>
             <a:r>
-              <a:rPr lang="fr-FR" altLang="fr-FR" sz="1800" smtClean="0"/>
+              <a:rPr lang="fr-FR" altLang="fr-FR" sz="1800"/>
               <a:t> et la</a:t>
             </a:r>
             <a:br>
-              <a:rPr lang="fr-FR" altLang="fr-FR" sz="1800" smtClean="0"/>
+              <a:rPr lang="fr-FR" altLang="fr-FR" sz="1800"/>
             </a:br>
             <a:r>
-              <a:rPr lang="fr-FR" altLang="fr-FR" sz="1800" smtClean="0"/>
+              <a:rPr lang="fr-FR" altLang="fr-FR" sz="1800"/>
               <a:t>nouvelle quantité</a:t>
             </a:r>
           </a:p>
@@ -9047,14 +8999,14 @@
               </a:lnSpc>
             </a:pPr>
             <a:r>
-              <a:rPr lang="fr-FR" altLang="fr-FR" sz="1800" smtClean="0">
+              <a:rPr lang="fr-FR" altLang="fr-FR" sz="1800">
                 <a:latin typeface="Courier New" panose="02070309020205020404" pitchFamily="49" charset="0"/>
                 <a:cs typeface="Courier New" panose="02070309020205020404" pitchFamily="49" charset="0"/>
               </a:rPr>
               <a:t>HTTP PUT</a:t>
             </a:r>
             <a:r>
-              <a:rPr lang="fr-FR" altLang="fr-FR" sz="1800" smtClean="0"/>
+              <a:rPr lang="fr-FR" altLang="fr-FR" sz="1800"/>
               <a:t> provoquera l’insertion de l’enregistrement dans la base de données côté serveur</a:t>
             </a:r>
           </a:p>
@@ -9065,22 +9017,22 @@
               </a:lnSpc>
             </a:pPr>
             <a:r>
-              <a:rPr lang="fr-FR" altLang="fr-FR" sz="1800" smtClean="0"/>
+              <a:rPr lang="fr-FR" altLang="fr-FR" sz="1800"/>
               <a:t>L’URL sera </a:t>
             </a:r>
             <a:r>
-              <a:rPr lang="fr-FR" altLang="fr-FR" sz="1800" smtClean="0">
+              <a:rPr lang="fr-FR" altLang="fr-FR" sz="1800">
                 <a:latin typeface="Courier New" panose="02070309020205020404" pitchFamily="49" charset="0"/>
                 <a:cs typeface="Courier New" panose="02070309020205020404" pitchFamily="49" charset="0"/>
               </a:rPr>
               <a:t>/3012</a:t>
             </a:r>
             <a:r>
-              <a:rPr lang="fr-FR" altLang="fr-FR" sz="1800" smtClean="0"/>
+              <a:rPr lang="fr-FR" altLang="fr-FR" sz="1800"/>
               <a:t> pour insérer l’enregistrement contenant </a:t>
             </a:r>
             <a:r>
-              <a:rPr lang="fr-FR" altLang="fr-FR" sz="1800" smtClean="0">
+              <a:rPr lang="fr-FR" altLang="fr-FR" sz="1800">
                 <a:latin typeface="Courier New" panose="02070309020205020404" pitchFamily="49" charset="0"/>
                 <a:cs typeface="Courier New" panose="02070309020205020404" pitchFamily="49" charset="0"/>
               </a:rPr>
@@ -9094,7 +9046,7 @@
               </a:lnSpc>
             </a:pPr>
             <a:r>
-              <a:rPr lang="fr-FR" altLang="fr-FR" sz="1800" smtClean="0"/>
+              <a:rPr lang="fr-FR" altLang="fr-FR" sz="1800"/>
               <a:t>Le XML posté contiendra la quantité</a:t>
             </a:r>
           </a:p>
@@ -9105,14 +9057,14 @@
               </a:lnSpc>
             </a:pPr>
             <a:r>
-              <a:rPr lang="fr-FR" altLang="fr-FR" sz="1800" smtClean="0">
+              <a:rPr lang="fr-FR" altLang="fr-FR" sz="1800">
                 <a:latin typeface="Courier New" panose="02070309020205020404" pitchFamily="49" charset="0"/>
                 <a:cs typeface="Courier New" panose="02070309020205020404" pitchFamily="49" charset="0"/>
               </a:rPr>
               <a:t>HTTP DELETE</a:t>
             </a:r>
             <a:r>
-              <a:rPr lang="fr-FR" altLang="fr-FR" sz="1800" smtClean="0"/>
+              <a:rPr lang="fr-FR" altLang="fr-FR" sz="1800"/>
               <a:t> provoquera la suppression de l’enregistrement dans la base de données côté serveur</a:t>
             </a:r>
           </a:p>
@@ -9123,22 +9075,22 @@
               </a:lnSpc>
             </a:pPr>
             <a:r>
-              <a:rPr lang="fr-FR" altLang="fr-FR" sz="1800" smtClean="0"/>
+              <a:rPr lang="fr-FR" altLang="fr-FR" sz="1800"/>
               <a:t>L’URL sera </a:t>
             </a:r>
             <a:r>
-              <a:rPr lang="fr-FR" altLang="fr-FR" sz="1800" smtClean="0">
+              <a:rPr lang="fr-FR" altLang="fr-FR" sz="1800">
                 <a:latin typeface="Courier New" panose="02070309020205020404" pitchFamily="49" charset="0"/>
                 <a:cs typeface="Courier New" panose="02070309020205020404" pitchFamily="49" charset="0"/>
               </a:rPr>
               <a:t>/3012</a:t>
             </a:r>
             <a:r>
-              <a:rPr lang="fr-FR" altLang="fr-FR" sz="1800" smtClean="0"/>
+              <a:rPr lang="fr-FR" altLang="fr-FR" sz="1800"/>
               <a:t> pour supprimer l’enregistrement contenant </a:t>
             </a:r>
             <a:r>
-              <a:rPr lang="fr-FR" altLang="fr-FR" sz="1800" smtClean="0">
+              <a:rPr lang="fr-FR" altLang="fr-FR" sz="1800">
                 <a:latin typeface="Courier New" panose="02070309020205020404" pitchFamily="49" charset="0"/>
                 <a:cs typeface="Courier New" panose="02070309020205020404" pitchFamily="49" charset="0"/>
               </a:rPr>
@@ -9155,13 +9107,6 @@
   <p:clrMapOvr>
     <a:masterClrMapping/>
   </p:clrMapOvr>
-  <p:timing>
-    <p:tnLst>
-      <p:par>
-        <p:cTn id="1" dur="indefinite" restart="never" nodeType="tmRoot"/>
-      </p:par>
-    </p:tnLst>
-  </p:timing>
 </p:sld>
 </file>
 
@@ -9203,16 +9148,16 @@
           <a:lstStyle/>
           <a:p>
             <a:r>
-              <a:rPr lang="fr-FR" altLang="fr-FR" smtClean="0"/>
+              <a:rPr lang="fr-FR" altLang="fr-FR"/>
               <a:t>Implémenter des services RESTful  avec JAX-RS</a:t>
             </a:r>
             <a:r>
-              <a:rPr lang="fr-FR" altLang="fr-FR" smtClean="0">
+              <a:rPr lang="fr-FR" altLang="fr-FR">
                 <a:latin typeface="Courier New" panose="02070309020205020404" pitchFamily="49" charset="0"/>
               </a:rPr>
               <a:t> </a:t>
             </a:r>
-            <a:endParaRPr lang="fr-FR" altLang="fr-FR" smtClean="0"/>
+            <a:endParaRPr lang="fr-FR" altLang="fr-FR"/>
           </a:p>
         </p:txBody>
       </p:sp>
@@ -9237,77 +9182,77 @@
           <a:lstStyle/>
           <a:p>
             <a:r>
-              <a:rPr lang="fr-FR" altLang="fr-FR" sz="1800" smtClean="0"/>
+              <a:rPr lang="fr-FR" altLang="fr-FR" sz="1800"/>
               <a:t>JAX-RS simplifie le développement de services RESTful</a:t>
             </a:r>
           </a:p>
           <a:p>
             <a:pPr lvl="1"/>
             <a:r>
-              <a:rPr lang="fr-FR" altLang="fr-FR" sz="1800" smtClean="0"/>
+              <a:rPr lang="fr-FR" altLang="fr-FR" sz="1800"/>
               <a:t>JAX-RS est une API standard définie par la JSR 311</a:t>
             </a:r>
           </a:p>
           <a:p>
             <a:pPr lvl="1"/>
             <a:r>
-              <a:rPr lang="fr-FR" altLang="fr-FR" sz="1800" smtClean="0">
+              <a:rPr lang="fr-FR" altLang="fr-FR" sz="1800">
                 <a:latin typeface="Courier New" panose="02070309020205020404" pitchFamily="49" charset="0"/>
               </a:rPr>
               <a:t>jsr311-api.jar</a:t>
             </a:r>
             <a:r>
-              <a:rPr lang="fr-FR" altLang="fr-FR" sz="1800" smtClean="0"/>
+              <a:rPr lang="fr-FR" altLang="fr-FR" sz="1800"/>
               <a:t> doit être dans le classpath durant la compilation</a:t>
             </a:r>
           </a:p>
           <a:p>
             <a:r>
-              <a:rPr lang="fr-FR" altLang="fr-FR" sz="1800" smtClean="0"/>
+              <a:rPr lang="fr-FR" altLang="fr-FR" sz="1800"/>
               <a:t>L’implémentation de référence pour JAX-RS s’appelle Jersey</a:t>
             </a:r>
           </a:p>
           <a:p>
             <a:pPr lvl="1"/>
             <a:r>
-              <a:rPr lang="fr-FR" altLang="fr-FR" sz="1800" smtClean="0"/>
+              <a:rPr lang="fr-FR" altLang="fr-FR" sz="1800"/>
               <a:t>Pour utiliser Jersey dans votre application Web, mettez à jour GlassFish </a:t>
             </a:r>
             <a:br>
-              <a:rPr lang="fr-FR" altLang="fr-FR" sz="1800" smtClean="0"/>
+              <a:rPr lang="fr-FR" altLang="fr-FR" sz="1800"/>
             </a:br>
             <a:r>
-              <a:rPr lang="fr-FR" altLang="fr-FR" sz="1800" smtClean="0"/>
+              <a:rPr lang="fr-FR" altLang="fr-FR" sz="1800"/>
               <a:t>(ou un autre serveur d’applications)  et incluez Jersey</a:t>
             </a:r>
           </a:p>
           <a:p>
             <a:pPr lvl="1"/>
             <a:r>
-              <a:rPr lang="fr-FR" altLang="fr-FR" sz="1800" smtClean="0">
+              <a:rPr lang="fr-FR" altLang="fr-FR" sz="1800">
                 <a:latin typeface="Courier New" panose="02070309020205020404" pitchFamily="49" charset="0"/>
               </a:rPr>
               <a:t>jsr311-api.jar</a:t>
             </a:r>
             <a:r>
-              <a:rPr lang="fr-FR" altLang="fr-FR" sz="1800" smtClean="0"/>
+              <a:rPr lang="fr-FR" altLang="fr-FR" sz="1800"/>
               <a:t> distribué avec Jersey</a:t>
             </a:r>
           </a:p>
           <a:p>
             <a:r>
-              <a:rPr lang="fr-FR" altLang="fr-FR" sz="1800" smtClean="0"/>
+              <a:rPr lang="fr-FR" altLang="fr-FR" sz="1800"/>
               <a:t>Pour implémenter un service RESTful avec JAX-RS :</a:t>
             </a:r>
           </a:p>
           <a:p>
             <a:pPr lvl="1"/>
             <a:r>
-              <a:rPr lang="fr-FR" altLang="fr-FR" sz="1800" smtClean="0"/>
+              <a:rPr lang="fr-FR" altLang="fr-FR" sz="1800"/>
               <a:t>Configurer l’association d’URL dans </a:t>
             </a:r>
             <a:r>
-              <a:rPr lang="fr-FR" altLang="fr-FR" sz="1800" smtClean="0">
+              <a:rPr lang="fr-FR" altLang="fr-FR" sz="1800">
                 <a:latin typeface="Courier New" panose="02070309020205020404" pitchFamily="49" charset="0"/>
                 <a:cs typeface="Courier New" panose="02070309020205020404" pitchFamily="49" charset="0"/>
               </a:rPr>
@@ -9317,26 +9262,26 @@
           <a:p>
             <a:pPr lvl="1"/>
             <a:r>
-              <a:rPr lang="fr-FR" altLang="fr-FR" sz="1800" smtClean="0"/>
+              <a:rPr lang="fr-FR" altLang="fr-FR" sz="1800"/>
               <a:t>Écrire le service Web avec des annotations JAX-RS </a:t>
             </a:r>
           </a:p>
           <a:p>
             <a:pPr lvl="1"/>
             <a:r>
-              <a:rPr lang="fr-FR" altLang="fr-FR" sz="1800" smtClean="0"/>
+              <a:rPr lang="fr-FR" altLang="fr-FR" sz="1800"/>
               <a:t>Créer et déployer le fichier WAR comme d’habitude</a:t>
             </a:r>
           </a:p>
           <a:p>
             <a:r>
-              <a:rPr lang="fr-FR" altLang="fr-FR" sz="2200" smtClean="0"/>
+              <a:rPr lang="fr-FR" altLang="fr-FR" sz="2200"/>
               <a:t>Complexe</a:t>
             </a:r>
           </a:p>
           <a:p>
             <a:pPr lvl="1"/>
-            <a:endParaRPr lang="fr-FR" altLang="fr-FR" sz="1800" smtClean="0"/>
+            <a:endParaRPr lang="fr-FR" altLang="fr-FR" sz="1800"/>
           </a:p>
         </p:txBody>
       </p:sp>
@@ -9348,13 +9293,6 @@
   <p:clrMapOvr>
     <a:masterClrMapping/>
   </p:clrMapOvr>
-  <p:timing>
-    <p:tnLst>
-      <p:par>
-        <p:cTn id="1" dur="indefinite" restart="never" nodeType="tmRoot"/>
-      </p:par>
-    </p:tnLst>
-  </p:timing>
 </p:sld>
 </file>
 
@@ -9391,7 +9329,7 @@
           <a:lstStyle/>
           <a:p>
             <a:r>
-              <a:rPr lang="fr-FR" altLang="fr-FR" smtClean="0"/>
+              <a:rPr lang="fr-FR" altLang="fr-FR"/>
               <a:t>Spring Boot</a:t>
             </a:r>
           </a:p>
@@ -9418,18 +9356,18 @@
           <a:lstStyle/>
           <a:p>
             <a:r>
-              <a:rPr lang="fr-FR" altLang="fr-FR" smtClean="0"/>
+              <a:rPr lang="fr-FR" altLang="fr-FR"/>
               <a:t>Spring Boot permet de simplifier le développement REST backend</a:t>
             </a:r>
           </a:p>
           <a:p>
             <a:r>
-              <a:rPr lang="fr-FR" altLang="fr-FR" smtClean="0"/>
+              <a:rPr lang="fr-FR" altLang="fr-FR"/>
               <a:t>Dépendance Spring Web</a:t>
             </a:r>
           </a:p>
           <a:p>
-            <a:endParaRPr lang="fr-FR" altLang="fr-FR" smtClean="0"/>
+            <a:endParaRPr lang="fr-FR" altLang="fr-FR"/>
           </a:p>
         </p:txBody>
       </p:sp>
@@ -9569,7 +9507,7 @@
           <a:lstStyle/>
           <a:p>
             <a:r>
-              <a:rPr lang="fr-FR" altLang="fr-FR" smtClean="0"/>
+              <a:rPr lang="fr-FR" altLang="fr-FR"/>
               <a:t>Initializr</a:t>
             </a:r>
           </a:p>
@@ -9590,7 +9528,7 @@
           <a:bodyPr/>
           <a:lstStyle/>
           <a:p>
-            <a:endParaRPr lang="fr-FR" altLang="fr-FR" smtClean="0"/>
+            <a:endParaRPr lang="fr-FR" altLang="fr-FR"/>
           </a:p>
         </p:txBody>
       </p:sp>
@@ -9689,7 +9627,7 @@
           <a:lstStyle/>
           <a:p>
             <a:r>
-              <a:rPr lang="fr-FR" altLang="fr-FR" smtClean="0"/>
+              <a:rPr lang="fr-FR" altLang="fr-FR"/>
               <a:t>Dépendances</a:t>
             </a:r>
           </a:p>
@@ -9711,40 +9649,40 @@
           <a:lstStyle/>
           <a:p>
             <a:r>
-              <a:rPr lang="fr-FR" altLang="fr-FR" smtClean="0"/>
+              <a:rPr lang="fr-FR" altLang="fr-FR"/>
               <a:t>Lombok</a:t>
             </a:r>
           </a:p>
           <a:p>
             <a:pPr lvl="1"/>
             <a:r>
-              <a:rPr lang="fr-FR" altLang="fr-FR" smtClean="0"/>
+              <a:rPr lang="fr-FR" altLang="fr-FR"/>
               <a:t>Permet de simplifier la programmation Java</a:t>
             </a:r>
           </a:p>
           <a:p>
             <a:pPr lvl="1"/>
             <a:r>
-              <a:rPr lang="fr-FR" altLang="fr-FR" smtClean="0"/>
+              <a:rPr lang="fr-FR" altLang="fr-FR"/>
               <a:t>Création des constructeurs et des getter / setter automatique</a:t>
             </a:r>
           </a:p>
           <a:p>
             <a:r>
-              <a:rPr lang="fr-FR" altLang="fr-FR" smtClean="0"/>
+              <a:rPr lang="fr-FR" altLang="fr-FR"/>
               <a:t>JPA</a:t>
             </a:r>
           </a:p>
           <a:p>
             <a:r>
-              <a:rPr lang="fr-FR" altLang="fr-FR" smtClean="0"/>
+              <a:rPr lang="fr-FR" altLang="fr-FR"/>
               <a:t>H2</a:t>
             </a:r>
           </a:p>
           <a:p>
             <a:pPr lvl="1"/>
             <a:r>
-              <a:rPr lang="fr-FR" altLang="fr-FR" smtClean="0"/>
+              <a:rPr lang="fr-FR" altLang="fr-FR"/>
               <a:t>Base de données en mémoire</a:t>
             </a:r>
           </a:p>
@@ -9791,7 +9729,7 @@
           <a:lstStyle/>
           <a:p>
             <a:r>
-              <a:rPr lang="fr-FR" altLang="fr-FR" smtClean="0"/>
+              <a:rPr lang="fr-FR" altLang="fr-FR"/>
               <a:t>Explore</a:t>
             </a:r>
           </a:p>
@@ -9818,7 +9756,7 @@
           <a:lstStyle/>
           <a:p>
             <a:r>
-              <a:rPr lang="fr-FR" altLang="fr-FR" smtClean="0"/>
+              <a:rPr lang="fr-FR" altLang="fr-FR"/>
               <a:t>Dans le menu Explore nous pouvons visualiser les fichiers générés</a:t>
             </a:r>
           </a:p>
@@ -9919,7 +9857,7 @@
           <a:lstStyle/>
           <a:p>
             <a:r>
-              <a:rPr lang="fr-FR" altLang="fr-FR" smtClean="0"/>
+              <a:rPr lang="fr-FR" altLang="fr-FR"/>
               <a:t>IntelliJ</a:t>
             </a:r>
           </a:p>
@@ -9946,26 +9884,26 @@
           <a:lstStyle/>
           <a:p>
             <a:r>
-              <a:rPr lang="fr-FR" altLang="fr-FR" smtClean="0"/>
+              <a:rPr lang="fr-FR" altLang="fr-FR"/>
               <a:t>Pour exécuter le projet via IntelliJ il faut configurer Maven ou Gradle</a:t>
             </a:r>
           </a:p>
           <a:p>
             <a:pPr lvl="1"/>
             <a:r>
-              <a:rPr lang="fr-FR" altLang="fr-FR" smtClean="0"/>
+              <a:rPr lang="fr-FR" altLang="fr-FR"/>
               <a:t>Clique droit sur pom.xml &gt; Add as maven project</a:t>
             </a:r>
           </a:p>
           <a:p>
             <a:pPr lvl="1"/>
             <a:r>
-              <a:rPr lang="fr-FR" altLang="fr-FR" smtClean="0"/>
+              <a:rPr lang="fr-FR" altLang="fr-FR"/>
               <a:t>Automatique pour Gradle après téléchargement</a:t>
             </a:r>
           </a:p>
           <a:p>
-            <a:endParaRPr lang="fr-FR" altLang="fr-FR" smtClean="0"/>
+            <a:endParaRPr lang="fr-FR" altLang="fr-FR"/>
           </a:p>
         </p:txBody>
       </p:sp>
@@ -10074,10 +10012,9 @@
               <a:defRPr/>
             </a:pPr>
             <a:r>
-              <a:rPr lang="fr-FR" dirty="0" smtClean="0"/>
+              <a:rPr lang="fr-FR" dirty="0"/>
               <a:t>Qu’est-ce qu’une architecture orientée services ?</a:t>
             </a:r>
-            <a:endParaRPr lang="fr-FR" dirty="0"/>
           </a:p>
         </p:txBody>
       </p:sp>
@@ -10107,7 +10044,7 @@
               <a:defRPr/>
             </a:pPr>
             <a:r>
-              <a:rPr lang="fr-FR" sz="1800" dirty="0" smtClean="0"/>
+              <a:rPr lang="fr-FR" sz="1800" dirty="0"/>
               <a:t>Une architecture orientée services se compose de services faiblement couplés et interopérables</a:t>
             </a:r>
           </a:p>
@@ -10116,7 +10053,7 @@
               <a:defRPr/>
             </a:pPr>
             <a:r>
-              <a:rPr lang="fr-FR" sz="1800" dirty="0" smtClean="0"/>
+              <a:rPr lang="fr-FR" sz="1800" dirty="0"/>
               <a:t>Services : chaque composant de l’architecture est dédié à une tâche</a:t>
             </a:r>
           </a:p>
@@ -10125,7 +10062,7 @@
               <a:defRPr/>
             </a:pPr>
             <a:r>
-              <a:rPr lang="fr-FR" sz="1800" dirty="0" smtClean="0"/>
+              <a:rPr lang="fr-FR" sz="1800" dirty="0"/>
               <a:t>Faiblement couplés : les services sont relativement indépendants</a:t>
             </a:r>
           </a:p>
@@ -10134,7 +10071,7 @@
               <a:defRPr/>
             </a:pPr>
             <a:r>
-              <a:rPr lang="fr-FR" sz="1800" dirty="0" smtClean="0"/>
+              <a:rPr lang="fr-FR" sz="1800" dirty="0"/>
               <a:t>Interopérables : les services sont conformes à un standard</a:t>
             </a:r>
           </a:p>
@@ -10202,13 +10139,6 @@
   <p:clrMapOvr>
     <a:masterClrMapping/>
   </p:clrMapOvr>
-  <p:timing>
-    <p:tnLst>
-      <p:par>
-        <p:cTn id="1" dur="indefinite" restart="never" nodeType="tmRoot"/>
-      </p:par>
-    </p:tnLst>
-  </p:timing>
 </p:sld>
 </file>
 
@@ -10245,7 +10175,7 @@
           <a:lstStyle/>
           <a:p>
             <a:r>
-              <a:rPr lang="fr-FR" altLang="fr-FR" smtClean="0"/>
+              <a:rPr lang="fr-FR" altLang="fr-FR"/>
               <a:t>Contrôleur</a:t>
             </a:r>
           </a:p>
@@ -10267,48 +10197,48 @@
           <a:lstStyle/>
           <a:p>
             <a:r>
-              <a:rPr lang="fr-FR" altLang="fr-FR" smtClean="0"/>
+              <a:rPr lang="fr-FR" altLang="fr-FR"/>
               <a:t>Le contrôleur REST est la représentation Java du service</a:t>
             </a:r>
           </a:p>
           <a:p>
             <a:pPr lvl="1"/>
             <a:r>
-              <a:rPr lang="fr-FR" altLang="fr-FR" smtClean="0"/>
+              <a:rPr lang="fr-FR" altLang="fr-FR"/>
               <a:t>Classe</a:t>
             </a:r>
           </a:p>
           <a:p>
             <a:pPr lvl="1"/>
             <a:r>
-              <a:rPr lang="fr-FR" altLang="fr-FR" smtClean="0"/>
+              <a:rPr lang="fr-FR" altLang="fr-FR"/>
               <a:t>Design Pattern Controller</a:t>
             </a:r>
           </a:p>
           <a:p>
             <a:pPr lvl="1"/>
             <a:r>
-              <a:rPr lang="fr-FR" altLang="fr-FR" smtClean="0"/>
+              <a:rPr lang="fr-FR" altLang="fr-FR"/>
               <a:t>@RestController</a:t>
             </a:r>
           </a:p>
           <a:p>
             <a:r>
-              <a:rPr lang="fr-FR" altLang="fr-FR" smtClean="0"/>
+              <a:rPr lang="fr-FR" altLang="fr-FR"/>
               <a:t>Exemple</a:t>
             </a:r>
           </a:p>
           <a:p>
             <a:pPr lvl="1"/>
             <a:r>
-              <a:rPr lang="fr-FR" altLang="fr-FR" smtClean="0"/>
+              <a:rPr lang="fr-FR" altLang="fr-FR"/>
               <a:t>@RestController</a:t>
             </a:r>
           </a:p>
           <a:p>
             <a:pPr lvl="1"/>
             <a:r>
-              <a:rPr lang="fr-FR" altLang="fr-FR" smtClean="0"/>
+              <a:rPr lang="fr-FR" altLang="fr-FR"/>
               <a:t>public class HelloController {}</a:t>
             </a:r>
           </a:p>
@@ -10396,7 +10326,7 @@
           <a:lstStyle/>
           <a:p>
             <a:r>
-              <a:rPr lang="fr-FR" altLang="fr-FR" smtClean="0"/>
+              <a:rPr lang="fr-FR" altLang="fr-FR"/>
               <a:t>URL Mapping</a:t>
             </a:r>
           </a:p>
@@ -10421,15 +10351,15 @@
               <a:defRPr/>
             </a:pPr>
             <a:r>
-              <a:rPr lang="fr-FR" dirty="0" smtClean="0"/>
+              <a:rPr lang="fr-FR" dirty="0"/>
               <a:t>L’annotation @</a:t>
             </a:r>
             <a:r>
-              <a:rPr lang="fr-FR" dirty="0" err="1" smtClean="0"/>
+              <a:rPr lang="fr-FR" dirty="0" err="1"/>
               <a:t>GetMapping</a:t>
             </a:r>
             <a:r>
-              <a:rPr lang="fr-FR" dirty="0" smtClean="0"/>
+              <a:rPr lang="fr-FR" dirty="0"/>
               <a:t> permet d’associer une URL à une méthode</a:t>
             </a:r>
           </a:p>
@@ -10440,21 +10370,21 @@
               <a:defRPr/>
             </a:pPr>
             <a:r>
-              <a:rPr lang="en-US" sz="2000" dirty="0" smtClean="0">
+              <a:rPr lang="en-US" sz="2000" dirty="0">
                 <a:latin typeface="Courier New" panose="02070309020205020404" pitchFamily="49" charset="0"/>
                 <a:cs typeface="Courier New" panose="02070309020205020404" pitchFamily="49" charset="0"/>
               </a:rPr>
               <a:t>@</a:t>
             </a:r>
             <a:r>
-              <a:rPr lang="en-US" sz="2000" dirty="0" err="1" smtClean="0">
+              <a:rPr lang="en-US" sz="2000" dirty="0" err="1">
                 <a:latin typeface="Courier New" panose="02070309020205020404" pitchFamily="49" charset="0"/>
                 <a:cs typeface="Courier New" panose="02070309020205020404" pitchFamily="49" charset="0"/>
               </a:rPr>
               <a:t>GetMapping</a:t>
             </a:r>
             <a:r>
-              <a:rPr lang="en-US" sz="2000" dirty="0" smtClean="0">
+              <a:rPr lang="en-US" sz="2000" dirty="0">
                 <a:latin typeface="Courier New" panose="02070309020205020404" pitchFamily="49" charset="0"/>
                 <a:cs typeface="Courier New" panose="02070309020205020404" pitchFamily="49" charset="0"/>
               </a:rPr>
@@ -10468,7 +10398,7 @@
               <a:defRPr/>
             </a:pPr>
             <a:r>
-              <a:rPr lang="en-US" sz="2000" dirty="0" smtClean="0">
+              <a:rPr lang="en-US" sz="2000" dirty="0">
                 <a:latin typeface="Courier New" panose="02070309020205020404" pitchFamily="49" charset="0"/>
                 <a:cs typeface="Courier New" panose="02070309020205020404" pitchFamily="49" charset="0"/>
               </a:rPr>
@@ -10486,14 +10416,7 @@
                 <a:latin typeface="Courier New" panose="02070309020205020404" pitchFamily="49" charset="0"/>
                 <a:cs typeface="Courier New" panose="02070309020205020404" pitchFamily="49" charset="0"/>
               </a:rPr>
-              <a:t>	</a:t>
-            </a:r>
-            <a:r>
-              <a:rPr lang="en-US" sz="2000" dirty="0" smtClean="0">
-                <a:latin typeface="Courier New" panose="02070309020205020404" pitchFamily="49" charset="0"/>
-                <a:cs typeface="Courier New" panose="02070309020205020404" pitchFamily="49" charset="0"/>
-              </a:rPr>
-              <a:t>	return “Hello”;</a:t>
+              <a:t>		return "Hello";</a:t>
             </a:r>
           </a:p>
           <a:p>
@@ -10503,7 +10426,7 @@
               <a:defRPr/>
             </a:pPr>
             <a:r>
-              <a:rPr lang="en-US" sz="2000" dirty="0" smtClean="0">
+              <a:rPr lang="en-US" sz="2000" dirty="0">
                 <a:latin typeface="Courier New" panose="02070309020205020404" pitchFamily="49" charset="0"/>
                 <a:cs typeface="Courier New" panose="02070309020205020404" pitchFamily="49" charset="0"/>
               </a:rPr>
@@ -10557,7 +10480,7 @@
           <a:lstStyle/>
           <a:p>
             <a:r>
-              <a:rPr lang="fr-FR" altLang="fr-FR" smtClean="0"/>
+              <a:rPr lang="fr-FR" altLang="fr-FR"/>
               <a:t>Paramètres</a:t>
             </a:r>
           </a:p>
@@ -10579,13 +10502,13 @@
           <a:lstStyle/>
           <a:p>
             <a:r>
-              <a:rPr lang="fr-FR" altLang="fr-FR" smtClean="0"/>
+              <a:rPr lang="fr-FR" altLang="fr-FR" dirty="0"/>
               <a:t>@RequestParam</a:t>
             </a:r>
           </a:p>
           <a:p>
             <a:r>
-              <a:rPr lang="en-US" altLang="fr-FR" sz="2400" smtClean="0">
+              <a:rPr lang="en-US" altLang="fr-FR" sz="2400" dirty="0">
                 <a:latin typeface="Courier New" panose="02070309020205020404" pitchFamily="49" charset="0"/>
                 <a:cs typeface="Courier New" panose="02070309020205020404" pitchFamily="49" charset="0"/>
               </a:rPr>
@@ -10594,13 +10517,27 @@
           </a:p>
           <a:p>
             <a:r>
-              <a:rPr lang="en-US" altLang="fr-FR" sz="2400" smtClean="0">
+              <a:rPr lang="en-US" altLang="fr-FR" sz="2400" dirty="0">
                 <a:latin typeface="Courier New" panose="02070309020205020404" pitchFamily="49" charset="0"/>
                 <a:cs typeface="Courier New" panose="02070309020205020404" pitchFamily="49" charset="0"/>
               </a:rPr>
-              <a:t>public String hello(@RequestParam(value = "name", defaultValue = "World") String name)</a:t>
-            </a:r>
-            <a:endParaRPr lang="fr-FR" altLang="fr-FR" sz="2400" smtClean="0">
+              <a:t>public String hello(@RequestParam(value = "name", </a:t>
+            </a:r>
+            <a:r>
+              <a:rPr lang="en-US" altLang="fr-FR" sz="2400" dirty="0" err="1">
+                <a:latin typeface="Courier New" panose="02070309020205020404" pitchFamily="49" charset="0"/>
+                <a:cs typeface="Courier New" panose="02070309020205020404" pitchFamily="49" charset="0"/>
+              </a:rPr>
+              <a:t>defaultValue</a:t>
+            </a:r>
+            <a:r>
+              <a:rPr lang="en-US" altLang="fr-FR" sz="2400" dirty="0">
+                <a:latin typeface="Courier New" panose="02070309020205020404" pitchFamily="49" charset="0"/>
+                <a:cs typeface="Courier New" panose="02070309020205020404" pitchFamily="49" charset="0"/>
+              </a:rPr>
+              <a:t> = "World") String name)</a:t>
+            </a:r>
+            <a:endParaRPr lang="fr-FR" altLang="fr-FR" sz="2400" dirty="0">
               <a:latin typeface="Courier New" panose="02070309020205020404" pitchFamily="49" charset="0"/>
               <a:cs typeface="Courier New" panose="02070309020205020404" pitchFamily="49" charset="0"/>
             </a:endParaRPr>
@@ -10648,7 +10585,7 @@
           <a:lstStyle/>
           <a:p>
             <a:r>
-              <a:rPr lang="fr-FR" altLang="fr-FR" smtClean="0"/>
+              <a:rPr lang="fr-FR" altLang="fr-FR"/>
               <a:t>JSON</a:t>
             </a:r>
           </a:p>
@@ -10673,11 +10610,11 @@
               <a:defRPr/>
             </a:pPr>
             <a:r>
-              <a:rPr lang="fr-FR" dirty="0" err="1" smtClean="0"/>
+              <a:rPr lang="fr-FR" dirty="0" err="1"/>
               <a:t>Javascript</a:t>
             </a:r>
             <a:r>
-              <a:rPr lang="fr-FR" dirty="0" smtClean="0"/>
+              <a:rPr lang="fr-FR" dirty="0"/>
               <a:t> Object Notation</a:t>
             </a:r>
           </a:p>
@@ -10686,7 +10623,7 @@
               <a:defRPr/>
             </a:pPr>
             <a:r>
-              <a:rPr lang="fr-FR" dirty="0" smtClean="0"/>
+              <a:rPr lang="fr-FR" dirty="0"/>
               <a:t>Formalisme de structuration des DATA</a:t>
             </a:r>
           </a:p>
@@ -10695,7 +10632,7 @@
               <a:defRPr/>
             </a:pPr>
             <a:r>
-              <a:rPr lang="fr-FR" dirty="0" smtClean="0"/>
+              <a:rPr lang="fr-FR" dirty="0"/>
               <a:t>{} = instance</a:t>
             </a:r>
           </a:p>
@@ -10704,7 +10641,7 @@
               <a:defRPr/>
             </a:pPr>
             <a:r>
-              <a:rPr lang="fr-FR" dirty="0" smtClean="0"/>
+              <a:rPr lang="fr-FR" dirty="0"/>
               <a:t>[] = tableau</a:t>
             </a:r>
           </a:p>
@@ -10713,7 +10650,7 @@
               <a:defRPr/>
             </a:pPr>
             <a:r>
-              <a:rPr lang="fr-FR" dirty="0" smtClean="0"/>
+              <a:rPr lang="fr-FR" dirty="0"/>
               <a:t>Exemple</a:t>
             </a:r>
           </a:p>
@@ -10724,7 +10661,7 @@
               <a:defRPr/>
             </a:pPr>
             <a:r>
-              <a:rPr lang="en-US" sz="2000" dirty="0" smtClean="0">
+              <a:rPr lang="en-US" sz="2000" dirty="0">
                 <a:latin typeface="Courier New" panose="02070309020205020404" pitchFamily="49" charset="0"/>
                 <a:cs typeface="Courier New" panose="02070309020205020404" pitchFamily="49" charset="0"/>
               </a:rPr>
@@ -10738,7 +10675,7 @@
               <a:defRPr/>
             </a:pPr>
             <a:r>
-              <a:rPr lang="en-US" sz="2000" dirty="0" smtClean="0">
+              <a:rPr lang="en-US" sz="2000" dirty="0">
                 <a:latin typeface="Courier New" panose="02070309020205020404" pitchFamily="49" charset="0"/>
                 <a:cs typeface="Courier New" panose="02070309020205020404" pitchFamily="49" charset="0"/>
               </a:rPr>
@@ -10752,7 +10689,7 @@
               <a:defRPr/>
             </a:pPr>
             <a:r>
-              <a:rPr lang="en-US" sz="2000" dirty="0" smtClean="0">
+              <a:rPr lang="en-US" sz="2000" dirty="0">
                 <a:latin typeface="Courier New" panose="02070309020205020404" pitchFamily="49" charset="0"/>
                 <a:cs typeface="Courier New" panose="02070309020205020404" pitchFamily="49" charset="0"/>
               </a:rPr>
@@ -10766,13 +10703,13 @@
               <a:defRPr/>
             </a:pPr>
             <a:r>
-              <a:rPr lang="en-US" sz="2000" dirty="0" smtClean="0">
+              <a:rPr lang="en-US" sz="2000" dirty="0">
                 <a:latin typeface="Courier New" panose="02070309020205020404" pitchFamily="49" charset="0"/>
                 <a:cs typeface="Courier New" panose="02070309020205020404" pitchFamily="49" charset="0"/>
               </a:rPr>
               <a:t>}</a:t>
             </a:r>
-            <a:endParaRPr lang="fr-FR" sz="2000" dirty="0" smtClean="0">
+            <a:endParaRPr lang="fr-FR" sz="2000" dirty="0">
               <a:latin typeface="Courier New" panose="02070309020205020404" pitchFamily="49" charset="0"/>
               <a:cs typeface="Courier New" panose="02070309020205020404" pitchFamily="49" charset="0"/>
             </a:endParaRPr>
@@ -10820,7 +10757,7 @@
           <a:lstStyle/>
           <a:p>
             <a:r>
-              <a:rPr lang="fr-FR" altLang="fr-FR" smtClean="0"/>
+              <a:rPr lang="fr-FR" altLang="fr-FR"/>
               <a:t>Mapping Java - JSON</a:t>
             </a:r>
           </a:p>
@@ -10842,20 +10779,20 @@
           <a:lstStyle/>
           <a:p>
             <a:r>
-              <a:rPr lang="fr-FR" altLang="fr-FR" smtClean="0"/>
+              <a:rPr lang="fr-FR" altLang="fr-FR"/>
               <a:t>Une classe Java doit mapper le JSON</a:t>
             </a:r>
           </a:p>
           <a:p>
             <a:pPr lvl="1"/>
             <a:r>
-              <a:rPr lang="fr-FR" altLang="fr-FR" smtClean="0"/>
+              <a:rPr lang="fr-FR" altLang="fr-FR"/>
               <a:t>Design Pattern DTO</a:t>
             </a:r>
           </a:p>
           <a:p>
             <a:pPr lvl="1"/>
-            <a:endParaRPr lang="fr-FR" altLang="fr-FR" smtClean="0"/>
+            <a:endParaRPr lang="fr-FR" altLang="fr-FR"/>
           </a:p>
         </p:txBody>
       </p:sp>
@@ -10940,7 +10877,7 @@
       </p:grpSpPr>
       <p:sp>
         <p:nvSpPr>
-          <p:cNvPr id="41986" name="Titre 1"/>
+          <p:cNvPr id="43010" name="Titre 1"/>
           <p:cNvSpPr>
             <a:spLocks noGrp="1"/>
           </p:cNvSpPr>
@@ -10954,15 +10891,15 @@
           <a:lstStyle/>
           <a:p>
             <a:r>
-              <a:rPr lang="fr-FR" altLang="fr-FR" smtClean="0"/>
-              <a:t>JSON 2 Java</a:t>
+              <a:rPr lang="fr-FR" altLang="fr-FR"/>
+              <a:t>Lombok</a:t>
             </a:r>
           </a:p>
         </p:txBody>
       </p:sp>
       <p:sp>
         <p:nvSpPr>
-          <p:cNvPr id="41987" name="Espace réservé du contenu 2"/>
+          <p:cNvPr id="43011" name="Espace réservé du contenu 2"/>
           <p:cNvSpPr>
             <a:spLocks noGrp="1"/>
           </p:cNvSpPr>
@@ -10975,16 +10912,13 @@
           <a:bodyPr/>
           <a:lstStyle/>
           <a:p>
-            <a:r>
-              <a:rPr lang="fr-FR" altLang="fr-FR" smtClean="0"/>
-              <a:t>codebeautify.org/json-to-java-converter</a:t>
-            </a:r>
+            <a:endParaRPr lang="fr-FR" altLang="fr-FR"/>
           </a:p>
         </p:txBody>
       </p:sp>
       <p:pic>
         <p:nvPicPr>
-          <p:cNvPr id="41988" name="Image 3"/>
+          <p:cNvPr id="43012" name="Image 3"/>
           <p:cNvPicPr>
             <a:picLocks noChangeAspect="1"/>
           </p:cNvPicPr>
@@ -11005,8 +10939,8 @@
         </p:blipFill>
         <p:spPr bwMode="auto">
           <a:xfrm>
-            <a:off x="26988" y="2852738"/>
-            <a:ext cx="9147175" cy="2376487"/>
+            <a:off x="0" y="2349500"/>
+            <a:ext cx="9182100" cy="3867150"/>
           </a:xfrm>
           <a:prstGeom prst="rect">
             <a:avLst/>
@@ -11063,7 +10997,7 @@
       </p:grpSpPr>
       <p:sp>
         <p:nvSpPr>
-          <p:cNvPr id="43010" name="Titre 1"/>
+          <p:cNvPr id="41986" name="Titre 1"/>
           <p:cNvSpPr>
             <a:spLocks noGrp="1"/>
           </p:cNvSpPr>
@@ -11077,15 +11011,15 @@
           <a:lstStyle/>
           <a:p>
             <a:r>
-              <a:rPr lang="fr-FR" altLang="fr-FR" smtClean="0"/>
-              <a:t>Lombok</a:t>
+              <a:rPr lang="fr-FR" altLang="fr-FR"/>
+              <a:t>JSON 2 Java</a:t>
             </a:r>
           </a:p>
         </p:txBody>
       </p:sp>
       <p:sp>
         <p:nvSpPr>
-          <p:cNvPr id="43011" name="Espace réservé du contenu 2"/>
+          <p:cNvPr id="41987" name="Espace réservé du contenu 2"/>
           <p:cNvSpPr>
             <a:spLocks noGrp="1"/>
           </p:cNvSpPr>
@@ -11098,13 +11032,16 @@
           <a:bodyPr/>
           <a:lstStyle/>
           <a:p>
-            <a:endParaRPr lang="fr-FR" altLang="fr-FR" smtClean="0"/>
+            <a:r>
+              <a:rPr lang="fr-FR" altLang="fr-FR"/>
+              <a:t>codebeautify.org/json-to-java-converter</a:t>
+            </a:r>
           </a:p>
         </p:txBody>
       </p:sp>
       <p:pic>
         <p:nvPicPr>
-          <p:cNvPr id="43012" name="Image 3"/>
+          <p:cNvPr id="41988" name="Image 3"/>
           <p:cNvPicPr>
             <a:picLocks noChangeAspect="1"/>
           </p:cNvPicPr>
@@ -11125,8 +11062,8 @@
         </p:blipFill>
         <p:spPr bwMode="auto">
           <a:xfrm>
-            <a:off x="0" y="2349500"/>
-            <a:ext cx="9182100" cy="3867150"/>
+            <a:off x="26988" y="2852738"/>
+            <a:ext cx="9147175" cy="2376487"/>
           </a:xfrm>
           <a:prstGeom prst="rect">
             <a:avLst/>
@@ -11197,7 +11134,7 @@
           <a:lstStyle/>
           <a:p>
             <a:r>
-              <a:rPr lang="fr-FR" altLang="fr-FR" smtClean="0"/>
+              <a:rPr lang="fr-FR" altLang="fr-FR"/>
               <a:t>Json2Pojo</a:t>
             </a:r>
           </a:p>
@@ -11218,7 +11155,7 @@
           <a:bodyPr/>
           <a:lstStyle/>
           <a:p>
-            <a:endParaRPr lang="fr-FR" altLang="fr-FR" smtClean="0"/>
+            <a:endParaRPr lang="fr-FR" altLang="fr-FR"/>
           </a:p>
         </p:txBody>
       </p:sp>
@@ -11371,7 +11308,7 @@
           <a:lstStyle/>
           <a:p>
             <a:r>
-              <a:rPr lang="fr-FR" altLang="fr-FR" smtClean="0"/>
+              <a:rPr lang="fr-FR" altLang="fr-FR"/>
               <a:t>Jackson 2</a:t>
             </a:r>
           </a:p>
@@ -11393,38 +11330,38 @@
           <a:lstStyle/>
           <a:p>
             <a:r>
-              <a:rPr lang="fr-FR" altLang="fr-FR" smtClean="0"/>
+              <a:rPr lang="fr-FR" altLang="fr-FR"/>
               <a:t>Il suffit de retourner une entité Java pour qu’elle soit sérialisée automatiquement en JSON</a:t>
             </a:r>
           </a:p>
           <a:p>
             <a:pPr lvl="1"/>
             <a:r>
-              <a:rPr lang="fr-FR" altLang="fr-FR" smtClean="0"/>
+              <a:rPr lang="fr-FR" altLang="fr-FR"/>
               <a:t>Implémentation Serializable obligatoire</a:t>
             </a:r>
           </a:p>
           <a:p>
             <a:pPr lvl="1"/>
             <a:r>
-              <a:rPr lang="fr-FR" altLang="fr-FR" smtClean="0"/>
+              <a:rPr lang="fr-FR" altLang="fr-FR"/>
               <a:t>Via la librairie Jackson 2</a:t>
             </a:r>
           </a:p>
           <a:p>
             <a:pPr lvl="1"/>
             <a:r>
-              <a:rPr lang="fr-FR" altLang="fr-FR" smtClean="0"/>
+              <a:rPr lang="fr-FR" altLang="fr-FR"/>
               <a:t>Via MappingJackson2HttpMessageConverter</a:t>
             </a:r>
           </a:p>
           <a:p>
             <a:pPr lvl="1"/>
-            <a:endParaRPr lang="fr-FR" altLang="fr-FR" smtClean="0"/>
+            <a:endParaRPr lang="fr-FR" altLang="fr-FR"/>
           </a:p>
           <a:p>
             <a:pPr lvl="1"/>
-            <a:endParaRPr lang="fr-FR" altLang="fr-FR" smtClean="0"/>
+            <a:endParaRPr lang="fr-FR" altLang="fr-FR"/>
           </a:p>
         </p:txBody>
       </p:sp>
@@ -11469,7 +11406,7 @@
           <a:lstStyle/>
           <a:p>
             <a:r>
-              <a:rPr lang="fr-FR" altLang="fr-FR" smtClean="0"/>
+              <a:rPr lang="fr-FR" altLang="fr-FR"/>
               <a:t>Exécution</a:t>
             </a:r>
           </a:p>
@@ -11491,61 +11428,61 @@
           <a:lstStyle/>
           <a:p>
             <a:r>
-              <a:rPr lang="fr-FR" altLang="fr-FR" smtClean="0"/>
+              <a:rPr lang="fr-FR" altLang="fr-FR"/>
               <a:t>Directement</a:t>
             </a:r>
           </a:p>
           <a:p>
             <a:pPr lvl="1"/>
             <a:r>
-              <a:rPr lang="fr-FR" altLang="fr-FR" smtClean="0"/>
+              <a:rPr lang="fr-FR" altLang="fr-FR"/>
               <a:t>gradlew bootRun</a:t>
             </a:r>
           </a:p>
           <a:p>
             <a:pPr lvl="1"/>
             <a:r>
-              <a:rPr lang="fr-FR" altLang="fr-FR" smtClean="0"/>
+              <a:rPr lang="fr-FR" altLang="fr-FR"/>
               <a:t>mvnw spring-boot:run</a:t>
             </a:r>
           </a:p>
           <a:p>
             <a:r>
-              <a:rPr lang="fr-FR" altLang="fr-FR" smtClean="0"/>
+              <a:rPr lang="fr-FR" altLang="fr-FR"/>
               <a:t>Via .JAR</a:t>
             </a:r>
           </a:p>
           <a:p>
             <a:pPr lvl="1"/>
             <a:r>
-              <a:rPr lang="fr-FR" altLang="fr-FR" smtClean="0"/>
+              <a:rPr lang="fr-FR" altLang="fr-FR"/>
               <a:t>gradlew build</a:t>
             </a:r>
           </a:p>
           <a:p>
             <a:pPr lvl="1"/>
             <a:r>
-              <a:rPr lang="fr-FR" altLang="fr-FR" smtClean="0"/>
+              <a:rPr lang="fr-FR" altLang="fr-FR"/>
               <a:t>java -jar build/libs/gs-rest-service-0.1.0.jar</a:t>
             </a:r>
           </a:p>
           <a:p>
             <a:pPr lvl="1"/>
             <a:r>
-              <a:rPr lang="fr-FR" altLang="fr-FR" smtClean="0"/>
+              <a:rPr lang="fr-FR" altLang="fr-FR"/>
               <a:t>mvnw spring-boot:run</a:t>
             </a:r>
           </a:p>
           <a:p>
             <a:pPr lvl="1"/>
             <a:r>
-              <a:rPr lang="fr-FR" altLang="fr-FR" smtClean="0"/>
+              <a:rPr lang="fr-FR" altLang="fr-FR"/>
               <a:t>java -jar target/gs-rest-service-0.1.0.jar</a:t>
             </a:r>
           </a:p>
           <a:p>
             <a:pPr lvl="1"/>
-            <a:endParaRPr lang="fr-FR" altLang="fr-FR" smtClean="0"/>
+            <a:endParaRPr lang="fr-FR" altLang="fr-FR"/>
           </a:p>
         </p:txBody>
       </p:sp>
@@ -11644,7 +11581,7 @@
           <a:lstStyle/>
           <a:p>
             <a:r>
-              <a:rPr lang="fr-FR" altLang="fr-FR" smtClean="0"/>
+              <a:rPr lang="fr-FR" altLang="fr-FR"/>
               <a:t>Couplage faible</a:t>
             </a:r>
           </a:p>
@@ -11671,35 +11608,35 @@
           <a:lstStyle/>
           <a:p>
             <a:r>
-              <a:rPr lang="fr-FR" altLang="fr-FR" sz="1800" smtClean="0"/>
+              <a:rPr lang="fr-FR" altLang="fr-FR" sz="1800"/>
               <a:t>Le couplage faible est obtenu </a:t>
             </a:r>
             <a:r>
-              <a:rPr lang="fr-FR" altLang="fr-FR" sz="1800" i="1" smtClean="0"/>
+              <a:rPr lang="fr-FR" altLang="fr-FR" sz="1800" i="1"/>
               <a:t>via </a:t>
             </a:r>
             <a:r>
-              <a:rPr lang="fr-FR" altLang="fr-FR" sz="1800" smtClean="0"/>
+              <a:rPr lang="fr-FR" altLang="fr-FR" sz="1800"/>
               <a:t>l’emploi d’interfaces bien définies</a:t>
             </a:r>
           </a:p>
           <a:p>
             <a:pPr lvl="1"/>
             <a:r>
-              <a:rPr lang="fr-FR" altLang="fr-FR" sz="1800" smtClean="0"/>
+              <a:rPr lang="fr-FR" altLang="fr-FR" sz="1800"/>
               <a:t>Les changements d’implémentation d’un service n’affectent pas ses clients</a:t>
             </a:r>
           </a:p>
           <a:p>
             <a:pPr lvl="1"/>
             <a:r>
-              <a:rPr lang="fr-FR" altLang="fr-FR" sz="1800" smtClean="0"/>
+              <a:rPr lang="fr-FR" altLang="fr-FR" sz="1800"/>
               <a:t>Services et clients peuvent être développés indépendamment</a:t>
             </a:r>
           </a:p>
           <a:p>
             <a:r>
-              <a:rPr lang="fr-FR" altLang="fr-FR" sz="1800" smtClean="0"/>
+              <a:rPr lang="fr-FR" altLang="fr-FR" sz="1800"/>
               <a:t>L’interface forme le contrat de service </a:t>
             </a:r>
           </a:p>
@@ -11709,7 +11646,7 @@
               <a:buNone/>
             </a:pPr>
             <a:r>
-              <a:rPr lang="fr-FR" altLang="fr-FR" sz="1800" smtClean="0"/>
+              <a:rPr lang="fr-FR" altLang="fr-FR" sz="1800"/>
               <a:t>	Si l’interface est modifiée, le code du client échoue</a:t>
             </a:r>
           </a:p>
@@ -12783,289 +12720,10 @@
   <p:clrMapOvr>
     <a:masterClrMapping/>
   </p:clrMapOvr>
-  <p:timing>
-    <p:tnLst>
-      <p:par>
-        <p:cTn id="1" dur="indefinite" restart="never" nodeType="tmRoot"/>
-      </p:par>
-    </p:tnLst>
-  </p:timing>
 </p:sld>
 </file>
 
 <file path=ppt/slides/slide30.xml><?xml version="1.0" encoding="utf-8"?>
-<p:sld xmlns:a="http://schemas.openxmlformats.org/drawingml/2006/main" xmlns:r="http://schemas.openxmlformats.org/officeDocument/2006/relationships" xmlns:p="http://schemas.openxmlformats.org/presentationml/2006/main">
-  <p:cSld>
-    <p:spTree>
-      <p:nvGrpSpPr>
-        <p:cNvPr id="1" name=""/>
-        <p:cNvGrpSpPr/>
-        <p:nvPr/>
-      </p:nvGrpSpPr>
-      <p:grpSpPr>
-        <a:xfrm>
-          <a:off x="0" y="0"/>
-          <a:ext cx="0" cy="0"/>
-          <a:chOff x="0" y="0"/>
-          <a:chExt cx="0" cy="0"/>
-        </a:xfrm>
-      </p:grpSpPr>
-      <p:sp>
-        <p:nvSpPr>
-          <p:cNvPr id="47106" name="Titre 1"/>
-          <p:cNvSpPr>
-            <a:spLocks noGrp="1"/>
-          </p:cNvSpPr>
-          <p:nvPr>
-            <p:ph type="title"/>
-          </p:nvPr>
-        </p:nvSpPr>
-        <p:spPr/>
-        <p:txBody>
-          <a:bodyPr/>
-          <a:lstStyle/>
-          <a:p>
-            <a:r>
-              <a:rPr lang="fr-FR" altLang="fr-FR" smtClean="0"/>
-              <a:t>Classe Main</a:t>
-            </a:r>
-          </a:p>
-        </p:txBody>
-      </p:sp>
-      <p:sp>
-        <p:nvSpPr>
-          <p:cNvPr id="47107" name="Espace réservé du contenu 2"/>
-          <p:cNvSpPr>
-            <a:spLocks noGrp="1"/>
-          </p:cNvSpPr>
-          <p:nvPr>
-            <p:ph idx="1"/>
-          </p:nvPr>
-        </p:nvSpPr>
-        <p:spPr/>
-        <p:txBody>
-          <a:bodyPr/>
-          <a:lstStyle/>
-          <a:p>
-            <a:r>
-              <a:rPr lang="fr-FR" altLang="fr-FR" smtClean="0"/>
-              <a:t>@SpringBootApplication</a:t>
-            </a:r>
-          </a:p>
-          <a:p>
-            <a:pPr lvl="1"/>
-            <a:r>
-              <a:rPr lang="fr-FR" altLang="fr-FR" smtClean="0"/>
-              <a:t>Autoconfiguration</a:t>
-            </a:r>
-          </a:p>
-          <a:p>
-            <a:pPr lvl="1"/>
-            <a:r>
-              <a:rPr lang="fr-FR" altLang="fr-FR" smtClean="0"/>
-              <a:t>Scan automatiquement les annotations</a:t>
-            </a:r>
-          </a:p>
-          <a:p>
-            <a:pPr lvl="1"/>
-            <a:r>
-              <a:rPr lang="fr-FR" altLang="fr-FR" smtClean="0"/>
-              <a:t>Généré automatiquement par Spring Boot</a:t>
-            </a:r>
-          </a:p>
-        </p:txBody>
-      </p:sp>
-      <p:pic>
-        <p:nvPicPr>
-          <p:cNvPr id="47108" name="Image 3"/>
-          <p:cNvPicPr>
-            <a:picLocks noChangeAspect="1"/>
-          </p:cNvPicPr>
-          <p:nvPr/>
-        </p:nvPicPr>
-        <p:blipFill>
-          <a:blip r:embed="rId2">
-            <a:extLst>
-              <a:ext uri="{28A0092B-C50C-407E-A947-70E740481C1C}">
-                <a14:useLocalDpi xmlns:a14="http://schemas.microsoft.com/office/drawing/2010/main" val="0"/>
-              </a:ext>
-            </a:extLst>
-          </a:blip>
-          <a:srcRect/>
-          <a:stretch>
-            <a:fillRect/>
-          </a:stretch>
-        </p:blipFill>
-        <p:spPr bwMode="auto">
-          <a:xfrm>
-            <a:off x="1835150" y="4038600"/>
-            <a:ext cx="5848350" cy="1581150"/>
-          </a:xfrm>
-          <a:prstGeom prst="rect">
-            <a:avLst/>
-          </a:prstGeom>
-          <a:noFill/>
-          <a:ln>
-            <a:noFill/>
-          </a:ln>
-          <a:extLst>
-            <a:ext uri="{909E8E84-426E-40DD-AFC4-6F175D3DCCD1}">
-              <a14:hiddenFill xmlns:a14="http://schemas.microsoft.com/office/drawing/2010/main">
-                <a:solidFill>
-                  <a:srgbClr val="FFFFFF"/>
-                </a:solidFill>
-              </a14:hiddenFill>
-            </a:ext>
-            <a:ext uri="{91240B29-F687-4F45-9708-019B960494DF}">
-              <a14:hiddenLine xmlns:a14="http://schemas.microsoft.com/office/drawing/2010/main" w="9525">
-                <a:solidFill>
-                  <a:srgbClr val="000000"/>
-                </a:solidFill>
-                <a:miter lim="800000"/>
-                <a:headEnd/>
-                <a:tailEnd/>
-              </a14:hiddenLine>
-            </a:ext>
-          </a:extLst>
-        </p:spPr>
-      </p:pic>
-    </p:spTree>
-  </p:cSld>
-  <p:clrMapOvr>
-    <a:masterClrMapping/>
-  </p:clrMapOvr>
-</p:sld>
-</file>
-
-<file path=ppt/slides/slide31.xml><?xml version="1.0" encoding="utf-8"?>
-<p:sld xmlns:a="http://schemas.openxmlformats.org/drawingml/2006/main" xmlns:r="http://schemas.openxmlformats.org/officeDocument/2006/relationships" xmlns:p="http://schemas.openxmlformats.org/presentationml/2006/main">
-  <p:cSld>
-    <p:spTree>
-      <p:nvGrpSpPr>
-        <p:cNvPr id="1" name=""/>
-        <p:cNvGrpSpPr/>
-        <p:nvPr/>
-      </p:nvGrpSpPr>
-      <p:grpSpPr>
-        <a:xfrm>
-          <a:off x="0" y="0"/>
-          <a:ext cx="0" cy="0"/>
-          <a:chOff x="0" y="0"/>
-          <a:chExt cx="0" cy="0"/>
-        </a:xfrm>
-      </p:grpSpPr>
-      <p:sp>
-        <p:nvSpPr>
-          <p:cNvPr id="48130" name="Titre 1"/>
-          <p:cNvSpPr>
-            <a:spLocks noGrp="1"/>
-          </p:cNvSpPr>
-          <p:nvPr>
-            <p:ph type="title"/>
-          </p:nvPr>
-        </p:nvSpPr>
-        <p:spPr/>
-        <p:txBody>
-          <a:bodyPr/>
-          <a:lstStyle/>
-          <a:p>
-            <a:r>
-              <a:rPr lang="fr-FR" altLang="fr-FR" smtClean="0"/>
-              <a:t>Entity &amp; Repository</a:t>
-            </a:r>
-          </a:p>
-        </p:txBody>
-      </p:sp>
-      <p:sp>
-        <p:nvSpPr>
-          <p:cNvPr id="48131" name="Espace réservé du contenu 2"/>
-          <p:cNvSpPr>
-            <a:spLocks noGrp="1"/>
-          </p:cNvSpPr>
-          <p:nvPr>
-            <p:ph idx="1"/>
-          </p:nvPr>
-        </p:nvSpPr>
-        <p:spPr>
-          <a:xfrm>
-            <a:off x="1173163" y="1981200"/>
-            <a:ext cx="3614737" cy="4114800"/>
-          </a:xfrm>
-        </p:spPr>
-        <p:txBody>
-          <a:bodyPr/>
-          <a:lstStyle/>
-          <a:p>
-            <a:r>
-              <a:rPr lang="fr-FR" altLang="fr-FR" smtClean="0"/>
-              <a:t>Création d’une entité et d’un repository fictif « en dur » pour les besoins de la démo</a:t>
-            </a:r>
-          </a:p>
-        </p:txBody>
-      </p:sp>
-      <p:pic>
-        <p:nvPicPr>
-          <p:cNvPr id="48132" name="Image 3"/>
-          <p:cNvPicPr>
-            <a:picLocks noChangeAspect="1"/>
-          </p:cNvPicPr>
-          <p:nvPr/>
-        </p:nvPicPr>
-        <p:blipFill>
-          <a:blip r:embed="rId2">
-            <a:extLst>
-              <a:ext uri="{28A0092B-C50C-407E-A947-70E740481C1C}">
-                <a14:useLocalDpi xmlns:a14="http://schemas.microsoft.com/office/drawing/2010/main" val="0"/>
-              </a:ext>
-            </a:extLst>
-          </a:blip>
-          <a:srcRect/>
-          <a:stretch>
-            <a:fillRect/>
-          </a:stretch>
-        </p:blipFill>
-        <p:spPr bwMode="auto">
-          <a:xfrm>
-            <a:off x="4932363" y="1916113"/>
-            <a:ext cx="4086225" cy="4524375"/>
-          </a:xfrm>
-          <a:prstGeom prst="rect">
-            <a:avLst/>
-          </a:prstGeom>
-          <a:noFill/>
-          <a:ln>
-            <a:noFill/>
-          </a:ln>
-          <a:extLst>
-            <a:ext uri="{909E8E84-426E-40DD-AFC4-6F175D3DCCD1}">
-              <a14:hiddenFill xmlns:a14="http://schemas.microsoft.com/office/drawing/2010/main">
-                <a:solidFill>
-                  <a:srgbClr val="FFFFFF"/>
-                </a:solidFill>
-              </a14:hiddenFill>
-            </a:ext>
-            <a:ext uri="{91240B29-F687-4F45-9708-019B960494DF}">
-              <a14:hiddenLine xmlns:a14="http://schemas.microsoft.com/office/drawing/2010/main" w="9525">
-                <a:solidFill>
-                  <a:srgbClr val="000000"/>
-                </a:solidFill>
-                <a:miter lim="800000"/>
-                <a:headEnd/>
-                <a:tailEnd/>
-              </a14:hiddenLine>
-            </a:ext>
-          </a:extLst>
-        </p:spPr>
-      </p:pic>
-    </p:spTree>
-  </p:cSld>
-  <p:clrMapOvr>
-    <a:masterClrMapping/>
-  </p:clrMapOvr>
-</p:sld>
-</file>
-
-<file path=ppt/slides/slide32.xml><?xml version="1.0" encoding="utf-8"?>
 <p:sld xmlns:a="http://schemas.openxmlformats.org/drawingml/2006/main" xmlns:r="http://schemas.openxmlformats.org/officeDocument/2006/relationships" xmlns:p="http://schemas.openxmlformats.org/presentationml/2006/main">
   <p:cSld>
     <p:spTree>
@@ -13098,7 +12756,7 @@
           <a:lstStyle/>
           <a:p>
             <a:r>
-              <a:rPr lang="fr-FR" altLang="fr-FR" smtClean="0"/>
+              <a:rPr lang="fr-FR" altLang="fr-FR"/>
               <a:t>Contrôleur</a:t>
             </a:r>
           </a:p>
@@ -13129,7 +12787,7 @@
               <a:buNone/>
             </a:pPr>
             <a:r>
-              <a:rPr lang="fr-FR" altLang="fr-FR" sz="2000" smtClean="0">
+              <a:rPr lang="fr-FR" altLang="fr-FR" sz="2000">
                 <a:latin typeface="Courier New" panose="02070309020205020404" pitchFamily="49" charset="0"/>
                 <a:cs typeface="Courier New" panose="02070309020205020404" pitchFamily="49" charset="0"/>
               </a:rPr>
@@ -13142,7 +12800,7 @@
               <a:buNone/>
             </a:pPr>
             <a:r>
-              <a:rPr lang="fr-FR" altLang="fr-FR" sz="2000" smtClean="0">
+              <a:rPr lang="fr-FR" altLang="fr-FR" sz="2000">
                 <a:latin typeface="Courier New" panose="02070309020205020404" pitchFamily="49" charset="0"/>
                 <a:cs typeface="Courier New" panose="02070309020205020404" pitchFamily="49" charset="0"/>
               </a:rPr>
@@ -13154,7 +12812,7 @@
               <a:buFont typeface="Monotype Sorts" pitchFamily="2" charset="2"/>
               <a:buNone/>
             </a:pPr>
-            <a:endParaRPr lang="fr-FR" altLang="fr-FR" sz="2000" smtClean="0">
+            <a:endParaRPr lang="fr-FR" altLang="fr-FR" sz="2000">
               <a:latin typeface="Courier New" panose="02070309020205020404" pitchFamily="49" charset="0"/>
               <a:cs typeface="Courier New" panose="02070309020205020404" pitchFamily="49" charset="0"/>
             </a:endParaRPr>
@@ -13165,7 +12823,7 @@
               <a:buNone/>
             </a:pPr>
             <a:r>
-              <a:rPr lang="fr-FR" altLang="fr-FR" sz="2000" smtClean="0">
+              <a:rPr lang="fr-FR" altLang="fr-FR" sz="2000">
                 <a:latin typeface="Courier New" panose="02070309020205020404" pitchFamily="49" charset="0"/>
                 <a:cs typeface="Courier New" panose="02070309020205020404" pitchFamily="49" charset="0"/>
               </a:rPr>
@@ -13177,7 +12835,7 @@
               <a:buFont typeface="Monotype Sorts" pitchFamily="2" charset="2"/>
               <a:buNone/>
             </a:pPr>
-            <a:endParaRPr lang="fr-FR" altLang="fr-FR" sz="2000" smtClean="0">
+            <a:endParaRPr lang="fr-FR" altLang="fr-FR" sz="2000">
               <a:latin typeface="Courier New" panose="02070309020205020404" pitchFamily="49" charset="0"/>
               <a:cs typeface="Courier New" panose="02070309020205020404" pitchFamily="49" charset="0"/>
             </a:endParaRPr>
@@ -13188,7 +12846,7 @@
               <a:buNone/>
             </a:pPr>
             <a:r>
-              <a:rPr lang="fr-FR" altLang="fr-FR" sz="2000" smtClean="0">
+              <a:rPr lang="fr-FR" altLang="fr-FR" sz="2000">
                 <a:latin typeface="Courier New" panose="02070309020205020404" pitchFamily="49" charset="0"/>
                 <a:cs typeface="Courier New" panose="02070309020205020404" pitchFamily="49" charset="0"/>
               </a:rPr>
@@ -13201,7 +12859,7 @@
               <a:buNone/>
             </a:pPr>
             <a:r>
-              <a:rPr lang="fr-FR" altLang="fr-FR" sz="2000" smtClean="0">
+              <a:rPr lang="fr-FR" altLang="fr-FR" sz="2000">
                 <a:latin typeface="Courier New" panose="02070309020205020404" pitchFamily="49" charset="0"/>
                 <a:cs typeface="Courier New" panose="02070309020205020404" pitchFamily="49" charset="0"/>
               </a:rPr>
@@ -13214,7 +12872,7 @@
               <a:buNone/>
             </a:pPr>
             <a:r>
-              <a:rPr lang="fr-FR" altLang="fr-FR" sz="2000" smtClean="0">
+              <a:rPr lang="fr-FR" altLang="fr-FR" sz="2000">
                 <a:latin typeface="Courier New" panose="02070309020205020404" pitchFamily="49" charset="0"/>
                 <a:cs typeface="Courier New" panose="02070309020205020404" pitchFamily="49" charset="0"/>
               </a:rPr>
@@ -13227,7 +12885,7 @@
               <a:buNone/>
             </a:pPr>
             <a:r>
-              <a:rPr lang="fr-FR" altLang="fr-FR" sz="2000" smtClean="0">
+              <a:rPr lang="fr-FR" altLang="fr-FR" sz="2000">
                 <a:latin typeface="Courier New" panose="02070309020205020404" pitchFamily="49" charset="0"/>
                 <a:cs typeface="Courier New" panose="02070309020205020404" pitchFamily="49" charset="0"/>
               </a:rPr>
@@ -13237,6 +12895,424 @@
         </p:txBody>
       </p:sp>
     </p:spTree>
+  </p:cSld>
+  <p:clrMapOvr>
+    <a:masterClrMapping/>
+  </p:clrMapOvr>
+</p:sld>
+</file>
+
+<file path=ppt/slides/slide31.xml><?xml version="1.0" encoding="utf-8"?>
+<p:sld xmlns:a="http://schemas.openxmlformats.org/drawingml/2006/main" xmlns:r="http://schemas.openxmlformats.org/officeDocument/2006/relationships" xmlns:p="http://schemas.openxmlformats.org/presentationml/2006/main">
+  <p:cSld>
+    <p:spTree>
+      <p:nvGrpSpPr>
+        <p:cNvPr id="1" name=""/>
+        <p:cNvGrpSpPr/>
+        <p:nvPr/>
+      </p:nvGrpSpPr>
+      <p:grpSpPr>
+        <a:xfrm>
+          <a:off x="0" y="0"/>
+          <a:ext cx="0" cy="0"/>
+          <a:chOff x="0" y="0"/>
+          <a:chExt cx="0" cy="0"/>
+        </a:xfrm>
+      </p:grpSpPr>
+      <p:sp>
+        <p:nvSpPr>
+          <p:cNvPr id="65538" name="Titre 1"/>
+          <p:cNvSpPr>
+            <a:spLocks noGrp="1"/>
+          </p:cNvSpPr>
+          <p:nvPr>
+            <p:ph type="title"/>
+          </p:nvPr>
+        </p:nvSpPr>
+        <p:spPr/>
+        <p:txBody>
+          <a:bodyPr/>
+          <a:lstStyle/>
+          <a:p>
+            <a:r>
+              <a:rPr lang="fr-FR" altLang="fr-FR"/>
+              <a:t>DTO</a:t>
+            </a:r>
+          </a:p>
+        </p:txBody>
+      </p:sp>
+      <p:sp>
+        <p:nvSpPr>
+          <p:cNvPr id="65539" name="Espace réservé du contenu 2"/>
+          <p:cNvSpPr>
+            <a:spLocks noGrp="1"/>
+          </p:cNvSpPr>
+          <p:nvPr>
+            <p:ph idx="1"/>
+          </p:nvPr>
+        </p:nvSpPr>
+        <p:spPr/>
+        <p:txBody>
+          <a:bodyPr/>
+          <a:lstStyle/>
+          <a:p>
+            <a:r>
+              <a:rPr lang="fr-FR" altLang="fr-FR"/>
+              <a:t>Data Transfer Object</a:t>
+            </a:r>
+          </a:p>
+          <a:p>
+            <a:pPr lvl="1"/>
+            <a:r>
+              <a:rPr lang="fr-FR" altLang="fr-FR"/>
+              <a:t>Objet sérialisé pour le transfert JSON</a:t>
+            </a:r>
+          </a:p>
+          <a:p>
+            <a:pPr lvl="1"/>
+            <a:r>
+              <a:rPr lang="fr-FR" altLang="fr-FR"/>
+              <a:t>Au format convenu avec le frontend</a:t>
+            </a:r>
+          </a:p>
+          <a:p>
+            <a:pPr lvl="1"/>
+            <a:endParaRPr lang="fr-FR" altLang="fr-FR"/>
+          </a:p>
+        </p:txBody>
+      </p:sp>
+    </p:spTree>
+    <p:extLst>
+      <p:ext uri="{BB962C8B-B14F-4D97-AF65-F5344CB8AC3E}">
+        <p14:creationId xmlns:p14="http://schemas.microsoft.com/office/powerpoint/2010/main" val="4020219559"/>
+      </p:ext>
+    </p:extLst>
+  </p:cSld>
+  <p:clrMapOvr>
+    <a:masterClrMapping/>
+  </p:clrMapOvr>
+</p:sld>
+</file>
+
+<file path=ppt/slides/slide32.xml><?xml version="1.0" encoding="utf-8"?>
+<p:sld xmlns:a="http://schemas.openxmlformats.org/drawingml/2006/main" xmlns:r="http://schemas.openxmlformats.org/officeDocument/2006/relationships" xmlns:p="http://schemas.openxmlformats.org/presentationml/2006/main">
+  <p:cSld>
+    <p:spTree>
+      <p:nvGrpSpPr>
+        <p:cNvPr id="1" name=""/>
+        <p:cNvGrpSpPr/>
+        <p:nvPr/>
+      </p:nvGrpSpPr>
+      <p:grpSpPr>
+        <a:xfrm>
+          <a:off x="0" y="0"/>
+          <a:ext cx="0" cy="0"/>
+          <a:chOff x="0" y="0"/>
+          <a:chExt cx="0" cy="0"/>
+        </a:xfrm>
+      </p:grpSpPr>
+      <p:sp>
+        <p:nvSpPr>
+          <p:cNvPr id="66562" name="Titre 1"/>
+          <p:cNvSpPr>
+            <a:spLocks noGrp="1"/>
+          </p:cNvSpPr>
+          <p:nvPr>
+            <p:ph type="title"/>
+          </p:nvPr>
+        </p:nvSpPr>
+        <p:spPr/>
+        <p:txBody>
+          <a:bodyPr/>
+          <a:lstStyle/>
+          <a:p>
+            <a:r>
+              <a:rPr lang="fr-FR" altLang="fr-FR"/>
+              <a:t>Adapter</a:t>
+            </a:r>
+          </a:p>
+        </p:txBody>
+      </p:sp>
+      <p:sp>
+        <p:nvSpPr>
+          <p:cNvPr id="65539" name="Espace réservé du contenu 2"/>
+          <p:cNvSpPr>
+            <a:spLocks noGrp="1"/>
+          </p:cNvSpPr>
+          <p:nvPr>
+            <p:ph idx="1"/>
+          </p:nvPr>
+        </p:nvSpPr>
+        <p:spPr/>
+        <p:txBody>
+          <a:bodyPr/>
+          <a:lstStyle/>
+          <a:p>
+            <a:pPr>
+              <a:defRPr/>
+            </a:pPr>
+            <a:r>
+              <a:rPr lang="fr-FR" altLang="fr-FR" dirty="0"/>
+              <a:t>Adaptation DTO-</a:t>
+            </a:r>
+            <a:r>
+              <a:rPr lang="fr-FR" altLang="fr-FR" dirty="0" err="1"/>
+              <a:t>Entity</a:t>
+            </a:r>
+            <a:endParaRPr lang="fr-FR" altLang="fr-FR" dirty="0"/>
+          </a:p>
+          <a:p>
+            <a:pPr>
+              <a:defRPr/>
+            </a:pPr>
+            <a:r>
+              <a:rPr lang="fr-FR" altLang="fr-FR" dirty="0"/>
+              <a:t>Adapter</a:t>
+            </a:r>
+          </a:p>
+          <a:p>
+            <a:pPr lvl="1">
+              <a:defRPr/>
+            </a:pPr>
+            <a:r>
+              <a:rPr lang="fr-FR" altLang="fr-FR" sz="2000" dirty="0" err="1">
+                <a:latin typeface="Courier New" panose="02070309020205020404" pitchFamily="49" charset="0"/>
+                <a:cs typeface="Courier New" panose="02070309020205020404" pitchFamily="49" charset="0"/>
+              </a:rPr>
+              <a:t>toDTO</a:t>
+            </a:r>
+            <a:r>
+              <a:rPr lang="fr-FR" altLang="fr-FR" sz="2000" dirty="0">
+                <a:latin typeface="Courier New" panose="02070309020205020404" pitchFamily="49" charset="0"/>
+                <a:cs typeface="Courier New" panose="02070309020205020404" pitchFamily="49" charset="0"/>
+              </a:rPr>
+              <a:t>(</a:t>
+            </a:r>
+            <a:r>
+              <a:rPr lang="fr-FR" altLang="fr-FR" sz="2000" dirty="0" err="1">
+                <a:latin typeface="Courier New" panose="02070309020205020404" pitchFamily="49" charset="0"/>
+                <a:cs typeface="Courier New" panose="02070309020205020404" pitchFamily="49" charset="0"/>
+              </a:rPr>
+              <a:t>entity</a:t>
+            </a:r>
+            <a:r>
+              <a:rPr lang="fr-FR" altLang="fr-FR" sz="2000" dirty="0">
+                <a:latin typeface="Courier New" panose="02070309020205020404" pitchFamily="49" charset="0"/>
+                <a:cs typeface="Courier New" panose="02070309020205020404" pitchFamily="49" charset="0"/>
+              </a:rPr>
+              <a:t>)</a:t>
+            </a:r>
+          </a:p>
+          <a:p>
+            <a:pPr lvl="1">
+              <a:defRPr/>
+            </a:pPr>
+            <a:r>
+              <a:rPr lang="fr-FR" altLang="fr-FR" sz="2000" dirty="0" err="1">
+                <a:latin typeface="Courier New" panose="02070309020205020404" pitchFamily="49" charset="0"/>
+                <a:cs typeface="Courier New" panose="02070309020205020404" pitchFamily="49" charset="0"/>
+              </a:rPr>
+              <a:t>toEntity</a:t>
+            </a:r>
+            <a:r>
+              <a:rPr lang="fr-FR" altLang="fr-FR" sz="2000" dirty="0">
+                <a:latin typeface="Courier New" panose="02070309020205020404" pitchFamily="49" charset="0"/>
+                <a:cs typeface="Courier New" panose="02070309020205020404" pitchFamily="49" charset="0"/>
+              </a:rPr>
+              <a:t>(</a:t>
+            </a:r>
+            <a:r>
+              <a:rPr lang="fr-FR" altLang="fr-FR" sz="2000" dirty="0" err="1">
+                <a:latin typeface="Courier New" panose="02070309020205020404" pitchFamily="49" charset="0"/>
+                <a:cs typeface="Courier New" panose="02070309020205020404" pitchFamily="49" charset="0"/>
+              </a:rPr>
+              <a:t>dto</a:t>
+            </a:r>
+            <a:r>
+              <a:rPr lang="fr-FR" altLang="fr-FR" sz="2000" dirty="0">
+                <a:latin typeface="Courier New" panose="02070309020205020404" pitchFamily="49" charset="0"/>
+                <a:cs typeface="Courier New" panose="02070309020205020404" pitchFamily="49" charset="0"/>
+              </a:rPr>
+              <a:t>)</a:t>
+            </a:r>
+          </a:p>
+          <a:p>
+            <a:pPr>
+              <a:defRPr/>
+            </a:pPr>
+            <a:r>
+              <a:rPr lang="fr-FR" altLang="fr-FR" dirty="0"/>
+              <a:t>Adaptation dans le service</a:t>
+            </a:r>
+          </a:p>
+          <a:p>
+            <a:pPr marL="457200" lvl="1" indent="0">
+              <a:buFontTx/>
+              <a:buNone/>
+              <a:defRPr/>
+            </a:pPr>
+            <a:r>
+              <a:rPr lang="fr-FR" altLang="fr-FR" sz="2000" dirty="0" err="1">
+                <a:latin typeface="Courier New" panose="02070309020205020404" pitchFamily="49" charset="0"/>
+                <a:cs typeface="Courier New" panose="02070309020205020404" pitchFamily="49" charset="0"/>
+              </a:rPr>
+              <a:t>entities.stream</a:t>
+            </a:r>
+            <a:r>
+              <a:rPr lang="fr-FR" altLang="fr-FR" sz="2000" dirty="0">
+                <a:latin typeface="Courier New" panose="02070309020205020404" pitchFamily="49" charset="0"/>
+                <a:cs typeface="Courier New" panose="02070309020205020404" pitchFamily="49" charset="0"/>
+              </a:rPr>
+              <a:t>().</a:t>
+            </a:r>
+            <a:r>
+              <a:rPr lang="fr-FR" altLang="fr-FR" sz="2000" dirty="0" err="1">
+                <a:latin typeface="Courier New" panose="02070309020205020404" pitchFamily="49" charset="0"/>
+                <a:cs typeface="Courier New" panose="02070309020205020404" pitchFamily="49" charset="0"/>
+              </a:rPr>
+              <a:t>map</a:t>
+            </a:r>
+            <a:r>
+              <a:rPr lang="fr-FR" altLang="fr-FR" sz="2000" dirty="0">
+                <a:latin typeface="Courier New" panose="02070309020205020404" pitchFamily="49" charset="0"/>
+                <a:cs typeface="Courier New" panose="02070309020205020404" pitchFamily="49" charset="0"/>
+              </a:rPr>
+              <a:t>(adapter::</a:t>
+            </a:r>
+            <a:r>
+              <a:rPr lang="fr-FR" altLang="fr-FR" sz="2000" dirty="0" err="1">
+                <a:latin typeface="Courier New" panose="02070309020205020404" pitchFamily="49" charset="0"/>
+                <a:cs typeface="Courier New" panose="02070309020205020404" pitchFamily="49" charset="0"/>
+              </a:rPr>
+              <a:t>toDto</a:t>
+            </a:r>
+            <a:r>
+              <a:rPr lang="fr-FR" altLang="fr-FR" sz="2000" dirty="0">
+                <a:latin typeface="Courier New" panose="02070309020205020404" pitchFamily="49" charset="0"/>
+                <a:cs typeface="Courier New" panose="02070309020205020404" pitchFamily="49" charset="0"/>
+              </a:rPr>
+              <a:t>).</a:t>
+            </a:r>
+            <a:r>
+              <a:rPr lang="fr-FR" altLang="fr-FR" sz="2000" dirty="0" err="1">
+                <a:latin typeface="Courier New" panose="02070309020205020404" pitchFamily="49" charset="0"/>
+                <a:cs typeface="Courier New" panose="02070309020205020404" pitchFamily="49" charset="0"/>
+              </a:rPr>
+              <a:t>collect</a:t>
+            </a:r>
+            <a:r>
+              <a:rPr lang="fr-FR" altLang="fr-FR" sz="2000" dirty="0">
+                <a:latin typeface="Courier New" panose="02070309020205020404" pitchFamily="49" charset="0"/>
+                <a:cs typeface="Courier New" panose="02070309020205020404" pitchFamily="49" charset="0"/>
+              </a:rPr>
+              <a:t>(</a:t>
+            </a:r>
+            <a:r>
+              <a:rPr lang="fr-FR" altLang="fr-FR" sz="2000" dirty="0" err="1">
+                <a:latin typeface="Courier New" panose="02070309020205020404" pitchFamily="49" charset="0"/>
+                <a:cs typeface="Courier New" panose="02070309020205020404" pitchFamily="49" charset="0"/>
+              </a:rPr>
+              <a:t>Collectors.toList</a:t>
+            </a:r>
+            <a:r>
+              <a:rPr lang="fr-FR" altLang="fr-FR" sz="2000" dirty="0">
+                <a:latin typeface="Courier New" panose="02070309020205020404" pitchFamily="49" charset="0"/>
+                <a:cs typeface="Courier New" panose="02070309020205020404" pitchFamily="49" charset="0"/>
+              </a:rPr>
+              <a:t>())</a:t>
+            </a:r>
+          </a:p>
+          <a:p>
+            <a:pPr marL="457200" lvl="1" indent="0">
+              <a:buFontTx/>
+              <a:buNone/>
+              <a:defRPr/>
+            </a:pPr>
+            <a:r>
+              <a:rPr lang="fr-FR" altLang="fr-FR" sz="2000" dirty="0" err="1">
+                <a:latin typeface="Courier New" panose="02070309020205020404" pitchFamily="49" charset="0"/>
+                <a:cs typeface="Courier New" panose="02070309020205020404" pitchFamily="49" charset="0"/>
+              </a:rPr>
+              <a:t>dtos.stream</a:t>
+            </a:r>
+            <a:r>
+              <a:rPr lang="fr-FR" altLang="fr-FR" sz="2000" dirty="0">
+                <a:latin typeface="Courier New" panose="02070309020205020404" pitchFamily="49" charset="0"/>
+                <a:cs typeface="Courier New" panose="02070309020205020404" pitchFamily="49" charset="0"/>
+              </a:rPr>
+              <a:t>().</a:t>
+            </a:r>
+            <a:r>
+              <a:rPr lang="fr-FR" altLang="fr-FR" sz="2000" dirty="0" err="1">
+                <a:latin typeface="Courier New" panose="02070309020205020404" pitchFamily="49" charset="0"/>
+                <a:cs typeface="Courier New" panose="02070309020205020404" pitchFamily="49" charset="0"/>
+              </a:rPr>
+              <a:t>map</a:t>
+            </a:r>
+            <a:r>
+              <a:rPr lang="fr-FR" altLang="fr-FR" sz="2000" dirty="0">
+                <a:latin typeface="Courier New" panose="02070309020205020404" pitchFamily="49" charset="0"/>
+                <a:cs typeface="Courier New" panose="02070309020205020404" pitchFamily="49" charset="0"/>
+              </a:rPr>
+              <a:t>(adapter::</a:t>
+            </a:r>
+            <a:r>
+              <a:rPr lang="fr-FR" altLang="fr-FR" sz="2000" dirty="0" err="1">
+                <a:latin typeface="Courier New" panose="02070309020205020404" pitchFamily="49" charset="0"/>
+                <a:cs typeface="Courier New" panose="02070309020205020404" pitchFamily="49" charset="0"/>
+              </a:rPr>
+              <a:t>toEntity</a:t>
+            </a:r>
+            <a:r>
+              <a:rPr lang="fr-FR" altLang="fr-FR" sz="2000" dirty="0">
+                <a:latin typeface="Courier New" panose="02070309020205020404" pitchFamily="49" charset="0"/>
+                <a:cs typeface="Courier New" panose="02070309020205020404" pitchFamily="49" charset="0"/>
+              </a:rPr>
+              <a:t>).</a:t>
+            </a:r>
+            <a:r>
+              <a:rPr lang="fr-FR" altLang="fr-FR" sz="2000" dirty="0" err="1">
+                <a:latin typeface="Courier New" panose="02070309020205020404" pitchFamily="49" charset="0"/>
+                <a:cs typeface="Courier New" panose="02070309020205020404" pitchFamily="49" charset="0"/>
+              </a:rPr>
+              <a:t>collect</a:t>
+            </a:r>
+            <a:r>
+              <a:rPr lang="fr-FR" altLang="fr-FR" sz="2000" dirty="0">
+                <a:latin typeface="Courier New" panose="02070309020205020404" pitchFamily="49" charset="0"/>
+                <a:cs typeface="Courier New" panose="02070309020205020404" pitchFamily="49" charset="0"/>
+              </a:rPr>
+              <a:t>(</a:t>
+            </a:r>
+            <a:r>
+              <a:rPr lang="fr-FR" altLang="fr-FR" sz="2000" dirty="0" err="1">
+                <a:latin typeface="Courier New" panose="02070309020205020404" pitchFamily="49" charset="0"/>
+                <a:cs typeface="Courier New" panose="02070309020205020404" pitchFamily="49" charset="0"/>
+              </a:rPr>
+              <a:t>Collectors.toList</a:t>
+            </a:r>
+            <a:r>
+              <a:rPr lang="fr-FR" altLang="fr-FR" sz="2000" dirty="0">
+                <a:latin typeface="Courier New" panose="02070309020205020404" pitchFamily="49" charset="0"/>
+                <a:cs typeface="Courier New" panose="02070309020205020404" pitchFamily="49" charset="0"/>
+              </a:rPr>
+              <a:t>())</a:t>
+            </a:r>
+          </a:p>
+          <a:p>
+            <a:pPr lvl="1">
+              <a:defRPr/>
+            </a:pPr>
+            <a:endParaRPr lang="fr-FR" altLang="fr-FR" dirty="0"/>
+          </a:p>
+        </p:txBody>
+      </p:sp>
+    </p:spTree>
+    <p:extLst>
+      <p:ext uri="{BB962C8B-B14F-4D97-AF65-F5344CB8AC3E}">
+        <p14:creationId xmlns:p14="http://schemas.microsoft.com/office/powerpoint/2010/main" val="7808115"/>
+      </p:ext>
+    </p:extLst>
   </p:cSld>
   <p:clrMapOvr>
     <a:masterClrMapping/>
@@ -13277,7 +13353,7 @@
           <a:lstStyle/>
           <a:p>
             <a:r>
-              <a:rPr lang="fr-FR" altLang="fr-FR" smtClean="0"/>
+              <a:rPr lang="fr-FR" altLang="fr-FR"/>
               <a:t>Paramètres</a:t>
             </a:r>
           </a:p>
@@ -13299,14 +13375,14 @@
           <a:lstStyle/>
           <a:p>
             <a:r>
-              <a:rPr lang="fr-FR" altLang="fr-FR" smtClean="0"/>
+              <a:rPr lang="fr-FR" altLang="fr-FR"/>
               <a:t>@RequestParam</a:t>
             </a:r>
           </a:p>
           <a:p>
             <a:pPr lvl="1"/>
             <a:r>
-              <a:rPr lang="en-US" altLang="fr-FR" sz="2000" smtClean="0">
+              <a:rPr lang="en-US" altLang="fr-FR" sz="2000">
                 <a:latin typeface="Courier New" panose="02070309020205020404" pitchFamily="49" charset="0"/>
                 <a:cs typeface="Courier New" panose="02070309020205020404" pitchFamily="49" charset="0"/>
               </a:rPr>
@@ -13316,7 +13392,7 @@
           <a:p>
             <a:pPr lvl="1"/>
             <a:r>
-              <a:rPr lang="en-US" altLang="fr-FR" sz="2000" smtClean="0">
+              <a:rPr lang="en-US" altLang="fr-FR" sz="2000">
                 <a:latin typeface="Courier New" panose="02070309020205020404" pitchFamily="49" charset="0"/>
                 <a:cs typeface="Courier New" panose="02070309020205020404" pitchFamily="49" charset="0"/>
               </a:rPr>
@@ -13325,13 +13401,13 @@
           </a:p>
           <a:p>
             <a:r>
-              <a:rPr lang="fr-FR" altLang="fr-FR" smtClean="0"/>
+              <a:rPr lang="fr-FR" altLang="fr-FR"/>
               <a:t>Ecriture simplifiée</a:t>
             </a:r>
           </a:p>
           <a:p>
             <a:pPr lvl="1"/>
-            <a:endParaRPr lang="fr-FR" altLang="fr-FR" sz="2000" smtClean="0">
+            <a:endParaRPr lang="fr-FR" altLang="fr-FR" sz="2000">
               <a:latin typeface="Courier New" panose="02070309020205020404" pitchFamily="49" charset="0"/>
               <a:cs typeface="Courier New" panose="02070309020205020404" pitchFamily="49" charset="0"/>
             </a:endParaRPr>
@@ -13433,7 +13509,7 @@
           <a:lstStyle/>
           <a:p>
             <a:r>
-              <a:rPr lang="fr-FR" altLang="fr-FR" smtClean="0"/>
+              <a:rPr lang="fr-FR" altLang="fr-FR"/>
               <a:t>Préfixe d’URL</a:t>
             </a:r>
           </a:p>
@@ -13458,7 +13534,7 @@
               <a:defRPr/>
             </a:pPr>
             <a:r>
-              <a:rPr lang="fr-FR" dirty="0" smtClean="0"/>
+              <a:rPr lang="fr-FR" dirty="0"/>
               <a:t>Il est possible d’ajouter un préfixe d’URL sur le contrôleur</a:t>
             </a:r>
           </a:p>
@@ -13466,7 +13542,7 @@
             <a:pPr>
               <a:defRPr/>
             </a:pPr>
-            <a:endParaRPr lang="fr-FR" dirty="0" smtClean="0"/>
+            <a:endParaRPr lang="fr-FR" dirty="0"/>
           </a:p>
           <a:p>
             <a:pPr marL="0" indent="0">
@@ -13475,20 +13551,20 @@
               <a:defRPr/>
             </a:pPr>
             <a:r>
-              <a:rPr lang="en-US" sz="2000" dirty="0" smtClean="0">
+              <a:rPr lang="en-US" sz="2000" dirty="0">
                 <a:latin typeface="Courier New" panose="02070309020205020404" pitchFamily="49" charset="0"/>
                 <a:cs typeface="Courier New" panose="02070309020205020404" pitchFamily="49" charset="0"/>
               </a:rPr>
               <a:t>@</a:t>
             </a:r>
             <a:r>
-              <a:rPr lang="en-US" sz="2000" dirty="0" err="1" smtClean="0">
+              <a:rPr lang="en-US" sz="2000" dirty="0" err="1">
                 <a:latin typeface="Courier New" panose="02070309020205020404" pitchFamily="49" charset="0"/>
                 <a:cs typeface="Courier New" panose="02070309020205020404" pitchFamily="49" charset="0"/>
               </a:rPr>
               <a:t>RestController</a:t>
             </a:r>
-            <a:endParaRPr lang="en-US" sz="2000" dirty="0" smtClean="0">
+            <a:endParaRPr lang="en-US" sz="2000" dirty="0">
               <a:latin typeface="Courier New" panose="02070309020205020404" pitchFamily="49" charset="0"/>
               <a:cs typeface="Courier New" panose="02070309020205020404" pitchFamily="49" charset="0"/>
             </a:endParaRPr>
@@ -13500,35 +13576,35 @@
               <a:defRPr/>
             </a:pPr>
             <a:r>
-              <a:rPr lang="en-US" sz="2000" dirty="0" smtClean="0">
+              <a:rPr lang="en-US" sz="2000" dirty="0">
                 <a:latin typeface="Courier New" panose="02070309020205020404" pitchFamily="49" charset="0"/>
                 <a:cs typeface="Courier New" panose="02070309020205020404" pitchFamily="49" charset="0"/>
               </a:rPr>
               <a:t>@</a:t>
             </a:r>
             <a:r>
-              <a:rPr lang="en-US" sz="2000" dirty="0" err="1" smtClean="0">
+              <a:rPr lang="en-US" sz="2000" dirty="0" err="1">
                 <a:latin typeface="Courier New" panose="02070309020205020404" pitchFamily="49" charset="0"/>
                 <a:cs typeface="Courier New" panose="02070309020205020404" pitchFamily="49" charset="0"/>
               </a:rPr>
               <a:t>RequestMapping</a:t>
             </a:r>
             <a:r>
-              <a:rPr lang="en-US" sz="2000" dirty="0" smtClean="0">
+              <a:rPr lang="en-US" sz="2000" dirty="0">
                 <a:latin typeface="Courier New" panose="02070309020205020404" pitchFamily="49" charset="0"/>
                 <a:cs typeface="Courier New" panose="02070309020205020404" pitchFamily="49" charset="0"/>
               </a:rPr>
               <a:t>("/</a:t>
             </a:r>
             <a:r>
-              <a:rPr lang="en-US" sz="2000" dirty="0" err="1" smtClean="0">
+              <a:rPr lang="en-US" sz="2000" dirty="0" err="1">
                 <a:latin typeface="Courier New" panose="02070309020205020404" pitchFamily="49" charset="0"/>
                 <a:cs typeface="Courier New" panose="02070309020205020404" pitchFamily="49" charset="0"/>
               </a:rPr>
               <a:t>api</a:t>
             </a:r>
             <a:r>
-              <a:rPr lang="en-US" sz="2000" dirty="0" smtClean="0">
+              <a:rPr lang="en-US" sz="2000" dirty="0">
                 <a:latin typeface="Courier New" panose="02070309020205020404" pitchFamily="49" charset="0"/>
                 <a:cs typeface="Courier New" panose="02070309020205020404" pitchFamily="49" charset="0"/>
               </a:rPr>
@@ -13542,21 +13618,21 @@
               <a:defRPr/>
             </a:pPr>
             <a:r>
-              <a:rPr lang="en-US" sz="2000" dirty="0" smtClean="0">
+              <a:rPr lang="en-US" sz="2000" dirty="0">
                 <a:latin typeface="Courier New" panose="02070309020205020404" pitchFamily="49" charset="0"/>
                 <a:cs typeface="Courier New" panose="02070309020205020404" pitchFamily="49" charset="0"/>
               </a:rPr>
               <a:t>public class </a:t>
             </a:r>
             <a:r>
-              <a:rPr lang="en-US" sz="2000" dirty="0" err="1" smtClean="0">
+              <a:rPr lang="en-US" sz="2000" dirty="0" err="1">
                 <a:latin typeface="Courier New" panose="02070309020205020404" pitchFamily="49" charset="0"/>
                 <a:cs typeface="Courier New" panose="02070309020205020404" pitchFamily="49" charset="0"/>
               </a:rPr>
               <a:t>EmployeeRestController</a:t>
             </a:r>
             <a:r>
-              <a:rPr lang="en-US" sz="2000" dirty="0" smtClean="0">
+              <a:rPr lang="en-US" sz="2000" dirty="0">
                 <a:latin typeface="Courier New" panose="02070309020205020404" pitchFamily="49" charset="0"/>
                 <a:cs typeface="Courier New" panose="02070309020205020404" pitchFamily="49" charset="0"/>
               </a:rPr>
@@ -13570,7 +13646,7 @@
               <a:defRPr/>
             </a:pPr>
             <a:r>
-              <a:rPr lang="en-US" sz="2000" dirty="0" smtClean="0">
+              <a:rPr lang="en-US" sz="2000" dirty="0">
                 <a:latin typeface="Courier New" panose="02070309020205020404" pitchFamily="49" charset="0"/>
                 <a:cs typeface="Courier New" panose="02070309020205020404" pitchFamily="49" charset="0"/>
               </a:rPr>
@@ -13584,7 +13660,7 @@
               <a:defRPr/>
             </a:pPr>
             <a:r>
-              <a:rPr lang="en-US" sz="2000" dirty="0" smtClean="0">
+              <a:rPr lang="en-US" sz="2000" dirty="0">
                 <a:latin typeface="Courier New" panose="02070309020205020404" pitchFamily="49" charset="0"/>
                 <a:cs typeface="Courier New" panose="02070309020205020404" pitchFamily="49" charset="0"/>
               </a:rPr>
@@ -13638,7 +13714,7 @@
           <a:lstStyle/>
           <a:p>
             <a:r>
-              <a:rPr lang="fr-FR" altLang="fr-FR" smtClean="0"/>
+              <a:rPr lang="fr-FR" altLang="fr-FR"/>
               <a:t>CRUD</a:t>
             </a:r>
           </a:p>
@@ -13660,74 +13736,74 @@
           <a:lstStyle/>
           <a:p>
             <a:r>
-              <a:rPr lang="fr-FR" altLang="fr-FR" sz="2400" smtClean="0"/>
+              <a:rPr lang="fr-FR" altLang="fr-FR" sz="2400"/>
               <a:t>Roy Fiedling est l’inventeur de l’architecture REST</a:t>
             </a:r>
           </a:p>
           <a:p>
             <a:r>
-              <a:rPr lang="fr-FR" altLang="fr-FR" sz="2400" smtClean="0"/>
+              <a:rPr lang="fr-FR" altLang="fr-FR" sz="2400"/>
               <a:t>HTTP possède 4 verbes par défaut</a:t>
             </a:r>
           </a:p>
           <a:p>
             <a:pPr lvl="1"/>
             <a:r>
-              <a:rPr lang="fr-FR" altLang="fr-FR" sz="2000" smtClean="0"/>
+              <a:rPr lang="fr-FR" altLang="fr-FR" sz="2000"/>
               <a:t>GET, POST, PUT, DELETE</a:t>
             </a:r>
           </a:p>
           <a:p>
             <a:pPr lvl="1"/>
             <a:r>
-              <a:rPr lang="fr-FR" altLang="fr-FR" sz="2000" smtClean="0"/>
+              <a:rPr lang="fr-FR" altLang="fr-FR" sz="2000"/>
               <a:t>Et souvent d’autres verbes comme PATCH</a:t>
             </a:r>
           </a:p>
           <a:p>
             <a:r>
-              <a:rPr lang="fr-FR" altLang="fr-FR" sz="2400" smtClean="0"/>
+              <a:rPr lang="fr-FR" altLang="fr-FR" sz="2400"/>
               <a:t>D’après Roy Fiedling, nous pouvons associer les CRUD aux verbes</a:t>
             </a:r>
           </a:p>
           <a:p>
             <a:pPr lvl="1"/>
             <a:r>
-              <a:rPr lang="fr-FR" altLang="fr-FR" sz="2000" smtClean="0"/>
+              <a:rPr lang="fr-FR" altLang="fr-FR" sz="2000"/>
               <a:t>Create : POST</a:t>
             </a:r>
           </a:p>
           <a:p>
             <a:pPr lvl="1"/>
             <a:r>
-              <a:rPr lang="fr-FR" altLang="fr-FR" sz="2000" smtClean="0"/>
+              <a:rPr lang="fr-FR" altLang="fr-FR" sz="2000"/>
               <a:t>Request : GET</a:t>
             </a:r>
           </a:p>
           <a:p>
             <a:pPr lvl="1"/>
             <a:r>
-              <a:rPr lang="fr-FR" altLang="fr-FR" sz="2000" smtClean="0"/>
+              <a:rPr lang="fr-FR" altLang="fr-FR" sz="2000"/>
               <a:t>Update : PUT</a:t>
             </a:r>
           </a:p>
           <a:p>
             <a:pPr lvl="1"/>
             <a:r>
-              <a:rPr lang="fr-FR" altLang="fr-FR" sz="2000" smtClean="0"/>
+              <a:rPr lang="fr-FR" altLang="fr-FR" sz="2000"/>
               <a:t>Delete : DELETE</a:t>
             </a:r>
           </a:p>
           <a:p>
             <a:pPr lvl="1"/>
             <a:r>
-              <a:rPr lang="fr-FR" altLang="fr-FR" sz="2000" smtClean="0"/>
+              <a:rPr lang="fr-FR" altLang="fr-FR" sz="2000"/>
               <a:t>Non obligatoire</a:t>
             </a:r>
           </a:p>
           <a:p>
             <a:pPr lvl="1"/>
-            <a:endParaRPr lang="fr-FR" altLang="fr-FR" sz="2000" smtClean="0"/>
+            <a:endParaRPr lang="fr-FR" altLang="fr-FR" sz="2000"/>
           </a:p>
         </p:txBody>
       </p:sp>
@@ -13772,7 +13848,7 @@
           <a:lstStyle/>
           <a:p>
             <a:r>
-              <a:rPr lang="fr-FR" altLang="fr-FR" smtClean="0"/>
+              <a:rPr lang="fr-FR" altLang="fr-FR"/>
               <a:t>GET</a:t>
             </a:r>
           </a:p>
@@ -13794,7 +13870,7 @@
           <a:lstStyle/>
           <a:p>
             <a:r>
-              <a:rPr lang="fr-FR" altLang="fr-FR" smtClean="0"/>
+              <a:rPr lang="fr-FR" altLang="fr-FR"/>
               <a:t>Il faut des méthodes pour getById et getAll</a:t>
             </a:r>
           </a:p>
@@ -13895,7 +13971,7 @@
           <a:lstStyle/>
           <a:p>
             <a:r>
-              <a:rPr lang="fr-FR" altLang="fr-FR" smtClean="0"/>
+              <a:rPr lang="fr-FR" altLang="fr-FR"/>
               <a:t>POST</a:t>
             </a:r>
           </a:p>
@@ -13917,20 +13993,20 @@
           <a:lstStyle/>
           <a:p>
             <a:r>
-              <a:rPr lang="fr-FR" altLang="fr-FR" smtClean="0"/>
+              <a:rPr lang="fr-FR" altLang="fr-FR"/>
               <a:t>Dans cet exemple POST crée un insert (create) via JPA save</a:t>
             </a:r>
           </a:p>
           <a:p>
             <a:r>
-              <a:rPr lang="fr-FR" altLang="fr-FR" smtClean="0"/>
+              <a:rPr lang="fr-FR" altLang="fr-FR"/>
               <a:t>POST sait uniquement communiquer via le body</a:t>
             </a:r>
           </a:p>
           <a:p>
             <a:pPr lvl="1"/>
             <a:r>
-              <a:rPr lang="fr-FR" altLang="fr-FR" smtClean="0"/>
+              <a:rPr lang="fr-FR" altLang="fr-FR"/>
               <a:t>@RequestBody</a:t>
             </a:r>
           </a:p>
@@ -14031,7 +14107,7 @@
           <a:lstStyle/>
           <a:p>
             <a:r>
-              <a:rPr lang="fr-FR" altLang="fr-FR" smtClean="0"/>
+              <a:rPr lang="fr-FR" altLang="fr-FR"/>
               <a:t>PUT</a:t>
             </a:r>
           </a:p>
@@ -14053,7 +14129,7 @@
           <a:lstStyle/>
           <a:p>
             <a:r>
-              <a:rPr lang="fr-FR" altLang="fr-FR" smtClean="0"/>
+              <a:rPr lang="fr-FR" altLang="fr-FR"/>
               <a:t>PUT gère les updates</a:t>
             </a:r>
           </a:p>
@@ -14154,7 +14230,7 @@
           <a:lstStyle/>
           <a:p>
             <a:r>
-              <a:rPr lang="fr-FR" altLang="fr-FR" smtClean="0"/>
+              <a:rPr lang="fr-FR" altLang="fr-FR"/>
               <a:t>Delete</a:t>
             </a:r>
           </a:p>
@@ -14175,7 +14251,7 @@
           <a:bodyPr/>
           <a:lstStyle/>
           <a:p>
-            <a:endParaRPr lang="fr-FR" altLang="fr-FR" smtClean="0"/>
+            <a:endParaRPr lang="fr-FR" altLang="fr-FR"/>
           </a:p>
         </p:txBody>
       </p:sp>
@@ -14328,7 +14404,7 @@
           <a:lstStyle/>
           <a:p>
             <a:r>
-              <a:rPr lang="fr-FR" altLang="fr-FR" smtClean="0"/>
+              <a:rPr lang="fr-FR" altLang="fr-FR"/>
               <a:t>Interopérabilité</a:t>
             </a:r>
           </a:p>
@@ -14355,47 +14431,47 @@
           <a:lstStyle/>
           <a:p>
             <a:r>
-              <a:rPr lang="fr-FR" altLang="fr-FR" sz="1800" smtClean="0"/>
+              <a:rPr lang="fr-FR" altLang="fr-FR" sz="1800"/>
               <a:t>Services et clients peuvent être écrits dans un langage quelconque</a:t>
             </a:r>
           </a:p>
           <a:p>
             <a:pPr lvl="1"/>
             <a:r>
-              <a:rPr lang="fr-FR" altLang="fr-FR" sz="1800" smtClean="0"/>
+              <a:rPr lang="fr-FR" altLang="fr-FR" sz="1800"/>
               <a:t>L’interopérabilité s’obtient grâce à des protocoles standards comme HTTP</a:t>
             </a:r>
           </a:p>
           <a:p>
             <a:pPr lvl="1"/>
             <a:r>
-              <a:rPr lang="fr-FR" altLang="fr-FR" sz="1800" smtClean="0"/>
+              <a:rPr lang="fr-FR" altLang="fr-FR" sz="1800"/>
               <a:t>Ainsi qu’à un accord sur le format des messages échangés</a:t>
             </a:r>
           </a:p>
           <a:p>
-            <a:endParaRPr lang="fr-FR" altLang="fr-FR" sz="1800" smtClean="0"/>
-          </a:p>
-          <a:p>
-            <a:endParaRPr lang="fr-FR" altLang="fr-FR" sz="1800" smtClean="0"/>
-          </a:p>
-          <a:p>
-            <a:endParaRPr lang="fr-FR" altLang="fr-FR" sz="1800" smtClean="0"/>
-          </a:p>
-          <a:p>
-            <a:endParaRPr lang="fr-FR" altLang="fr-FR" sz="1800" smtClean="0"/>
-          </a:p>
-          <a:p>
-            <a:endParaRPr lang="fr-FR" altLang="fr-FR" sz="1800" smtClean="0"/>
-          </a:p>
-          <a:p>
-            <a:endParaRPr lang="fr-FR" altLang="fr-FR" sz="800" smtClean="0"/>
-          </a:p>
-          <a:p>
-            <a:endParaRPr lang="fr-FR" altLang="fr-FR" sz="800" smtClean="0"/>
-          </a:p>
-          <a:p>
-            <a:endParaRPr lang="fr-FR" altLang="fr-FR" sz="800" smtClean="0"/>
+            <a:endParaRPr lang="fr-FR" altLang="fr-FR" sz="1800"/>
+          </a:p>
+          <a:p>
+            <a:endParaRPr lang="fr-FR" altLang="fr-FR" sz="1800"/>
+          </a:p>
+          <a:p>
+            <a:endParaRPr lang="fr-FR" altLang="fr-FR" sz="1800"/>
+          </a:p>
+          <a:p>
+            <a:endParaRPr lang="fr-FR" altLang="fr-FR" sz="1800"/>
+          </a:p>
+          <a:p>
+            <a:endParaRPr lang="fr-FR" altLang="fr-FR" sz="1800"/>
+          </a:p>
+          <a:p>
+            <a:endParaRPr lang="fr-FR" altLang="fr-FR" sz="800"/>
+          </a:p>
+          <a:p>
+            <a:endParaRPr lang="fr-FR" altLang="fr-FR" sz="800"/>
+          </a:p>
+          <a:p>
+            <a:endParaRPr lang="fr-FR" altLang="fr-FR" sz="800"/>
           </a:p>
           <a:p>
             <a:pPr>
@@ -14404,42 +14480,42 @@
               </a:spcBef>
             </a:pPr>
             <a:r>
-              <a:rPr lang="fr-FR" altLang="fr-FR" sz="1800" smtClean="0"/>
+              <a:rPr lang="fr-FR" altLang="fr-FR" sz="1800"/>
               <a:t>Nous nous concentrerons sur l’écriture de services Web et de clients en Java en utilisant JAX-WS</a:t>
             </a:r>
           </a:p>
           <a:p>
             <a:pPr lvl="1"/>
             <a:r>
-              <a:rPr lang="fr-FR" altLang="fr-FR" sz="1800" smtClean="0"/>
+              <a:rPr lang="fr-FR" altLang="fr-FR" sz="1800"/>
               <a:t>JAX-WS supporte les standards WS-I (</a:t>
             </a:r>
             <a:r>
-              <a:rPr lang="fr-FR" altLang="fr-FR" sz="1800" i="1" u="sng" smtClean="0"/>
+              <a:rPr lang="fr-FR" altLang="fr-FR" sz="1800" i="1" u="sng"/>
               <a:t>W</a:t>
             </a:r>
             <a:r>
-              <a:rPr lang="fr-FR" altLang="fr-FR" sz="1800" i="1" smtClean="0"/>
+              <a:rPr lang="fr-FR" altLang="fr-FR" sz="1800" i="1"/>
               <a:t>eb </a:t>
             </a:r>
             <a:r>
-              <a:rPr lang="fr-FR" altLang="fr-FR" sz="1800" i="1" u="sng" smtClean="0"/>
+              <a:rPr lang="fr-FR" altLang="fr-FR" sz="1800" i="1" u="sng"/>
               <a:t>S</a:t>
             </a:r>
             <a:r>
-              <a:rPr lang="fr-FR" altLang="fr-FR" sz="1800" i="1" smtClean="0"/>
+              <a:rPr lang="fr-FR" altLang="fr-FR" sz="1800" i="1"/>
               <a:t>ervices </a:t>
             </a:r>
             <a:r>
-              <a:rPr lang="fr-FR" altLang="fr-FR" sz="1800" i="1" u="sng" smtClean="0"/>
+              <a:rPr lang="fr-FR" altLang="fr-FR" sz="1800" i="1" u="sng"/>
               <a:t>I</a:t>
             </a:r>
             <a:r>
-              <a:rPr lang="fr-FR" altLang="fr-FR" sz="1800" i="1" smtClean="0"/>
+              <a:rPr lang="fr-FR" altLang="fr-FR" sz="1800" i="1"/>
               <a:t>nteroperability </a:t>
             </a:r>
             <a:r>
-              <a:rPr lang="fr-FR" altLang="fr-FR" sz="1800" smtClean="0"/>
+              <a:rPr lang="fr-FR" altLang="fr-FR" sz="1800"/>
               <a:t>)</a:t>
             </a:r>
           </a:p>
@@ -15358,13 +15434,6 @@
   <p:clrMapOvr>
     <a:masterClrMapping/>
   </p:clrMapOvr>
-  <p:timing>
-    <p:tnLst>
-      <p:par>
-        <p:cTn id="1" dur="indefinite" restart="never" nodeType="tmRoot"/>
-      </p:par>
-    </p:tnLst>
-  </p:timing>
 </p:sld>
 </file>
 
@@ -15401,7 +15470,7 @@
           <a:lstStyle/>
           <a:p>
             <a:r>
-              <a:rPr lang="fr-FR" altLang="fr-FR" smtClean="0"/>
+              <a:rPr lang="fr-FR" altLang="fr-FR"/>
               <a:t>Gestion des erreurs</a:t>
             </a:r>
           </a:p>
@@ -15423,13 +15492,13 @@
           <a:lstStyle/>
           <a:p>
             <a:r>
-              <a:rPr lang="fr-FR" altLang="fr-FR" smtClean="0"/>
+              <a:rPr lang="fr-FR" altLang="fr-FR"/>
               <a:t>Il faut d’abord créer une exception</a:t>
             </a:r>
           </a:p>
           <a:p>
             <a:pPr lvl="1"/>
-            <a:endParaRPr lang="fr-FR" altLang="fr-FR" smtClean="0"/>
+            <a:endParaRPr lang="fr-FR" altLang="fr-FR"/>
           </a:p>
         </p:txBody>
       </p:sp>
@@ -15528,7 +15597,7 @@
           <a:lstStyle/>
           <a:p>
             <a:r>
-              <a:rPr lang="fr-FR" altLang="fr-FR" smtClean="0"/>
+              <a:rPr lang="fr-FR" altLang="fr-FR"/>
               <a:t>Advice</a:t>
             </a:r>
           </a:p>
@@ -15550,20 +15619,20 @@
           <a:lstStyle/>
           <a:p>
             <a:r>
-              <a:rPr lang="fr-FR" altLang="fr-FR" smtClean="0"/>
+              <a:rPr lang="fr-FR" altLang="fr-FR"/>
               <a:t>Gère automatiquement l’exception du ExceptionHandler si elle arrive en répondant par le ResponseStatus</a:t>
             </a:r>
           </a:p>
           <a:p>
             <a:pPr lvl="1"/>
             <a:r>
-              <a:rPr lang="fr-FR" altLang="fr-FR" smtClean="0"/>
+              <a:rPr lang="fr-FR" altLang="fr-FR"/>
               <a:t>Ici 404</a:t>
             </a:r>
           </a:p>
           <a:p>
             <a:pPr lvl="1"/>
-            <a:endParaRPr lang="fr-FR" altLang="fr-FR" smtClean="0"/>
+            <a:endParaRPr lang="fr-FR" altLang="fr-FR"/>
           </a:p>
         </p:txBody>
       </p:sp>
@@ -15648,540 +15717,6 @@
       </p:grpSpPr>
       <p:sp>
         <p:nvSpPr>
-          <p:cNvPr id="59394" name="Titre 1"/>
-          <p:cNvSpPr>
-            <a:spLocks noGrp="1"/>
-          </p:cNvSpPr>
-          <p:nvPr>
-            <p:ph type="title"/>
-          </p:nvPr>
-        </p:nvSpPr>
-        <p:spPr/>
-        <p:txBody>
-          <a:bodyPr/>
-          <a:lstStyle/>
-          <a:p>
-            <a:r>
-              <a:rPr lang="fr-FR" altLang="fr-FR" smtClean="0"/>
-              <a:t>Entity</a:t>
-            </a:r>
-          </a:p>
-        </p:txBody>
-      </p:sp>
-      <p:sp>
-        <p:nvSpPr>
-          <p:cNvPr id="59395" name="Espace réservé du contenu 2"/>
-          <p:cNvSpPr>
-            <a:spLocks noGrp="1"/>
-          </p:cNvSpPr>
-          <p:nvPr>
-            <p:ph idx="1"/>
-          </p:nvPr>
-        </p:nvSpPr>
-        <p:spPr>
-          <a:xfrm>
-            <a:off x="1173163" y="1981200"/>
-            <a:ext cx="3614737" cy="4114800"/>
-          </a:xfrm>
-        </p:spPr>
-        <p:txBody>
-          <a:bodyPr/>
-          <a:lstStyle/>
-          <a:p>
-            <a:r>
-              <a:rPr lang="fr-FR" altLang="fr-FR" smtClean="0"/>
-              <a:t>Entité JPA</a:t>
-            </a:r>
-          </a:p>
-          <a:p>
-            <a:r>
-              <a:rPr lang="fr-FR" altLang="fr-FR" smtClean="0"/>
-              <a:t>@Entity</a:t>
-            </a:r>
-          </a:p>
-        </p:txBody>
-      </p:sp>
-      <p:pic>
-        <p:nvPicPr>
-          <p:cNvPr id="59396" name="Image 3"/>
-          <p:cNvPicPr>
-            <a:picLocks noChangeAspect="1"/>
-          </p:cNvPicPr>
-          <p:nvPr/>
-        </p:nvPicPr>
-        <p:blipFill>
-          <a:blip r:embed="rId2">
-            <a:extLst>
-              <a:ext uri="{28A0092B-C50C-407E-A947-70E740481C1C}">
-                <a14:useLocalDpi xmlns:a14="http://schemas.microsoft.com/office/drawing/2010/main" val="0"/>
-              </a:ext>
-            </a:extLst>
-          </a:blip>
-          <a:srcRect/>
-          <a:stretch>
-            <a:fillRect/>
-          </a:stretch>
-        </p:blipFill>
-        <p:spPr bwMode="auto">
-          <a:xfrm>
-            <a:off x="4932363" y="1916113"/>
-            <a:ext cx="4086225" cy="4524375"/>
-          </a:xfrm>
-          <a:prstGeom prst="rect">
-            <a:avLst/>
-          </a:prstGeom>
-          <a:noFill/>
-          <a:ln>
-            <a:noFill/>
-          </a:ln>
-          <a:extLst>
-            <a:ext uri="{909E8E84-426E-40DD-AFC4-6F175D3DCCD1}">
-              <a14:hiddenFill xmlns:a14="http://schemas.microsoft.com/office/drawing/2010/main">
-                <a:solidFill>
-                  <a:srgbClr val="FFFFFF"/>
-                </a:solidFill>
-              </a14:hiddenFill>
-            </a:ext>
-            <a:ext uri="{91240B29-F687-4F45-9708-019B960494DF}">
-              <a14:hiddenLine xmlns:a14="http://schemas.microsoft.com/office/drawing/2010/main" w="9525">
-                <a:solidFill>
-                  <a:srgbClr val="000000"/>
-                </a:solidFill>
-                <a:miter lim="800000"/>
-                <a:headEnd/>
-                <a:tailEnd/>
-              </a14:hiddenLine>
-            </a:ext>
-          </a:extLst>
-        </p:spPr>
-      </p:pic>
-    </p:spTree>
-  </p:cSld>
-  <p:clrMapOvr>
-    <a:masterClrMapping/>
-  </p:clrMapOvr>
-</p:sld>
-</file>
-
-<file path=ppt/slides/slide43.xml><?xml version="1.0" encoding="utf-8"?>
-<p:sld xmlns:a="http://schemas.openxmlformats.org/drawingml/2006/main" xmlns:r="http://schemas.openxmlformats.org/officeDocument/2006/relationships" xmlns:p="http://schemas.openxmlformats.org/presentationml/2006/main">
-  <p:cSld>
-    <p:spTree>
-      <p:nvGrpSpPr>
-        <p:cNvPr id="1" name=""/>
-        <p:cNvGrpSpPr/>
-        <p:nvPr/>
-      </p:nvGrpSpPr>
-      <p:grpSpPr>
-        <a:xfrm>
-          <a:off x="0" y="0"/>
-          <a:ext cx="0" cy="0"/>
-          <a:chOff x="0" y="0"/>
-          <a:chExt cx="0" cy="0"/>
-        </a:xfrm>
-      </p:grpSpPr>
-      <p:sp>
-        <p:nvSpPr>
-          <p:cNvPr id="60418" name="Titre 1"/>
-          <p:cNvSpPr>
-            <a:spLocks noGrp="1"/>
-          </p:cNvSpPr>
-          <p:nvPr>
-            <p:ph type="title"/>
-          </p:nvPr>
-        </p:nvSpPr>
-        <p:spPr/>
-        <p:txBody>
-          <a:bodyPr/>
-          <a:lstStyle/>
-          <a:p>
-            <a:r>
-              <a:rPr lang="fr-FR" altLang="fr-FR" smtClean="0"/>
-              <a:t>Repository</a:t>
-            </a:r>
-          </a:p>
-        </p:txBody>
-      </p:sp>
-      <p:sp>
-        <p:nvSpPr>
-          <p:cNvPr id="60419" name="Espace réservé du contenu 2"/>
-          <p:cNvSpPr>
-            <a:spLocks noGrp="1"/>
-          </p:cNvSpPr>
-          <p:nvPr>
-            <p:ph idx="1"/>
-          </p:nvPr>
-        </p:nvSpPr>
-        <p:spPr/>
-        <p:txBody>
-          <a:bodyPr/>
-          <a:lstStyle/>
-          <a:p>
-            <a:r>
-              <a:rPr lang="fr-FR" altLang="fr-FR" smtClean="0"/>
-              <a:t>Accès aux données</a:t>
-            </a:r>
-          </a:p>
-          <a:p>
-            <a:r>
-              <a:rPr lang="fr-FR" altLang="fr-FR" smtClean="0"/>
-              <a:t>Spring JPA Repository</a:t>
-            </a:r>
-          </a:p>
-        </p:txBody>
-      </p:sp>
-      <p:pic>
-        <p:nvPicPr>
-          <p:cNvPr id="60420" name="Image 3"/>
-          <p:cNvPicPr>
-            <a:picLocks noChangeAspect="1"/>
-          </p:cNvPicPr>
-          <p:nvPr/>
-        </p:nvPicPr>
-        <p:blipFill>
-          <a:blip r:embed="rId2">
-            <a:extLst>
-              <a:ext uri="{28A0092B-C50C-407E-A947-70E740481C1C}">
-                <a14:useLocalDpi xmlns:a14="http://schemas.microsoft.com/office/drawing/2010/main" val="0"/>
-              </a:ext>
-            </a:extLst>
-          </a:blip>
-          <a:srcRect/>
-          <a:stretch>
-            <a:fillRect/>
-          </a:stretch>
-        </p:blipFill>
-        <p:spPr bwMode="auto">
-          <a:xfrm>
-            <a:off x="1042988" y="3573463"/>
-            <a:ext cx="7058025" cy="1600200"/>
-          </a:xfrm>
-          <a:prstGeom prst="rect">
-            <a:avLst/>
-          </a:prstGeom>
-          <a:noFill/>
-          <a:ln>
-            <a:noFill/>
-          </a:ln>
-          <a:extLst>
-            <a:ext uri="{909E8E84-426E-40DD-AFC4-6F175D3DCCD1}">
-              <a14:hiddenFill xmlns:a14="http://schemas.microsoft.com/office/drawing/2010/main">
-                <a:solidFill>
-                  <a:srgbClr val="FFFFFF"/>
-                </a:solidFill>
-              </a14:hiddenFill>
-            </a:ext>
-            <a:ext uri="{91240B29-F687-4F45-9708-019B960494DF}">
-              <a14:hiddenLine xmlns:a14="http://schemas.microsoft.com/office/drawing/2010/main" w="9525">
-                <a:solidFill>
-                  <a:srgbClr val="000000"/>
-                </a:solidFill>
-                <a:miter lim="800000"/>
-                <a:headEnd/>
-                <a:tailEnd/>
-              </a14:hiddenLine>
-            </a:ext>
-          </a:extLst>
-        </p:spPr>
-      </p:pic>
-    </p:spTree>
-  </p:cSld>
-  <p:clrMapOvr>
-    <a:masterClrMapping/>
-  </p:clrMapOvr>
-</p:sld>
-</file>
-
-<file path=ppt/slides/slide44.xml><?xml version="1.0" encoding="utf-8"?>
-<p:sld xmlns:a="http://schemas.openxmlformats.org/drawingml/2006/main" xmlns:r="http://schemas.openxmlformats.org/officeDocument/2006/relationships" xmlns:p="http://schemas.openxmlformats.org/presentationml/2006/main">
-  <p:cSld>
-    <p:spTree>
-      <p:nvGrpSpPr>
-        <p:cNvPr id="1" name=""/>
-        <p:cNvGrpSpPr/>
-        <p:nvPr/>
-      </p:nvGrpSpPr>
-      <p:grpSpPr>
-        <a:xfrm>
-          <a:off x="0" y="0"/>
-          <a:ext cx="0" cy="0"/>
-          <a:chOff x="0" y="0"/>
-          <a:chExt cx="0" cy="0"/>
-        </a:xfrm>
-      </p:grpSpPr>
-      <p:sp>
-        <p:nvSpPr>
-          <p:cNvPr id="61442" name="Titre 1"/>
-          <p:cNvSpPr>
-            <a:spLocks noGrp="1"/>
-          </p:cNvSpPr>
-          <p:nvPr>
-            <p:ph type="title"/>
-          </p:nvPr>
-        </p:nvSpPr>
-        <p:spPr/>
-        <p:txBody>
-          <a:bodyPr/>
-          <a:lstStyle/>
-          <a:p>
-            <a:r>
-              <a:rPr lang="fr-FR" altLang="fr-FR" smtClean="0"/>
-              <a:t>Initialisation de la base de données</a:t>
-            </a:r>
-          </a:p>
-        </p:txBody>
-      </p:sp>
-      <p:sp>
-        <p:nvSpPr>
-          <p:cNvPr id="61443" name="Espace réservé du contenu 2"/>
-          <p:cNvSpPr>
-            <a:spLocks noGrp="1"/>
-          </p:cNvSpPr>
-          <p:nvPr>
-            <p:ph idx="1"/>
-          </p:nvPr>
-        </p:nvSpPr>
-        <p:spPr/>
-        <p:txBody>
-          <a:bodyPr/>
-          <a:lstStyle/>
-          <a:p>
-            <a:r>
-              <a:rPr lang="fr-FR" altLang="fr-FR" smtClean="0"/>
-              <a:t>@Configuration</a:t>
-            </a:r>
-          </a:p>
-          <a:p>
-            <a:pPr lvl="1"/>
-            <a:r>
-              <a:rPr lang="fr-FR" altLang="fr-FR" smtClean="0"/>
-              <a:t>Charge les Bean en singleton en avant démarrage</a:t>
-            </a:r>
-          </a:p>
-          <a:p>
-            <a:r>
-              <a:rPr lang="fr-FR" altLang="fr-FR" smtClean="0"/>
-              <a:t>@slf4j</a:t>
-            </a:r>
-          </a:p>
-          <a:p>
-            <a:pPr lvl="1"/>
-            <a:r>
-              <a:rPr lang="fr-FR" altLang="fr-FR" smtClean="0"/>
-              <a:t>Simple Logging Facade</a:t>
-            </a:r>
-          </a:p>
-        </p:txBody>
-      </p:sp>
-      <p:pic>
-        <p:nvPicPr>
-          <p:cNvPr id="61444" name="Image 3"/>
-          <p:cNvPicPr>
-            <a:picLocks noChangeAspect="1"/>
-          </p:cNvPicPr>
-          <p:nvPr/>
-        </p:nvPicPr>
-        <p:blipFill>
-          <a:blip r:embed="rId2">
-            <a:extLst>
-              <a:ext uri="{28A0092B-C50C-407E-A947-70E740481C1C}">
-                <a14:useLocalDpi xmlns:a14="http://schemas.microsoft.com/office/drawing/2010/main" val="0"/>
-              </a:ext>
-            </a:extLst>
-          </a:blip>
-          <a:srcRect/>
-          <a:stretch>
-            <a:fillRect/>
-          </a:stretch>
-        </p:blipFill>
-        <p:spPr bwMode="auto">
-          <a:xfrm>
-            <a:off x="192088" y="3860800"/>
-            <a:ext cx="8753475" cy="2819400"/>
-          </a:xfrm>
-          <a:prstGeom prst="rect">
-            <a:avLst/>
-          </a:prstGeom>
-          <a:noFill/>
-          <a:ln>
-            <a:noFill/>
-          </a:ln>
-          <a:extLst>
-            <a:ext uri="{909E8E84-426E-40DD-AFC4-6F175D3DCCD1}">
-              <a14:hiddenFill xmlns:a14="http://schemas.microsoft.com/office/drawing/2010/main">
-                <a:solidFill>
-                  <a:srgbClr val="FFFFFF"/>
-                </a:solidFill>
-              </a14:hiddenFill>
-            </a:ext>
-            <a:ext uri="{91240B29-F687-4F45-9708-019B960494DF}">
-              <a14:hiddenLine xmlns:a14="http://schemas.microsoft.com/office/drawing/2010/main" w="9525">
-                <a:solidFill>
-                  <a:srgbClr val="000000"/>
-                </a:solidFill>
-                <a:miter lim="800000"/>
-                <a:headEnd/>
-                <a:tailEnd/>
-              </a14:hiddenLine>
-            </a:ext>
-          </a:extLst>
-        </p:spPr>
-      </p:pic>
-    </p:spTree>
-  </p:cSld>
-  <p:clrMapOvr>
-    <a:masterClrMapping/>
-  </p:clrMapOvr>
-</p:sld>
-</file>
-
-<file path=ppt/slides/slide45.xml><?xml version="1.0" encoding="utf-8"?>
-<p:sld xmlns:a="http://schemas.openxmlformats.org/drawingml/2006/main" xmlns:r="http://schemas.openxmlformats.org/officeDocument/2006/relationships" xmlns:p="http://schemas.openxmlformats.org/presentationml/2006/main">
-  <p:cSld>
-    <p:spTree>
-      <p:nvGrpSpPr>
-        <p:cNvPr id="1" name=""/>
-        <p:cNvGrpSpPr/>
-        <p:nvPr/>
-      </p:nvGrpSpPr>
-      <p:grpSpPr>
-        <a:xfrm>
-          <a:off x="0" y="0"/>
-          <a:ext cx="0" cy="0"/>
-          <a:chOff x="0" y="0"/>
-          <a:chExt cx="0" cy="0"/>
-        </a:xfrm>
-      </p:grpSpPr>
-      <p:sp>
-        <p:nvSpPr>
-          <p:cNvPr id="62466" name="Titre 1"/>
-          <p:cNvSpPr>
-            <a:spLocks noGrp="1"/>
-          </p:cNvSpPr>
-          <p:nvPr>
-            <p:ph type="title"/>
-          </p:nvPr>
-        </p:nvSpPr>
-        <p:spPr/>
-        <p:txBody>
-          <a:bodyPr/>
-          <a:lstStyle/>
-          <a:p>
-            <a:r>
-              <a:rPr lang="fr-FR" altLang="fr-FR" smtClean="0"/>
-              <a:t>Contrôleur</a:t>
-            </a:r>
-          </a:p>
-        </p:txBody>
-      </p:sp>
-      <p:sp>
-        <p:nvSpPr>
-          <p:cNvPr id="62467" name="Espace réservé du contenu 2"/>
-          <p:cNvSpPr>
-            <a:spLocks noGrp="1"/>
-          </p:cNvSpPr>
-          <p:nvPr>
-            <p:ph idx="1"/>
-          </p:nvPr>
-        </p:nvSpPr>
-        <p:spPr>
-          <a:xfrm>
-            <a:off x="1160463" y="1844675"/>
-            <a:ext cx="7772400" cy="4114800"/>
-          </a:xfrm>
-        </p:spPr>
-        <p:txBody>
-          <a:bodyPr/>
-          <a:lstStyle/>
-          <a:p>
-            <a:r>
-              <a:rPr lang="fr-FR" altLang="fr-FR" smtClean="0"/>
-              <a:t>Injection du repository par IoD</a:t>
-            </a:r>
-          </a:p>
-        </p:txBody>
-      </p:sp>
-      <p:pic>
-        <p:nvPicPr>
-          <p:cNvPr id="62468" name="Image 4"/>
-          <p:cNvPicPr>
-            <a:picLocks noChangeAspect="1"/>
-          </p:cNvPicPr>
-          <p:nvPr/>
-        </p:nvPicPr>
-        <p:blipFill>
-          <a:blip r:embed="rId2">
-            <a:extLst>
-              <a:ext uri="{28A0092B-C50C-407E-A947-70E740481C1C}">
-                <a14:useLocalDpi xmlns:a14="http://schemas.microsoft.com/office/drawing/2010/main" val="0"/>
-              </a:ext>
-            </a:extLst>
-          </a:blip>
-          <a:srcRect/>
-          <a:stretch>
-            <a:fillRect/>
-          </a:stretch>
-        </p:blipFill>
-        <p:spPr bwMode="auto">
-          <a:xfrm>
-            <a:off x="2124075" y="2924175"/>
-            <a:ext cx="5543550" cy="3324225"/>
-          </a:xfrm>
-          <a:prstGeom prst="rect">
-            <a:avLst/>
-          </a:prstGeom>
-          <a:noFill/>
-          <a:ln>
-            <a:noFill/>
-          </a:ln>
-          <a:extLst>
-            <a:ext uri="{909E8E84-426E-40DD-AFC4-6F175D3DCCD1}">
-              <a14:hiddenFill xmlns:a14="http://schemas.microsoft.com/office/drawing/2010/main">
-                <a:solidFill>
-                  <a:srgbClr val="FFFFFF"/>
-                </a:solidFill>
-              </a14:hiddenFill>
-            </a:ext>
-            <a:ext uri="{91240B29-F687-4F45-9708-019B960494DF}">
-              <a14:hiddenLine xmlns:a14="http://schemas.microsoft.com/office/drawing/2010/main" w="9525">
-                <a:solidFill>
-                  <a:srgbClr val="000000"/>
-                </a:solidFill>
-                <a:miter lim="800000"/>
-                <a:headEnd/>
-                <a:tailEnd/>
-              </a14:hiddenLine>
-            </a:ext>
-          </a:extLst>
-        </p:spPr>
-      </p:pic>
-    </p:spTree>
-  </p:cSld>
-  <p:clrMapOvr>
-    <a:masterClrMapping/>
-  </p:clrMapOvr>
-</p:sld>
-</file>
-
-<file path=ppt/slides/slide46.xml><?xml version="1.0" encoding="utf-8"?>
-<p:sld xmlns:a="http://schemas.openxmlformats.org/drawingml/2006/main" xmlns:r="http://schemas.openxmlformats.org/officeDocument/2006/relationships" xmlns:p="http://schemas.openxmlformats.org/presentationml/2006/main">
-  <p:cSld>
-    <p:spTree>
-      <p:nvGrpSpPr>
-        <p:cNvPr id="1" name=""/>
-        <p:cNvGrpSpPr/>
-        <p:nvPr/>
-      </p:nvGrpSpPr>
-      <p:grpSpPr>
-        <a:xfrm>
-          <a:off x="0" y="0"/>
-          <a:ext cx="0" cy="0"/>
-          <a:chOff x="0" y="0"/>
-          <a:chExt cx="0" cy="0"/>
-        </a:xfrm>
-      </p:grpSpPr>
-      <p:sp>
-        <p:nvSpPr>
           <p:cNvPr id="63490" name="Titre 1"/>
           <p:cNvSpPr>
             <a:spLocks noGrp="1"/>
@@ -16196,7 +15731,7 @@
           <a:lstStyle/>
           <a:p>
             <a:r>
-              <a:rPr lang="fr-FR" altLang="fr-FR" smtClean="0"/>
+              <a:rPr lang="fr-FR" altLang="fr-FR"/>
               <a:t>Service</a:t>
             </a:r>
           </a:p>
@@ -16218,42 +15753,42 @@
           <a:lstStyle/>
           <a:p>
             <a:r>
-              <a:rPr lang="fr-FR" altLang="fr-FR" smtClean="0"/>
+              <a:rPr lang="fr-FR" altLang="fr-FR"/>
               <a:t>Design Pattern Service</a:t>
             </a:r>
           </a:p>
           <a:p>
             <a:pPr lvl="1"/>
             <a:r>
-              <a:rPr lang="fr-FR" altLang="fr-FR" smtClean="0"/>
+              <a:rPr lang="fr-FR" altLang="fr-FR"/>
               <a:t>Le contrôleur ne doit pas posséder de code métier</a:t>
             </a:r>
           </a:p>
           <a:p>
             <a:pPr lvl="1"/>
             <a:r>
-              <a:rPr lang="fr-FR" altLang="fr-FR" smtClean="0"/>
+              <a:rPr lang="fr-FR" altLang="fr-FR"/>
               <a:t>Transférer le code dans une classe Service</a:t>
             </a:r>
           </a:p>
           <a:p>
             <a:pPr lvl="1"/>
             <a:r>
-              <a:rPr lang="fr-FR" altLang="fr-FR" smtClean="0"/>
+              <a:rPr lang="fr-FR" altLang="fr-FR"/>
               <a:t>@Service</a:t>
             </a:r>
           </a:p>
           <a:p>
             <a:pPr lvl="1"/>
             <a:r>
-              <a:rPr lang="fr-FR" altLang="fr-FR" smtClean="0"/>
+              <a:rPr lang="fr-FR" altLang="fr-FR"/>
               <a:t>Le service doit communiquer avec le contrôleur via des DTO</a:t>
             </a:r>
           </a:p>
           <a:p>
             <a:pPr lvl="1"/>
             <a:r>
-              <a:rPr lang="fr-FR" altLang="fr-FR" smtClean="0"/>
+              <a:rPr lang="fr-FR" altLang="fr-FR"/>
               <a:t>Jamais via les entités</a:t>
             </a:r>
           </a:p>
@@ -16267,7 +15802,7 @@
 </p:sld>
 </file>
 
-<file path=ppt/slides/slide47.xml><?xml version="1.0" encoding="utf-8"?>
+<file path=ppt/slides/slide43.xml><?xml version="1.0" encoding="utf-8"?>
 <p:sld xmlns:a="http://schemas.openxmlformats.org/drawingml/2006/main" xmlns:r="http://schemas.openxmlformats.org/officeDocument/2006/relationships" xmlns:p="http://schemas.openxmlformats.org/presentationml/2006/main">
   <p:cSld>
     <p:spTree>
@@ -16300,7 +15835,7 @@
           <a:lstStyle/>
           <a:p>
             <a:r>
-              <a:rPr lang="fr-FR" altLang="fr-FR" smtClean="0"/>
+              <a:rPr lang="fr-FR" altLang="fr-FR"/>
               <a:t>Service</a:t>
             </a:r>
           </a:p>
@@ -16325,7 +15860,7 @@
               <a:defRPr/>
             </a:pPr>
             <a:r>
-              <a:rPr lang="fr-FR" dirty="0" smtClean="0"/>
+              <a:rPr lang="fr-FR" dirty="0"/>
               <a:t>Il est possible d’ajouter un préfixe d’URL sur le contrôleur</a:t>
             </a:r>
           </a:p>
@@ -16336,20 +15871,20 @@
               <a:defRPr/>
             </a:pPr>
             <a:r>
-              <a:rPr lang="en-US" sz="2000" dirty="0" smtClean="0">
+              <a:rPr lang="en-US" sz="2000" dirty="0">
                 <a:latin typeface="Courier New" panose="02070309020205020404" pitchFamily="49" charset="0"/>
                 <a:cs typeface="Courier New" panose="02070309020205020404" pitchFamily="49" charset="0"/>
               </a:rPr>
               <a:t>@</a:t>
             </a:r>
             <a:r>
-              <a:rPr lang="en-US" sz="2000" dirty="0" err="1" smtClean="0">
+              <a:rPr lang="en-US" sz="2000" dirty="0" err="1">
                 <a:latin typeface="Courier New" panose="02070309020205020404" pitchFamily="49" charset="0"/>
                 <a:cs typeface="Courier New" panose="02070309020205020404" pitchFamily="49" charset="0"/>
               </a:rPr>
               <a:t>RestController</a:t>
             </a:r>
-            <a:endParaRPr lang="en-US" sz="2000" dirty="0" smtClean="0">
+            <a:endParaRPr lang="en-US" sz="2000" dirty="0">
               <a:latin typeface="Courier New" panose="02070309020205020404" pitchFamily="49" charset="0"/>
               <a:cs typeface="Courier New" panose="02070309020205020404" pitchFamily="49" charset="0"/>
             </a:endParaRPr>
@@ -16361,35 +15896,35 @@
               <a:defRPr/>
             </a:pPr>
             <a:r>
-              <a:rPr lang="en-US" sz="2000" dirty="0" smtClean="0">
+              <a:rPr lang="en-US" sz="2000" dirty="0">
                 <a:latin typeface="Courier New" panose="02070309020205020404" pitchFamily="49" charset="0"/>
                 <a:cs typeface="Courier New" panose="02070309020205020404" pitchFamily="49" charset="0"/>
               </a:rPr>
               <a:t>@</a:t>
             </a:r>
             <a:r>
-              <a:rPr lang="en-US" sz="2000" dirty="0" err="1" smtClean="0">
+              <a:rPr lang="en-US" sz="2000" dirty="0" err="1">
                 <a:latin typeface="Courier New" panose="02070309020205020404" pitchFamily="49" charset="0"/>
                 <a:cs typeface="Courier New" panose="02070309020205020404" pitchFamily="49" charset="0"/>
               </a:rPr>
               <a:t>RequestMapping</a:t>
             </a:r>
             <a:r>
-              <a:rPr lang="en-US" sz="2000" dirty="0" smtClean="0">
+              <a:rPr lang="en-US" sz="2000" dirty="0">
                 <a:latin typeface="Courier New" panose="02070309020205020404" pitchFamily="49" charset="0"/>
                 <a:cs typeface="Courier New" panose="02070309020205020404" pitchFamily="49" charset="0"/>
               </a:rPr>
               <a:t>("/</a:t>
             </a:r>
             <a:r>
-              <a:rPr lang="en-US" sz="2000" dirty="0" err="1" smtClean="0">
+              <a:rPr lang="en-US" sz="2000" dirty="0" err="1">
                 <a:latin typeface="Courier New" panose="02070309020205020404" pitchFamily="49" charset="0"/>
                 <a:cs typeface="Courier New" panose="02070309020205020404" pitchFamily="49" charset="0"/>
               </a:rPr>
               <a:t>api</a:t>
             </a:r>
             <a:r>
-              <a:rPr lang="en-US" sz="2000" dirty="0" smtClean="0">
+              <a:rPr lang="en-US" sz="2000" dirty="0">
                 <a:latin typeface="Courier New" panose="02070309020205020404" pitchFamily="49" charset="0"/>
                 <a:cs typeface="Courier New" panose="02070309020205020404" pitchFamily="49" charset="0"/>
               </a:rPr>
@@ -16403,21 +15938,21 @@
               <a:defRPr/>
             </a:pPr>
             <a:r>
-              <a:rPr lang="en-US" sz="2000" dirty="0" smtClean="0">
+              <a:rPr lang="en-US" sz="2000" dirty="0">
                 <a:latin typeface="Courier New" panose="02070309020205020404" pitchFamily="49" charset="0"/>
                 <a:cs typeface="Courier New" panose="02070309020205020404" pitchFamily="49" charset="0"/>
               </a:rPr>
               <a:t>public class </a:t>
             </a:r>
             <a:r>
-              <a:rPr lang="en-US" sz="2000" dirty="0" err="1" smtClean="0">
+              <a:rPr lang="en-US" sz="2000" dirty="0" err="1">
                 <a:latin typeface="Courier New" panose="02070309020205020404" pitchFamily="49" charset="0"/>
                 <a:cs typeface="Courier New" panose="02070309020205020404" pitchFamily="49" charset="0"/>
               </a:rPr>
               <a:t>EmployeeRestController</a:t>
             </a:r>
             <a:r>
-              <a:rPr lang="en-US" sz="2000" dirty="0" smtClean="0">
+              <a:rPr lang="en-US" sz="2000" dirty="0">
                 <a:latin typeface="Courier New" panose="02070309020205020404" pitchFamily="49" charset="0"/>
                 <a:cs typeface="Courier New" panose="02070309020205020404" pitchFamily="49" charset="0"/>
               </a:rPr>
@@ -16431,7 +15966,7 @@
               <a:defRPr/>
             </a:pPr>
             <a:r>
-              <a:rPr lang="en-US" sz="2000" dirty="0" smtClean="0">
+              <a:rPr lang="en-US" sz="2000" dirty="0">
                 <a:latin typeface="Courier New" panose="02070309020205020404" pitchFamily="49" charset="0"/>
                 <a:cs typeface="Courier New" panose="02070309020205020404" pitchFamily="49" charset="0"/>
               </a:rPr>
@@ -16445,20 +15980,20 @@
               <a:defRPr/>
             </a:pPr>
             <a:r>
-              <a:rPr lang="en-US" sz="2000" dirty="0" smtClean="0">
+              <a:rPr lang="en-US" sz="2000" dirty="0">
                 <a:latin typeface="Courier New" panose="02070309020205020404" pitchFamily="49" charset="0"/>
                 <a:cs typeface="Courier New" panose="02070309020205020404" pitchFamily="49" charset="0"/>
               </a:rPr>
               <a:t>    @</a:t>
             </a:r>
             <a:r>
-              <a:rPr lang="en-US" sz="2000" dirty="0" err="1" smtClean="0">
+              <a:rPr lang="en-US" sz="2000" dirty="0" err="1">
                 <a:latin typeface="Courier New" panose="02070309020205020404" pitchFamily="49" charset="0"/>
                 <a:cs typeface="Courier New" panose="02070309020205020404" pitchFamily="49" charset="0"/>
               </a:rPr>
               <a:t>Autowired</a:t>
             </a:r>
-            <a:endParaRPr lang="en-US" sz="2000" dirty="0" smtClean="0">
+            <a:endParaRPr lang="en-US" sz="2000" dirty="0">
               <a:latin typeface="Courier New" panose="02070309020205020404" pitchFamily="49" charset="0"/>
               <a:cs typeface="Courier New" panose="02070309020205020404" pitchFamily="49" charset="0"/>
             </a:endParaRPr>
@@ -16470,35 +16005,35 @@
               <a:defRPr/>
             </a:pPr>
             <a:r>
-              <a:rPr lang="en-US" sz="2000" dirty="0" smtClean="0">
+              <a:rPr lang="en-US" sz="2000" dirty="0">
                 <a:latin typeface="Courier New" panose="02070309020205020404" pitchFamily="49" charset="0"/>
                 <a:cs typeface="Courier New" panose="02070309020205020404" pitchFamily="49" charset="0"/>
               </a:rPr>
               <a:t>    private </a:t>
             </a:r>
             <a:r>
-              <a:rPr lang="en-US" sz="2000" dirty="0" err="1" smtClean="0">
+              <a:rPr lang="en-US" sz="2000" dirty="0" err="1">
                 <a:latin typeface="Courier New" panose="02070309020205020404" pitchFamily="49" charset="0"/>
                 <a:cs typeface="Courier New" panose="02070309020205020404" pitchFamily="49" charset="0"/>
               </a:rPr>
               <a:t>EmployeeService</a:t>
             </a:r>
             <a:r>
-              <a:rPr lang="en-US" sz="2000" dirty="0" smtClean="0">
+              <a:rPr lang="en-US" sz="2000" dirty="0">
                 <a:latin typeface="Courier New" panose="02070309020205020404" pitchFamily="49" charset="0"/>
                 <a:cs typeface="Courier New" panose="02070309020205020404" pitchFamily="49" charset="0"/>
               </a:rPr>
               <a:t> </a:t>
             </a:r>
             <a:r>
-              <a:rPr lang="en-US" sz="2000" dirty="0" err="1" smtClean="0">
+              <a:rPr lang="en-US" sz="2000" dirty="0" err="1">
                 <a:latin typeface="Courier New" panose="02070309020205020404" pitchFamily="49" charset="0"/>
                 <a:cs typeface="Courier New" panose="02070309020205020404" pitchFamily="49" charset="0"/>
               </a:rPr>
               <a:t>employeeService</a:t>
             </a:r>
             <a:r>
-              <a:rPr lang="en-US" sz="2000" dirty="0" smtClean="0">
+              <a:rPr lang="en-US" sz="2000" dirty="0">
                 <a:latin typeface="Courier New" panose="02070309020205020404" pitchFamily="49" charset="0"/>
                 <a:cs typeface="Courier New" panose="02070309020205020404" pitchFamily="49" charset="0"/>
               </a:rPr>
@@ -16512,7 +16047,7 @@
               <a:defRPr/>
             </a:pPr>
             <a:r>
-              <a:rPr lang="en-US" sz="2000" dirty="0" smtClean="0">
+              <a:rPr lang="en-US" sz="2000" dirty="0">
                 <a:latin typeface="Courier New" panose="02070309020205020404" pitchFamily="49" charset="0"/>
                 <a:cs typeface="Courier New" panose="02070309020205020404" pitchFamily="49" charset="0"/>
               </a:rPr>
@@ -16526,21 +16061,21 @@
               <a:defRPr/>
             </a:pPr>
             <a:r>
-              <a:rPr lang="en-US" sz="2000" dirty="0" smtClean="0">
+              <a:rPr lang="en-US" sz="2000" dirty="0">
                 <a:latin typeface="Courier New" panose="02070309020205020404" pitchFamily="49" charset="0"/>
                 <a:cs typeface="Courier New" panose="02070309020205020404" pitchFamily="49" charset="0"/>
               </a:rPr>
               <a:t>    @</a:t>
             </a:r>
             <a:r>
-              <a:rPr lang="en-US" sz="2000" dirty="0" err="1" smtClean="0">
+              <a:rPr lang="en-US" sz="2000" dirty="0" err="1">
                 <a:latin typeface="Courier New" panose="02070309020205020404" pitchFamily="49" charset="0"/>
                 <a:cs typeface="Courier New" panose="02070309020205020404" pitchFamily="49" charset="0"/>
               </a:rPr>
               <a:t>GetMapping</a:t>
             </a:r>
             <a:r>
-              <a:rPr lang="en-US" sz="2000" dirty="0" smtClean="0">
+              <a:rPr lang="en-US" sz="2000" dirty="0">
                 <a:latin typeface="Courier New" panose="02070309020205020404" pitchFamily="49" charset="0"/>
                 <a:cs typeface="Courier New" panose="02070309020205020404" pitchFamily="49" charset="0"/>
               </a:rPr>
@@ -16554,21 +16089,21 @@
               <a:defRPr/>
             </a:pPr>
             <a:r>
-              <a:rPr lang="en-US" sz="2000" dirty="0" smtClean="0">
+              <a:rPr lang="en-US" sz="2000" dirty="0">
                 <a:latin typeface="Courier New" panose="02070309020205020404" pitchFamily="49" charset="0"/>
                 <a:cs typeface="Courier New" panose="02070309020205020404" pitchFamily="49" charset="0"/>
               </a:rPr>
               <a:t>    public List&lt;Employee&gt; </a:t>
             </a:r>
             <a:r>
-              <a:rPr lang="en-US" sz="2000" dirty="0" err="1" smtClean="0">
+              <a:rPr lang="en-US" sz="2000" dirty="0" err="1">
                 <a:latin typeface="Courier New" panose="02070309020205020404" pitchFamily="49" charset="0"/>
                 <a:cs typeface="Courier New" panose="02070309020205020404" pitchFamily="49" charset="0"/>
               </a:rPr>
               <a:t>getAllEmployees</a:t>
             </a:r>
             <a:r>
-              <a:rPr lang="en-US" sz="2000" dirty="0" smtClean="0">
+              <a:rPr lang="en-US" sz="2000" dirty="0">
                 <a:latin typeface="Courier New" panose="02070309020205020404" pitchFamily="49" charset="0"/>
                 <a:cs typeface="Courier New" panose="02070309020205020404" pitchFamily="49" charset="0"/>
               </a:rPr>
@@ -16582,21 +16117,21 @@
               <a:defRPr/>
             </a:pPr>
             <a:r>
-              <a:rPr lang="en-US" sz="2000" dirty="0" smtClean="0">
+              <a:rPr lang="en-US" sz="2000" dirty="0">
                 <a:latin typeface="Courier New" panose="02070309020205020404" pitchFamily="49" charset="0"/>
                 <a:cs typeface="Courier New" panose="02070309020205020404" pitchFamily="49" charset="0"/>
               </a:rPr>
               <a:t>        return </a:t>
             </a:r>
             <a:r>
-              <a:rPr lang="en-US" sz="2000" dirty="0" err="1" smtClean="0">
+              <a:rPr lang="en-US" sz="2000" dirty="0" err="1">
                 <a:latin typeface="Courier New" panose="02070309020205020404" pitchFamily="49" charset="0"/>
                 <a:cs typeface="Courier New" panose="02070309020205020404" pitchFamily="49" charset="0"/>
               </a:rPr>
               <a:t>employeeService.getAllEmployees</a:t>
             </a:r>
             <a:r>
-              <a:rPr lang="en-US" sz="2000" dirty="0" smtClean="0">
+              <a:rPr lang="en-US" sz="2000" dirty="0">
                 <a:latin typeface="Courier New" panose="02070309020205020404" pitchFamily="49" charset="0"/>
                 <a:cs typeface="Courier New" panose="02070309020205020404" pitchFamily="49" charset="0"/>
               </a:rPr>
@@ -16610,7 +16145,7 @@
               <a:defRPr/>
             </a:pPr>
             <a:r>
-              <a:rPr lang="en-US" sz="2000" dirty="0" smtClean="0">
+              <a:rPr lang="en-US" sz="2000" dirty="0">
                 <a:latin typeface="Courier New" panose="02070309020205020404" pitchFamily="49" charset="0"/>
                 <a:cs typeface="Courier New" panose="02070309020205020404" pitchFamily="49" charset="0"/>
               </a:rPr>
@@ -16624,7 +16159,7 @@
               <a:defRPr/>
             </a:pPr>
             <a:r>
-              <a:rPr lang="en-US" sz="2000" dirty="0" smtClean="0">
+              <a:rPr lang="en-US" sz="2000" dirty="0">
                 <a:latin typeface="Courier New" panose="02070309020205020404" pitchFamily="49" charset="0"/>
                 <a:cs typeface="Courier New" panose="02070309020205020404" pitchFamily="49" charset="0"/>
               </a:rPr>
@@ -16634,425 +16169,6 @@
               <a:latin typeface="Courier New" panose="02070309020205020404" pitchFamily="49" charset="0"/>
               <a:cs typeface="Courier New" panose="02070309020205020404" pitchFamily="49" charset="0"/>
             </a:endParaRPr>
-          </a:p>
-        </p:txBody>
-      </p:sp>
-    </p:spTree>
-  </p:cSld>
-  <p:clrMapOvr>
-    <a:masterClrMapping/>
-  </p:clrMapOvr>
-</p:sld>
-</file>
-
-<file path=ppt/slides/slide48.xml><?xml version="1.0" encoding="utf-8"?>
-<p:sld xmlns:a="http://schemas.openxmlformats.org/drawingml/2006/main" xmlns:r="http://schemas.openxmlformats.org/officeDocument/2006/relationships" xmlns:p="http://schemas.openxmlformats.org/presentationml/2006/main">
-  <p:cSld>
-    <p:spTree>
-      <p:nvGrpSpPr>
-        <p:cNvPr id="1" name=""/>
-        <p:cNvGrpSpPr/>
-        <p:nvPr/>
-      </p:nvGrpSpPr>
-      <p:grpSpPr>
-        <a:xfrm>
-          <a:off x="0" y="0"/>
-          <a:ext cx="0" cy="0"/>
-          <a:chOff x="0" y="0"/>
-          <a:chExt cx="0" cy="0"/>
-        </a:xfrm>
-      </p:grpSpPr>
-      <p:sp>
-        <p:nvSpPr>
-          <p:cNvPr id="65538" name="Titre 1"/>
-          <p:cNvSpPr>
-            <a:spLocks noGrp="1"/>
-          </p:cNvSpPr>
-          <p:nvPr>
-            <p:ph type="title"/>
-          </p:nvPr>
-        </p:nvSpPr>
-        <p:spPr/>
-        <p:txBody>
-          <a:bodyPr/>
-          <a:lstStyle/>
-          <a:p>
-            <a:r>
-              <a:rPr lang="fr-FR" altLang="fr-FR" smtClean="0"/>
-              <a:t>DTO</a:t>
-            </a:r>
-          </a:p>
-        </p:txBody>
-      </p:sp>
-      <p:sp>
-        <p:nvSpPr>
-          <p:cNvPr id="65539" name="Espace réservé du contenu 2"/>
-          <p:cNvSpPr>
-            <a:spLocks noGrp="1"/>
-          </p:cNvSpPr>
-          <p:nvPr>
-            <p:ph idx="1"/>
-          </p:nvPr>
-        </p:nvSpPr>
-        <p:spPr/>
-        <p:txBody>
-          <a:bodyPr/>
-          <a:lstStyle/>
-          <a:p>
-            <a:r>
-              <a:rPr lang="fr-FR" altLang="fr-FR" smtClean="0"/>
-              <a:t>Data Transfer Object</a:t>
-            </a:r>
-          </a:p>
-          <a:p>
-            <a:pPr lvl="1"/>
-            <a:r>
-              <a:rPr lang="fr-FR" altLang="fr-FR" smtClean="0"/>
-              <a:t>Objet sérialisé pour le transfert JSON</a:t>
-            </a:r>
-          </a:p>
-          <a:p>
-            <a:pPr lvl="1"/>
-            <a:r>
-              <a:rPr lang="fr-FR" altLang="fr-FR" smtClean="0"/>
-              <a:t>Au format convenu avec le frontend</a:t>
-            </a:r>
-          </a:p>
-          <a:p>
-            <a:pPr lvl="1"/>
-            <a:endParaRPr lang="fr-FR" altLang="fr-FR" smtClean="0"/>
-          </a:p>
-        </p:txBody>
-      </p:sp>
-    </p:spTree>
-  </p:cSld>
-  <p:clrMapOvr>
-    <a:masterClrMapping/>
-  </p:clrMapOvr>
-</p:sld>
-</file>
-
-<file path=ppt/slides/slide49.xml><?xml version="1.0" encoding="utf-8"?>
-<p:sld xmlns:a="http://schemas.openxmlformats.org/drawingml/2006/main" xmlns:r="http://schemas.openxmlformats.org/officeDocument/2006/relationships" xmlns:p="http://schemas.openxmlformats.org/presentationml/2006/main">
-  <p:cSld>
-    <p:spTree>
-      <p:nvGrpSpPr>
-        <p:cNvPr id="1" name=""/>
-        <p:cNvGrpSpPr/>
-        <p:nvPr/>
-      </p:nvGrpSpPr>
-      <p:grpSpPr>
-        <a:xfrm>
-          <a:off x="0" y="0"/>
-          <a:ext cx="0" cy="0"/>
-          <a:chOff x="0" y="0"/>
-          <a:chExt cx="0" cy="0"/>
-        </a:xfrm>
-      </p:grpSpPr>
-      <p:sp>
-        <p:nvSpPr>
-          <p:cNvPr id="66562" name="Titre 1"/>
-          <p:cNvSpPr>
-            <a:spLocks noGrp="1"/>
-          </p:cNvSpPr>
-          <p:nvPr>
-            <p:ph type="title"/>
-          </p:nvPr>
-        </p:nvSpPr>
-        <p:spPr/>
-        <p:txBody>
-          <a:bodyPr/>
-          <a:lstStyle/>
-          <a:p>
-            <a:r>
-              <a:rPr lang="fr-FR" altLang="fr-FR" smtClean="0"/>
-              <a:t>Adapter</a:t>
-            </a:r>
-          </a:p>
-        </p:txBody>
-      </p:sp>
-      <p:sp>
-        <p:nvSpPr>
-          <p:cNvPr id="65539" name="Espace réservé du contenu 2"/>
-          <p:cNvSpPr>
-            <a:spLocks noGrp="1"/>
-          </p:cNvSpPr>
-          <p:nvPr>
-            <p:ph idx="1"/>
-          </p:nvPr>
-        </p:nvSpPr>
-        <p:spPr/>
-        <p:txBody>
-          <a:bodyPr/>
-          <a:lstStyle/>
-          <a:p>
-            <a:pPr>
-              <a:defRPr/>
-            </a:pPr>
-            <a:r>
-              <a:rPr lang="fr-FR" altLang="fr-FR" dirty="0" smtClean="0"/>
-              <a:t>Adaptation DTO-</a:t>
-            </a:r>
-            <a:r>
-              <a:rPr lang="fr-FR" altLang="fr-FR" dirty="0" err="1" smtClean="0"/>
-              <a:t>Entity</a:t>
-            </a:r>
-            <a:endParaRPr lang="fr-FR" altLang="fr-FR" dirty="0" smtClean="0"/>
-          </a:p>
-          <a:p>
-            <a:pPr>
-              <a:defRPr/>
-            </a:pPr>
-            <a:r>
-              <a:rPr lang="fr-FR" altLang="fr-FR" dirty="0" smtClean="0"/>
-              <a:t>Adapter</a:t>
-            </a:r>
-          </a:p>
-          <a:p>
-            <a:pPr lvl="1">
-              <a:defRPr/>
-            </a:pPr>
-            <a:r>
-              <a:rPr lang="fr-FR" altLang="fr-FR" sz="2000" dirty="0" err="1" smtClean="0">
-                <a:latin typeface="Courier New" panose="02070309020205020404" pitchFamily="49" charset="0"/>
-                <a:cs typeface="Courier New" panose="02070309020205020404" pitchFamily="49" charset="0"/>
-              </a:rPr>
-              <a:t>toDTO</a:t>
-            </a:r>
-            <a:r>
-              <a:rPr lang="fr-FR" altLang="fr-FR" sz="2000" dirty="0" smtClean="0">
-                <a:latin typeface="Courier New" panose="02070309020205020404" pitchFamily="49" charset="0"/>
-                <a:cs typeface="Courier New" panose="02070309020205020404" pitchFamily="49" charset="0"/>
-              </a:rPr>
-              <a:t>(</a:t>
-            </a:r>
-            <a:r>
-              <a:rPr lang="fr-FR" altLang="fr-FR" sz="2000" dirty="0" err="1" smtClean="0">
-                <a:latin typeface="Courier New" panose="02070309020205020404" pitchFamily="49" charset="0"/>
-                <a:cs typeface="Courier New" panose="02070309020205020404" pitchFamily="49" charset="0"/>
-              </a:rPr>
-              <a:t>entity</a:t>
-            </a:r>
-            <a:r>
-              <a:rPr lang="fr-FR" altLang="fr-FR" sz="2000" dirty="0" smtClean="0">
-                <a:latin typeface="Courier New" panose="02070309020205020404" pitchFamily="49" charset="0"/>
-                <a:cs typeface="Courier New" panose="02070309020205020404" pitchFamily="49" charset="0"/>
-              </a:rPr>
-              <a:t>)</a:t>
-            </a:r>
-          </a:p>
-          <a:p>
-            <a:pPr lvl="1">
-              <a:defRPr/>
-            </a:pPr>
-            <a:r>
-              <a:rPr lang="fr-FR" altLang="fr-FR" sz="2000" dirty="0" err="1" smtClean="0">
-                <a:latin typeface="Courier New" panose="02070309020205020404" pitchFamily="49" charset="0"/>
-                <a:cs typeface="Courier New" panose="02070309020205020404" pitchFamily="49" charset="0"/>
-              </a:rPr>
-              <a:t>toEntity</a:t>
-            </a:r>
-            <a:r>
-              <a:rPr lang="fr-FR" altLang="fr-FR" sz="2000" dirty="0" smtClean="0">
-                <a:latin typeface="Courier New" panose="02070309020205020404" pitchFamily="49" charset="0"/>
-                <a:cs typeface="Courier New" panose="02070309020205020404" pitchFamily="49" charset="0"/>
-              </a:rPr>
-              <a:t>(</a:t>
-            </a:r>
-            <a:r>
-              <a:rPr lang="fr-FR" altLang="fr-FR" sz="2000" dirty="0" err="1" smtClean="0">
-                <a:latin typeface="Courier New" panose="02070309020205020404" pitchFamily="49" charset="0"/>
-                <a:cs typeface="Courier New" panose="02070309020205020404" pitchFamily="49" charset="0"/>
-              </a:rPr>
-              <a:t>dto</a:t>
-            </a:r>
-            <a:r>
-              <a:rPr lang="fr-FR" altLang="fr-FR" sz="2000" dirty="0" smtClean="0">
-                <a:latin typeface="Courier New" panose="02070309020205020404" pitchFamily="49" charset="0"/>
-                <a:cs typeface="Courier New" panose="02070309020205020404" pitchFamily="49" charset="0"/>
-              </a:rPr>
-              <a:t>)</a:t>
-            </a:r>
-            <a:endParaRPr lang="fr-FR" altLang="fr-FR" sz="2000" dirty="0">
-              <a:latin typeface="Courier New" panose="02070309020205020404" pitchFamily="49" charset="0"/>
-              <a:cs typeface="Courier New" panose="02070309020205020404" pitchFamily="49" charset="0"/>
-            </a:endParaRPr>
-          </a:p>
-          <a:p>
-            <a:pPr>
-              <a:defRPr/>
-            </a:pPr>
-            <a:r>
-              <a:rPr lang="fr-FR" altLang="fr-FR" dirty="0" smtClean="0"/>
-              <a:t>Adaptation dans le service</a:t>
-            </a:r>
-          </a:p>
-          <a:p>
-            <a:pPr marL="457200" lvl="1" indent="0">
-              <a:buFontTx/>
-              <a:buNone/>
-              <a:defRPr/>
-            </a:pPr>
-            <a:r>
-              <a:rPr lang="fr-FR" altLang="fr-FR" sz="2000" dirty="0" err="1" smtClean="0">
-                <a:latin typeface="Courier New" panose="02070309020205020404" pitchFamily="49" charset="0"/>
-                <a:cs typeface="Courier New" panose="02070309020205020404" pitchFamily="49" charset="0"/>
-              </a:rPr>
-              <a:t>entities.stream</a:t>
-            </a:r>
-            <a:r>
-              <a:rPr lang="fr-FR" altLang="fr-FR" sz="2000" dirty="0" smtClean="0">
-                <a:latin typeface="Courier New" panose="02070309020205020404" pitchFamily="49" charset="0"/>
-                <a:cs typeface="Courier New" panose="02070309020205020404" pitchFamily="49" charset="0"/>
-              </a:rPr>
-              <a:t>().</a:t>
-            </a:r>
-            <a:r>
-              <a:rPr lang="fr-FR" altLang="fr-FR" sz="2000" dirty="0" err="1" smtClean="0">
-                <a:latin typeface="Courier New" panose="02070309020205020404" pitchFamily="49" charset="0"/>
-                <a:cs typeface="Courier New" panose="02070309020205020404" pitchFamily="49" charset="0"/>
-              </a:rPr>
-              <a:t>map</a:t>
-            </a:r>
-            <a:r>
-              <a:rPr lang="fr-FR" altLang="fr-FR" sz="2000" dirty="0" smtClean="0">
-                <a:latin typeface="Courier New" panose="02070309020205020404" pitchFamily="49" charset="0"/>
-                <a:cs typeface="Courier New" panose="02070309020205020404" pitchFamily="49" charset="0"/>
-              </a:rPr>
-              <a:t>(adapter::</a:t>
-            </a:r>
-            <a:r>
-              <a:rPr lang="fr-FR" altLang="fr-FR" sz="2000" dirty="0" err="1">
-                <a:latin typeface="Courier New" panose="02070309020205020404" pitchFamily="49" charset="0"/>
-                <a:cs typeface="Courier New" panose="02070309020205020404" pitchFamily="49" charset="0"/>
-              </a:rPr>
-              <a:t>t</a:t>
-            </a:r>
-            <a:r>
-              <a:rPr lang="fr-FR" altLang="fr-FR" sz="2000" dirty="0" err="1" smtClean="0">
-                <a:latin typeface="Courier New" panose="02070309020205020404" pitchFamily="49" charset="0"/>
-                <a:cs typeface="Courier New" panose="02070309020205020404" pitchFamily="49" charset="0"/>
-              </a:rPr>
-              <a:t>oDto</a:t>
-            </a:r>
-            <a:r>
-              <a:rPr lang="fr-FR" altLang="fr-FR" sz="2000" dirty="0" smtClean="0">
-                <a:latin typeface="Courier New" panose="02070309020205020404" pitchFamily="49" charset="0"/>
-                <a:cs typeface="Courier New" panose="02070309020205020404" pitchFamily="49" charset="0"/>
-              </a:rPr>
-              <a:t>).</a:t>
-            </a:r>
-            <a:r>
-              <a:rPr lang="fr-FR" altLang="fr-FR" sz="2000" dirty="0" err="1" smtClean="0">
-                <a:latin typeface="Courier New" panose="02070309020205020404" pitchFamily="49" charset="0"/>
-                <a:cs typeface="Courier New" panose="02070309020205020404" pitchFamily="49" charset="0"/>
-              </a:rPr>
-              <a:t>collect</a:t>
-            </a:r>
-            <a:r>
-              <a:rPr lang="fr-FR" altLang="fr-FR" sz="2000" dirty="0" smtClean="0">
-                <a:latin typeface="Courier New" panose="02070309020205020404" pitchFamily="49" charset="0"/>
-                <a:cs typeface="Courier New" panose="02070309020205020404" pitchFamily="49" charset="0"/>
-              </a:rPr>
-              <a:t>(</a:t>
-            </a:r>
-            <a:r>
-              <a:rPr lang="fr-FR" altLang="fr-FR" sz="2000" dirty="0" err="1" smtClean="0">
-                <a:latin typeface="Courier New" panose="02070309020205020404" pitchFamily="49" charset="0"/>
-                <a:cs typeface="Courier New" panose="02070309020205020404" pitchFamily="49" charset="0"/>
-              </a:rPr>
-              <a:t>Collectors.toList</a:t>
-            </a:r>
-            <a:r>
-              <a:rPr lang="fr-FR" altLang="fr-FR" sz="2000" dirty="0" smtClean="0">
-                <a:latin typeface="Courier New" panose="02070309020205020404" pitchFamily="49" charset="0"/>
-                <a:cs typeface="Courier New" panose="02070309020205020404" pitchFamily="49" charset="0"/>
-              </a:rPr>
-              <a:t>())</a:t>
-            </a:r>
-          </a:p>
-          <a:p>
-            <a:pPr marL="457200" lvl="1" indent="0">
-              <a:buFontTx/>
-              <a:buNone/>
-              <a:defRPr/>
-            </a:pPr>
-            <a:r>
-              <a:rPr lang="fr-FR" altLang="fr-FR" sz="2000" dirty="0" err="1" smtClean="0">
-                <a:latin typeface="Courier New" panose="02070309020205020404" pitchFamily="49" charset="0"/>
-                <a:cs typeface="Courier New" panose="02070309020205020404" pitchFamily="49" charset="0"/>
-              </a:rPr>
-              <a:t>dtos.stream</a:t>
-            </a:r>
-            <a:r>
-              <a:rPr lang="fr-FR" altLang="fr-FR" sz="2000" dirty="0" smtClean="0">
-                <a:latin typeface="Courier New" panose="02070309020205020404" pitchFamily="49" charset="0"/>
-                <a:cs typeface="Courier New" panose="02070309020205020404" pitchFamily="49" charset="0"/>
-              </a:rPr>
-              <a:t>().</a:t>
-            </a:r>
-            <a:r>
-              <a:rPr lang="fr-FR" altLang="fr-FR" sz="2000" dirty="0" err="1" smtClean="0">
-                <a:latin typeface="Courier New" panose="02070309020205020404" pitchFamily="49" charset="0"/>
-                <a:cs typeface="Courier New" panose="02070309020205020404" pitchFamily="49" charset="0"/>
-              </a:rPr>
-              <a:t>map</a:t>
-            </a:r>
-            <a:r>
-              <a:rPr lang="fr-FR" altLang="fr-FR" sz="2000" dirty="0" smtClean="0">
-                <a:latin typeface="Courier New" panose="02070309020205020404" pitchFamily="49" charset="0"/>
-                <a:cs typeface="Courier New" panose="02070309020205020404" pitchFamily="49" charset="0"/>
-              </a:rPr>
-              <a:t>(adapter::</a:t>
-            </a:r>
-            <a:r>
-              <a:rPr lang="fr-FR" altLang="fr-FR" sz="2000" dirty="0" err="1" smtClean="0">
-                <a:latin typeface="Courier New" panose="02070309020205020404" pitchFamily="49" charset="0"/>
-                <a:cs typeface="Courier New" panose="02070309020205020404" pitchFamily="49" charset="0"/>
-              </a:rPr>
-              <a:t>toEntity</a:t>
-            </a:r>
-            <a:r>
-              <a:rPr lang="fr-FR" altLang="fr-FR" sz="2000" dirty="0" smtClean="0">
-                <a:latin typeface="Courier New" panose="02070309020205020404" pitchFamily="49" charset="0"/>
-                <a:cs typeface="Courier New" panose="02070309020205020404" pitchFamily="49" charset="0"/>
-              </a:rPr>
-              <a:t>).</a:t>
-            </a:r>
-            <a:r>
-              <a:rPr lang="fr-FR" altLang="fr-FR" sz="2000" dirty="0" err="1" smtClean="0">
-                <a:latin typeface="Courier New" panose="02070309020205020404" pitchFamily="49" charset="0"/>
-                <a:cs typeface="Courier New" panose="02070309020205020404" pitchFamily="49" charset="0"/>
-              </a:rPr>
-              <a:t>collect</a:t>
-            </a:r>
-            <a:r>
-              <a:rPr lang="fr-FR" altLang="fr-FR" sz="2000" dirty="0" smtClean="0">
-                <a:latin typeface="Courier New" panose="02070309020205020404" pitchFamily="49" charset="0"/>
-                <a:cs typeface="Courier New" panose="02070309020205020404" pitchFamily="49" charset="0"/>
-              </a:rPr>
-              <a:t>(</a:t>
-            </a:r>
-            <a:r>
-              <a:rPr lang="fr-FR" altLang="fr-FR" sz="2000" dirty="0" err="1" smtClean="0">
-                <a:latin typeface="Courier New" panose="02070309020205020404" pitchFamily="49" charset="0"/>
-                <a:cs typeface="Courier New" panose="02070309020205020404" pitchFamily="49" charset="0"/>
-              </a:rPr>
-              <a:t>Collectors.toList</a:t>
-            </a:r>
-            <a:r>
-              <a:rPr lang="fr-FR" altLang="fr-FR" sz="2000" dirty="0" smtClean="0">
-                <a:latin typeface="Courier New" panose="02070309020205020404" pitchFamily="49" charset="0"/>
-                <a:cs typeface="Courier New" panose="02070309020205020404" pitchFamily="49" charset="0"/>
-              </a:rPr>
-              <a:t>())</a:t>
-            </a:r>
-          </a:p>
-          <a:p>
-            <a:pPr lvl="1">
-              <a:defRPr/>
-            </a:pPr>
-            <a:endParaRPr lang="fr-FR" altLang="fr-FR" dirty="0" smtClean="0"/>
           </a:p>
         </p:txBody>
       </p:sp>
@@ -17097,7 +16213,7 @@
           <a:lstStyle/>
           <a:p>
             <a:r>
-              <a:rPr lang="fr-FR" altLang="fr-FR" smtClean="0"/>
+              <a:rPr lang="fr-FR" altLang="fr-FR"/>
               <a:t>Pourquoi l’interopérabilité ?</a:t>
             </a:r>
           </a:p>
@@ -17124,54 +16240,54 @@
           <a:lstStyle/>
           <a:p>
             <a:r>
-              <a:rPr lang="fr-FR" altLang="fr-FR" sz="1800" smtClean="0"/>
+              <a:rPr lang="fr-FR" altLang="fr-FR" sz="1800"/>
               <a:t>Les services et les clients interopérables réduisent la duplication</a:t>
             </a:r>
           </a:p>
           <a:p>
             <a:pPr lvl="1"/>
             <a:r>
-              <a:rPr lang="fr-FR" altLang="fr-FR" sz="1800" smtClean="0"/>
+              <a:rPr lang="fr-FR" altLang="fr-FR" sz="1800"/>
               <a:t>Inutile de reconstruire la même fonctionnalité pour chaque nouveau langage ou chaque nouvelle plate-forme</a:t>
             </a:r>
           </a:p>
           <a:p>
             <a:pPr lvl="1"/>
             <a:r>
-              <a:rPr lang="fr-FR" altLang="fr-FR" sz="1800" smtClean="0"/>
+              <a:rPr lang="fr-FR" altLang="fr-FR" sz="1800"/>
               <a:t>Les coûts de développement et de maintenance sont réduits</a:t>
             </a:r>
           </a:p>
           <a:p>
             <a:r>
-              <a:rPr lang="fr-FR" altLang="fr-FR" sz="1800" smtClean="0"/>
+              <a:rPr lang="fr-FR" altLang="fr-FR" sz="1800"/>
               <a:t>On peut utiliser le même service depuis toutes les applications, sur toutes les plates-formes</a:t>
             </a:r>
           </a:p>
           <a:p>
             <a:pPr lvl="1"/>
             <a:r>
-              <a:rPr lang="fr-FR" altLang="fr-FR" sz="1800" smtClean="0"/>
+              <a:rPr lang="fr-FR" altLang="fr-FR" sz="1800"/>
               <a:t>L’usage du service est cohérent dans toute l’entreprise</a:t>
             </a:r>
           </a:p>
           <a:p>
             <a:pPr lvl="1"/>
             <a:r>
-              <a:rPr lang="fr-FR" altLang="fr-FR" sz="1800" smtClean="0"/>
+              <a:rPr lang="fr-FR" altLang="fr-FR" sz="1800"/>
               <a:t>Utile pour les règles métier qui changent fréquemment</a:t>
             </a:r>
           </a:p>
           <a:p>
             <a:r>
-              <a:rPr lang="fr-FR" altLang="fr-FR" sz="1800" smtClean="0"/>
+              <a:rPr lang="fr-FR" altLang="fr-FR" sz="1800"/>
               <a:t>La réutilisation a lieu au niveau de services entiers</a:t>
             </a:r>
           </a:p>
           <a:p>
             <a:pPr lvl="1"/>
             <a:r>
-              <a:rPr lang="fr-FR" altLang="fr-FR" sz="1800" smtClean="0"/>
+              <a:rPr lang="fr-FR" altLang="fr-FR" sz="1800"/>
               <a:t>Les bibliothèques de classes ne sont utiles que pour les applications écrites dans le même langage</a:t>
             </a:r>
           </a:p>
@@ -17185,13 +16301,6 @@
   <p:clrMapOvr>
     <a:masterClrMapping/>
   </p:clrMapOvr>
-  <p:timing>
-    <p:tnLst>
-      <p:par>
-        <p:cTn id="1" dur="indefinite" restart="never" nodeType="tmRoot"/>
-      </p:par>
-    </p:tnLst>
-  </p:timing>
 </p:sld>
 </file>
 
@@ -17228,7 +16337,7 @@
           <a:lstStyle/>
           <a:p>
             <a:r>
-              <a:rPr lang="fr-FR" altLang="fr-FR" smtClean="0"/>
+              <a:rPr lang="fr-FR" altLang="fr-FR"/>
               <a:t>Avantages de SOA</a:t>
             </a:r>
           </a:p>
@@ -17260,7 +16369,7 @@
               <a:defRPr/>
             </a:pPr>
             <a:r>
-              <a:rPr lang="fr-FR" sz="1800" dirty="0" smtClean="0"/>
+              <a:rPr lang="fr-FR" sz="1800" dirty="0"/>
               <a:t>SOA offre les avantages du couplage faible et de l’interopérabilité</a:t>
             </a:r>
           </a:p>
@@ -17269,7 +16378,7 @@
               <a:defRPr/>
             </a:pPr>
             <a:r>
-              <a:rPr lang="fr-FR" sz="1800" dirty="0" smtClean="0"/>
+              <a:rPr lang="fr-FR" sz="1800" dirty="0"/>
               <a:t>Souplesse pour changer la topologie de l’architecture d’entreprise</a:t>
             </a:r>
           </a:p>
@@ -17278,7 +16387,7 @@
               <a:defRPr/>
             </a:pPr>
             <a:r>
-              <a:rPr lang="fr-FR" sz="1800" dirty="0" smtClean="0"/>
+              <a:rPr lang="fr-FR" sz="1800" dirty="0"/>
               <a:t>Ajouter des serveurs si l’usage est plus important que prévu</a:t>
             </a:r>
           </a:p>
@@ -17287,7 +16396,7 @@
               <a:defRPr/>
             </a:pPr>
             <a:r>
-              <a:rPr lang="fr-FR" sz="1800" dirty="0" smtClean="0"/>
+              <a:rPr lang="fr-FR" sz="1800" dirty="0"/>
               <a:t>Écrire des clients supplémentaires pour répondre à de nouveaux besoins</a:t>
             </a:r>
           </a:p>
@@ -17296,7 +16405,7 @@
               <a:defRPr/>
             </a:pPr>
             <a:r>
-              <a:rPr lang="fr-FR" sz="1800" dirty="0" smtClean="0"/>
+              <a:rPr lang="fr-FR" sz="1800" dirty="0"/>
               <a:t>Réutilisation au niveau des services</a:t>
             </a:r>
           </a:p>
@@ -17305,7 +16414,7 @@
               <a:defRPr/>
             </a:pPr>
             <a:r>
-              <a:rPr lang="fr-FR" sz="1800" dirty="0" smtClean="0"/>
+              <a:rPr lang="fr-FR" sz="1800" dirty="0"/>
               <a:t>Pas seulement au niveau des bibliothèques de classes</a:t>
             </a:r>
           </a:p>
@@ -17314,7 +16423,7 @@
               <a:defRPr/>
             </a:pPr>
             <a:r>
-              <a:rPr lang="fr-FR" sz="1800" dirty="0" smtClean="0"/>
+              <a:rPr lang="fr-FR" sz="1800" dirty="0"/>
               <a:t>Réutilisation entre plates-formes et entre langages de programmation</a:t>
             </a:r>
           </a:p>
@@ -17323,7 +16432,7 @@
               <a:defRPr/>
             </a:pPr>
             <a:r>
-              <a:rPr lang="fr-FR" sz="1800" dirty="0" smtClean="0"/>
+              <a:rPr lang="fr-FR" sz="1800" dirty="0"/>
               <a:t>Entraîne des économies de coûts</a:t>
             </a:r>
           </a:p>
@@ -17332,7 +16441,7 @@
               <a:defRPr/>
             </a:pPr>
             <a:r>
-              <a:rPr lang="fr-FR" sz="1800" dirty="0" smtClean="0"/>
+              <a:rPr lang="fr-FR" sz="1800" dirty="0"/>
               <a:t>Oblige à une cohérence dans l’entreprise</a:t>
             </a:r>
           </a:p>
@@ -17341,7 +16450,7 @@
               <a:defRPr/>
             </a:pPr>
             <a:r>
-              <a:rPr lang="fr-FR" sz="1800" dirty="0" smtClean="0"/>
+              <a:rPr lang="fr-FR" sz="1800" dirty="0"/>
               <a:t>Toutes les applications utilisent les mêmes règles métier si elles utilisent le même service</a:t>
             </a:r>
           </a:p>
@@ -17350,7 +16459,7 @@
               <a:defRPr/>
             </a:pPr>
             <a:r>
-              <a:rPr lang="fr-FR" sz="1800" dirty="0" smtClean="0"/>
+              <a:rPr lang="fr-FR" sz="1800" dirty="0"/>
               <a:t>Il est facile de modifier les règles métier en fonction de nouvelles exigences</a:t>
             </a:r>
           </a:p>
@@ -17359,7 +16468,7 @@
               <a:defRPr/>
             </a:pPr>
             <a:r>
-              <a:rPr lang="fr-FR" sz="1800" dirty="0" smtClean="0"/>
+              <a:rPr lang="fr-FR" sz="1800" dirty="0"/>
               <a:t>Il suffit de modifier une seule base de code</a:t>
             </a:r>
           </a:p>
@@ -17368,14 +16477,14 @@
               <a:defRPr/>
             </a:pPr>
             <a:r>
-              <a:rPr lang="fr-FR" sz="1800" dirty="0" smtClean="0"/>
+              <a:rPr lang="fr-FR" sz="1800" dirty="0"/>
               <a:t>SOA offre souplesse, réutilisation, économies de coûts, cohérence</a:t>
             </a:r>
             <a:br>
-              <a:rPr lang="fr-FR" sz="1800" dirty="0" smtClean="0"/>
+              <a:rPr lang="fr-FR" sz="1800" dirty="0"/>
             </a:br>
             <a:r>
-              <a:rPr lang="fr-FR" sz="1800" dirty="0" smtClean="0"/>
+              <a:rPr lang="fr-FR" sz="1800" dirty="0"/>
               <a:t>et agilité</a:t>
             </a:r>
           </a:p>
@@ -17389,13 +16498,6 @@
   <p:clrMapOvr>
     <a:masterClrMapping/>
   </p:clrMapOvr>
-  <p:timing>
-    <p:tnLst>
-      <p:par>
-        <p:cTn id="1" dur="indefinite" restart="never" nodeType="tmRoot"/>
-      </p:par>
-    </p:tnLst>
-  </p:timing>
 </p:sld>
 </file>
 
@@ -17432,7 +16534,7 @@
           <a:lstStyle/>
           <a:p>
             <a:r>
-              <a:rPr lang="fr-FR" altLang="fr-FR" smtClean="0"/>
+              <a:rPr lang="fr-FR" altLang="fr-FR"/>
               <a:t>Acteurs SOA</a:t>
             </a:r>
           </a:p>
@@ -17462,7 +16564,7 @@
               <a:defRPr/>
             </a:pPr>
             <a:r>
-              <a:rPr lang="fr-FR" sz="1800" dirty="0" smtClean="0"/>
+              <a:rPr lang="fr-FR" sz="1800" dirty="0"/>
               <a:t>Dans une SOA, il y a des clients, des services et un annuaire commun</a:t>
             </a:r>
           </a:p>
@@ -17471,15 +16573,15 @@
               <a:defRPr/>
             </a:pPr>
             <a:r>
-              <a:rPr lang="fr-FR" sz="1800" dirty="0" smtClean="0"/>
+              <a:rPr lang="fr-FR" sz="1800" dirty="0"/>
               <a:t>Les services s’enregistrent dans l’annuaire (</a:t>
             </a:r>
             <a:r>
-              <a:rPr lang="fr-FR" sz="1800" i="1" dirty="0" smtClean="0"/>
+              <a:rPr lang="fr-FR" sz="1800" i="1" dirty="0"/>
               <a:t>registry</a:t>
             </a:r>
             <a:r>
-              <a:rPr lang="fr-FR" sz="1800" dirty="0" smtClean="0"/>
+              <a:rPr lang="fr-FR" sz="1800" dirty="0"/>
               <a:t>)</a:t>
             </a:r>
           </a:p>
@@ -17488,7 +16590,7 @@
               <a:defRPr/>
             </a:pPr>
             <a:r>
-              <a:rPr lang="fr-FR" sz="1800" dirty="0" smtClean="0"/>
+              <a:rPr lang="fr-FR" sz="1800" dirty="0"/>
               <a:t>Les clients peuvent rechercher un descripteur de service dans l’annuaire</a:t>
             </a:r>
           </a:p>
@@ -17497,7 +16599,7 @@
               <a:defRPr/>
             </a:pPr>
             <a:r>
-              <a:rPr lang="fr-FR" sz="1800" dirty="0" smtClean="0"/>
+              <a:rPr lang="fr-FR" sz="1800" dirty="0"/>
               <a:t>Les clients l’utilisent pour invoquer des opérations directement sur le service</a:t>
             </a:r>
           </a:p>
@@ -17505,50 +16607,50 @@
             <a:pPr lvl="1">
               <a:defRPr/>
             </a:pPr>
-            <a:endParaRPr lang="fr-FR" sz="1800" dirty="0" smtClean="0"/>
+            <a:endParaRPr lang="fr-FR" sz="1800" dirty="0"/>
           </a:p>
           <a:p>
             <a:pPr>
               <a:defRPr/>
             </a:pPr>
-            <a:endParaRPr lang="fr-FR" sz="1800" dirty="0" smtClean="0"/>
+            <a:endParaRPr lang="fr-FR" sz="1800" dirty="0"/>
           </a:p>
           <a:p>
             <a:pPr>
               <a:defRPr/>
             </a:pPr>
-            <a:endParaRPr lang="fr-FR" sz="1800" dirty="0" smtClean="0"/>
+            <a:endParaRPr lang="fr-FR" sz="1800" dirty="0"/>
           </a:p>
           <a:p>
             <a:pPr>
               <a:defRPr/>
             </a:pPr>
-            <a:endParaRPr lang="fr-FR" sz="1800" dirty="0" smtClean="0"/>
+            <a:endParaRPr lang="fr-FR" sz="1800" dirty="0"/>
           </a:p>
           <a:p>
             <a:pPr>
               <a:defRPr/>
             </a:pPr>
-            <a:endParaRPr lang="fr-FR" sz="1800" dirty="0" smtClean="0"/>
+            <a:endParaRPr lang="fr-FR" sz="1800" dirty="0"/>
           </a:p>
           <a:p>
             <a:pPr>
               <a:defRPr/>
             </a:pPr>
-            <a:endParaRPr lang="fr-FR" sz="1800" dirty="0" smtClean="0"/>
+            <a:endParaRPr lang="fr-FR" sz="1800" dirty="0"/>
           </a:p>
           <a:p>
             <a:pPr>
               <a:defRPr/>
             </a:pPr>
-            <a:endParaRPr lang="fr-FR" sz="1800" dirty="0" smtClean="0"/>
+            <a:endParaRPr lang="fr-FR" sz="1800" dirty="0"/>
           </a:p>
           <a:p>
             <a:pPr>
               <a:defRPr/>
             </a:pPr>
             <a:r>
-              <a:rPr lang="fr-FR" sz="1800" dirty="0" smtClean="0"/>
+              <a:rPr lang="fr-FR" sz="1800" dirty="0"/>
               <a:t>Dans beaucoup d’implémentations, l’annuaire est abandonné</a:t>
             </a:r>
           </a:p>
@@ -17557,7 +16659,7 @@
               <a:defRPr/>
             </a:pPr>
             <a:r>
-              <a:rPr lang="fr-FR" sz="1800" dirty="0" smtClean="0"/>
+              <a:rPr lang="fr-FR" sz="1800" dirty="0"/>
               <a:t>À la place, le service est installé à un emplacement connu du client</a:t>
             </a:r>
           </a:p>
@@ -18015,13 +17117,6 @@
   <p:clrMapOvr>
     <a:masterClrMapping/>
   </p:clrMapOvr>
-  <p:timing>
-    <p:tnLst>
-      <p:par>
-        <p:cTn id="1" dur="indefinite" restart="never" nodeType="tmRoot"/>
-      </p:par>
-    </p:tnLst>
-  </p:timing>
 </p:sld>
 </file>
 
@@ -18063,10 +17158,9 @@
               <a:defRPr/>
             </a:pPr>
             <a:r>
-              <a:rPr lang="fr-FR" dirty="0" smtClean="0"/>
+              <a:rPr lang="fr-FR" dirty="0"/>
               <a:t>Les services Web XML  implémentent une SOA</a:t>
             </a:r>
-            <a:endParaRPr lang="fr-FR" dirty="0"/>
           </a:p>
         </p:txBody>
       </p:sp>
@@ -18090,63 +17184,63 @@
           <a:bodyPr/>
           <a:lstStyle/>
           <a:p>
-            <a:endParaRPr lang="fr-FR" altLang="fr-FR" sz="1800" smtClean="0"/>
-          </a:p>
-          <a:p>
-            <a:r>
-              <a:rPr lang="fr-FR" altLang="fr-FR" sz="1800" smtClean="0"/>
+            <a:endParaRPr lang="fr-FR" altLang="fr-FR" sz="1800"/>
+          </a:p>
+          <a:p>
+            <a:r>
+              <a:rPr lang="fr-FR" altLang="fr-FR" sz="1800"/>
               <a:t>Les services Web XML obtiennent l’interopérabilité et le couplage faible</a:t>
             </a:r>
             <a:br>
-              <a:rPr lang="fr-FR" altLang="fr-FR" sz="1800" smtClean="0"/>
+              <a:rPr lang="fr-FR" altLang="fr-FR" sz="1800"/>
             </a:br>
             <a:r>
-              <a:rPr lang="fr-FR" altLang="fr-FR" sz="1800" i="1" smtClean="0"/>
+              <a:rPr lang="fr-FR" altLang="fr-FR" sz="1800" i="1"/>
               <a:t>via </a:t>
             </a:r>
             <a:r>
-              <a:rPr lang="fr-FR" altLang="fr-FR" sz="1800" smtClean="0"/>
+              <a:rPr lang="fr-FR" altLang="fr-FR" sz="1800"/>
               <a:t>l’utilisation de standards</a:t>
             </a:r>
           </a:p>
           <a:p>
             <a:pPr lvl="1"/>
             <a:r>
-              <a:rPr lang="fr-FR" altLang="fr-FR" sz="1800" smtClean="0"/>
+              <a:rPr lang="fr-FR" altLang="fr-FR" sz="1800"/>
               <a:t>Les messages de requête et de réponses appliquent des standards</a:t>
             </a:r>
           </a:p>
           <a:p>
             <a:pPr lvl="1"/>
             <a:r>
-              <a:rPr lang="fr-FR" altLang="fr-FR" sz="1800" smtClean="0"/>
+              <a:rPr lang="fr-FR" altLang="fr-FR" sz="1800"/>
               <a:t>Les opérations sont invoquées de manière standard</a:t>
             </a:r>
           </a:p>
           <a:p>
             <a:r>
-              <a:rPr lang="fr-FR" altLang="fr-FR" sz="1800" smtClean="0"/>
+              <a:rPr lang="fr-FR" altLang="fr-FR" sz="1800"/>
               <a:t>Même la description des messages et des opérations se conforme à</a:t>
             </a:r>
             <a:br>
-              <a:rPr lang="fr-FR" altLang="fr-FR" sz="1800" smtClean="0"/>
+              <a:rPr lang="fr-FR" altLang="fr-FR" sz="1800"/>
             </a:br>
             <a:r>
-              <a:rPr lang="fr-FR" altLang="fr-FR" sz="1800" smtClean="0"/>
+              <a:rPr lang="fr-FR" altLang="fr-FR" sz="1800"/>
               <a:t>un standard</a:t>
             </a:r>
           </a:p>
           <a:p>
             <a:pPr lvl="1"/>
             <a:r>
-              <a:rPr lang="fr-FR" altLang="fr-FR" sz="1800" smtClean="0"/>
+              <a:rPr lang="fr-FR" altLang="fr-FR" sz="1800"/>
               <a:t>Non dépendant de l’implémentation du service</a:t>
             </a:r>
           </a:p>
           <a:p>
             <a:pPr lvl="1"/>
             <a:r>
-              <a:rPr lang="fr-FR" altLang="fr-FR" sz="1800" smtClean="0"/>
+              <a:rPr lang="fr-FR" altLang="fr-FR" sz="1800"/>
               <a:t>À partir des descriptions, le code du client  peut être écrit</a:t>
             </a:r>
           </a:p>
@@ -18160,13 +17254,6 @@
   <p:clrMapOvr>
     <a:masterClrMapping/>
   </p:clrMapOvr>
-  <p:timing>
-    <p:tnLst>
-      <p:par>
-        <p:cTn id="1" dur="indefinite" restart="never" nodeType="tmRoot"/>
-      </p:par>
-    </p:tnLst>
-  </p:timing>
 </p:sld>
 </file>
 
@@ -18203,7 +17290,7 @@
           <a:lstStyle/>
           <a:p>
             <a:r>
-              <a:rPr lang="fr-FR" altLang="fr-FR" smtClean="0"/>
+              <a:rPr lang="fr-FR" altLang="fr-FR"/>
               <a:t>JAX-WS et Metro</a:t>
             </a:r>
           </a:p>
@@ -18235,15 +17322,15 @@
               </a:lnSpc>
             </a:pPr>
             <a:r>
-              <a:rPr lang="fr-FR" altLang="fr-FR" sz="1800" smtClean="0"/>
+              <a:rPr lang="fr-FR" altLang="fr-FR" sz="1800"/>
               <a:t>JAX-WS (</a:t>
             </a:r>
             <a:r>
-              <a:rPr lang="fr-FR" altLang="fr-FR" sz="1800" i="1" smtClean="0"/>
+              <a:rPr lang="fr-FR" altLang="fr-FR" sz="1800" i="1"/>
               <a:t>Java API for XML Web Services</a:t>
             </a:r>
             <a:r>
-              <a:rPr lang="fr-FR" altLang="fr-FR" sz="1800" smtClean="0"/>
+              <a:rPr lang="fr-FR" altLang="fr-FR" sz="1800"/>
               <a:t>) est un standard Java </a:t>
             </a:r>
           </a:p>
@@ -18254,7 +17341,7 @@
               </a:lnSpc>
             </a:pPr>
             <a:r>
-              <a:rPr lang="fr-FR" altLang="fr-FR" sz="1800" smtClean="0"/>
+              <a:rPr lang="fr-FR" altLang="fr-FR" sz="1800"/>
               <a:t>Fait partie de Java SE 6, peut être ajouté à Java SE 5</a:t>
             </a:r>
           </a:p>
@@ -18265,14 +17352,14 @@
               </a:lnSpc>
             </a:pPr>
             <a:r>
-              <a:rPr lang="fr-FR" altLang="fr-FR" sz="1800" smtClean="0"/>
+              <a:rPr lang="fr-FR" altLang="fr-FR" sz="1800"/>
               <a:t>Ne fonctionne pas avec Java 1.4 ou antérieur, parce que s’appuyant sur</a:t>
             </a:r>
             <a:br>
-              <a:rPr lang="fr-FR" altLang="fr-FR" sz="1800" smtClean="0"/>
+              <a:rPr lang="fr-FR" altLang="fr-FR" sz="1800"/>
             </a:br>
             <a:r>
-              <a:rPr lang="fr-FR" altLang="fr-FR" sz="1800" smtClean="0"/>
+              <a:rPr lang="fr-FR" altLang="fr-FR" sz="1800"/>
               <a:t>des annotations</a:t>
             </a:r>
           </a:p>
@@ -18283,7 +17370,7 @@
               </a:lnSpc>
             </a:pPr>
             <a:r>
-              <a:rPr lang="fr-FR" altLang="fr-FR" sz="1800" smtClean="0"/>
+              <a:rPr lang="fr-FR" altLang="fr-FR" sz="1800"/>
               <a:t>JAX-WS n’est qu’une API : il faut un framework de services Web pour la mise en œuvre </a:t>
             </a:r>
           </a:p>
@@ -18294,7 +17381,7 @@
               </a:lnSpc>
             </a:pPr>
             <a:r>
-              <a:rPr lang="fr-FR" altLang="fr-FR" sz="1800" smtClean="0"/>
+              <a:rPr lang="fr-FR" altLang="fr-FR" sz="1800"/>
               <a:t>L’implémentation de référence s’appelle Metro</a:t>
             </a:r>
           </a:p>
@@ -18305,7 +17392,7 @@
               </a:lnSpc>
             </a:pPr>
             <a:r>
-              <a:rPr lang="fr-FR" altLang="fr-FR" sz="1800" smtClean="0"/>
+              <a:rPr lang="fr-FR" altLang="fr-FR" sz="1800"/>
               <a:t>Fait partie des serveurs d’applications GlassFish et Sun</a:t>
             </a:r>
           </a:p>
@@ -18316,7 +17403,7 @@
               </a:lnSpc>
             </a:pPr>
             <a:r>
-              <a:rPr lang="fr-FR" altLang="fr-FR" sz="1800" smtClean="0"/>
+              <a:rPr lang="fr-FR" altLang="fr-FR" sz="1800"/>
               <a:t>Tout serveur d’applications Java EE (JBoss, WebSphere, GlassFish, etc.) possède une implémentation JAX-WS</a:t>
             </a:r>
           </a:p>
@@ -18327,7 +17414,7 @@
               </a:lnSpc>
             </a:pPr>
             <a:r>
-              <a:rPr lang="fr-FR" altLang="fr-FR" sz="1800" smtClean="0"/>
+              <a:rPr lang="fr-FR" altLang="fr-FR" sz="1800"/>
               <a:t>Une implémentation JAX-WS comprend :</a:t>
             </a:r>
           </a:p>
@@ -18338,7 +17425,7 @@
               </a:lnSpc>
             </a:pPr>
             <a:r>
-              <a:rPr lang="fr-FR" altLang="fr-FR" sz="1800" smtClean="0"/>
+              <a:rPr lang="fr-FR" altLang="fr-FR" sz="1800"/>
               <a:t>Des outils pour traiter les annotations JAX-WS</a:t>
             </a:r>
           </a:p>
@@ -18349,7 +17436,7 @@
               </a:lnSpc>
             </a:pPr>
             <a:r>
-              <a:rPr lang="fr-FR" altLang="fr-FR" sz="1800" smtClean="0"/>
+              <a:rPr lang="fr-FR" altLang="fr-FR" sz="1800"/>
               <a:t>Une bibliothèque utilisée lors de l’exécution pour invoquer le service Web</a:t>
             </a:r>
           </a:p>
@@ -18360,7 +17447,7 @@
               </a:lnSpc>
             </a:pPr>
             <a:r>
-              <a:rPr lang="fr-FR" altLang="fr-FR" sz="1800" smtClean="0"/>
+              <a:rPr lang="fr-FR" altLang="fr-FR" sz="1800"/>
               <a:t>JAX-WS standardise le code Java</a:t>
             </a:r>
           </a:p>
@@ -18371,7 +17458,7 @@
               </a:lnSpc>
             </a:pPr>
             <a:r>
-              <a:rPr lang="fr-FR" altLang="fr-FR" sz="1800" smtClean="0"/>
+              <a:rPr lang="fr-FR" altLang="fr-FR" sz="1800"/>
               <a:t>Les annotations sont les mêmes</a:t>
             </a:r>
           </a:p>
@@ -18382,14 +17469,14 @@
               </a:lnSpc>
             </a:pPr>
             <a:r>
-              <a:rPr lang="fr-FR" altLang="fr-FR" sz="1800" smtClean="0"/>
+              <a:rPr lang="fr-FR" altLang="fr-FR" sz="1800"/>
               <a:t>Fichiers de configuration, bibliothèques et syntaxe des outils diffèrent </a:t>
             </a:r>
             <a:br>
-              <a:rPr lang="fr-FR" altLang="fr-FR" sz="1800" smtClean="0"/>
+              <a:rPr lang="fr-FR" altLang="fr-FR" sz="1800"/>
             </a:br>
             <a:r>
-              <a:rPr lang="fr-FR" altLang="fr-FR" sz="1800" smtClean="0"/>
+              <a:rPr lang="fr-FR" altLang="fr-FR" sz="1800"/>
               <a:t>d’une implémentation à l’autre</a:t>
             </a:r>
           </a:p>
@@ -18403,13 +17490,6 @@
   <p:clrMapOvr>
     <a:masterClrMapping/>
   </p:clrMapOvr>
-  <p:timing>
-    <p:tnLst>
-      <p:par>
-        <p:cTn id="1" dur="indefinite" restart="never" nodeType="tmRoot"/>
-      </p:par>
-    </p:tnLst>
-  </p:timing>
 </p:sld>
 </file>
 

--- a/ppt/Spring-08-SpringRest.pptx
+++ b/ppt/Spring-08-SpringRest.pptx
@@ -5,10 +5,10 @@
     <p:sldMasterId id="2147483653" r:id="rId1"/>
   </p:sldMasterIdLst>
   <p:notesMasterIdLst>
-    <p:notesMasterId r:id="rId45"/>
+    <p:notesMasterId r:id="rId44"/>
   </p:notesMasterIdLst>
   <p:handoutMasterIdLst>
-    <p:handoutMasterId r:id="rId46"/>
+    <p:handoutMasterId r:id="rId45"/>
   </p:handoutMasterIdLst>
   <p:sldIdLst>
     <p:sldId id="264" r:id="rId2"/>
@@ -32,28 +32,27 @@
     <p:sldId id="288" r:id="rId20"/>
     <p:sldId id="290" r:id="rId21"/>
     <p:sldId id="294" r:id="rId22"/>
-    <p:sldId id="295" r:id="rId23"/>
-    <p:sldId id="291" r:id="rId24"/>
-    <p:sldId id="289" r:id="rId25"/>
-    <p:sldId id="293" r:id="rId26"/>
-    <p:sldId id="321" r:id="rId27"/>
-    <p:sldId id="322" r:id="rId28"/>
-    <p:sldId id="296" r:id="rId29"/>
-    <p:sldId id="297" r:id="rId30"/>
-    <p:sldId id="303" r:id="rId31"/>
-    <p:sldId id="313" r:id="rId32"/>
-    <p:sldId id="323" r:id="rId33"/>
-    <p:sldId id="304" r:id="rId34"/>
-    <p:sldId id="319" r:id="rId35"/>
+    <p:sldId id="319" r:id="rId23"/>
+    <p:sldId id="295" r:id="rId24"/>
+    <p:sldId id="291" r:id="rId25"/>
+    <p:sldId id="289" r:id="rId26"/>
+    <p:sldId id="293" r:id="rId27"/>
+    <p:sldId id="321" r:id="rId28"/>
+    <p:sldId id="322" r:id="rId29"/>
+    <p:sldId id="296" r:id="rId30"/>
+    <p:sldId id="297" r:id="rId31"/>
+    <p:sldId id="303" r:id="rId32"/>
+    <p:sldId id="313" r:id="rId33"/>
+    <p:sldId id="323" r:id="rId34"/>
+    <p:sldId id="304" r:id="rId35"/>
     <p:sldId id="306" r:id="rId36"/>
     <p:sldId id="307" r:id="rId37"/>
-    <p:sldId id="308" r:id="rId38"/>
-    <p:sldId id="309" r:id="rId39"/>
-    <p:sldId id="310" r:id="rId40"/>
-    <p:sldId id="311" r:id="rId41"/>
-    <p:sldId id="312" r:id="rId42"/>
-    <p:sldId id="305" r:id="rId43"/>
-    <p:sldId id="320" r:id="rId44"/>
+    <p:sldId id="311" r:id="rId38"/>
+    <p:sldId id="308" r:id="rId39"/>
+    <p:sldId id="309" r:id="rId40"/>
+    <p:sldId id="310" r:id="rId41"/>
+    <p:sldId id="305" r:id="rId42"/>
+    <p:sldId id="320" r:id="rId43"/>
   </p:sldIdLst>
   <p:sldSz cx="9144000" cy="6858000" type="screen4x3"/>
   <p:notesSz cx="6648450" cy="9782175"/>
@@ -7688,7 +7687,7 @@
           <a:graphicData uri="http://schemas.openxmlformats.org/presentationml/2006/ole">
             <mc:AlternateContent xmlns:mc="http://schemas.openxmlformats.org/markup-compatibility/2006">
               <mc:Choice xmlns:v="urn:schemas-microsoft-com:vml" Requires="v">
-                <p:oleObj spid="_x0000_s23568" name="Visio" r:id="rId5" imgW="3391939" imgH="2771706" progId="">
+                <p:oleObj spid="_x0000_s23572" name="Visio" r:id="rId5" imgW="3391939" imgH="2771706" progId="">
                   <p:embed/>
                 </p:oleObj>
               </mc:Choice>
@@ -7771,7 +7770,7 @@
           <a:graphicData uri="http://schemas.openxmlformats.org/presentationml/2006/ole">
             <mc:AlternateContent xmlns:mc="http://schemas.openxmlformats.org/markup-compatibility/2006">
               <mc:Choice xmlns:v="urn:schemas-microsoft-com:vml" Requires="v">
-                <p:oleObj spid="_x0000_s23569" name="Visio" r:id="rId7" imgW="4644189" imgH="2187953" progId="">
+                <p:oleObj spid="_x0000_s23573" name="Visio" r:id="rId7" imgW="4644189" imgH="2187953" progId="">
                   <p:embed/>
                 </p:oleObj>
               </mc:Choice>
@@ -10466,6 +10465,216 @@
       </p:grpSpPr>
       <p:sp>
         <p:nvSpPr>
+          <p:cNvPr id="51202" name="Titre 1"/>
+          <p:cNvSpPr>
+            <a:spLocks noGrp="1"/>
+          </p:cNvSpPr>
+          <p:nvPr>
+            <p:ph type="title"/>
+          </p:nvPr>
+        </p:nvSpPr>
+        <p:spPr/>
+        <p:txBody>
+          <a:bodyPr/>
+          <a:lstStyle/>
+          <a:p>
+            <a:r>
+              <a:rPr lang="fr-FR" altLang="fr-FR"/>
+              <a:t>Préfixe d’URL</a:t>
+            </a:r>
+          </a:p>
+        </p:txBody>
+      </p:sp>
+      <p:sp>
+        <p:nvSpPr>
+          <p:cNvPr id="3" name="Espace réservé du contenu 2"/>
+          <p:cNvSpPr>
+            <a:spLocks noGrp="1"/>
+          </p:cNvSpPr>
+          <p:nvPr>
+            <p:ph idx="1"/>
+          </p:nvPr>
+        </p:nvSpPr>
+        <p:spPr/>
+        <p:txBody>
+          <a:bodyPr/>
+          <a:lstStyle/>
+          <a:p>
+            <a:pPr>
+              <a:defRPr/>
+            </a:pPr>
+            <a:r>
+              <a:rPr lang="fr-FR" dirty="0"/>
+              <a:t>Il est possible d’ajouter un préfixe d’URL sur le contrôleur</a:t>
+            </a:r>
+          </a:p>
+          <a:p>
+            <a:pPr>
+              <a:defRPr/>
+            </a:pPr>
+            <a:endParaRPr lang="fr-FR" dirty="0"/>
+          </a:p>
+          <a:p>
+            <a:pPr marL="0" indent="0">
+              <a:buFont typeface="Monotype Sorts" pitchFamily="2" charset="2"/>
+              <a:buNone/>
+              <a:defRPr/>
+            </a:pPr>
+            <a:r>
+              <a:rPr lang="en-US" sz="2000" dirty="0">
+                <a:latin typeface="Courier New" panose="02070309020205020404" pitchFamily="49" charset="0"/>
+                <a:cs typeface="Courier New" panose="02070309020205020404" pitchFamily="49" charset="0"/>
+              </a:rPr>
+              <a:t>@</a:t>
+            </a:r>
+            <a:r>
+              <a:rPr lang="en-US" sz="2000" dirty="0" err="1">
+                <a:latin typeface="Courier New" panose="02070309020205020404" pitchFamily="49" charset="0"/>
+                <a:cs typeface="Courier New" panose="02070309020205020404" pitchFamily="49" charset="0"/>
+              </a:rPr>
+              <a:t>RestController</a:t>
+            </a:r>
+            <a:endParaRPr lang="en-US" sz="2000" dirty="0">
+              <a:latin typeface="Courier New" panose="02070309020205020404" pitchFamily="49" charset="0"/>
+              <a:cs typeface="Courier New" panose="02070309020205020404" pitchFamily="49" charset="0"/>
+            </a:endParaRPr>
+          </a:p>
+          <a:p>
+            <a:pPr marL="0" indent="0">
+              <a:buFont typeface="Monotype Sorts" pitchFamily="2" charset="2"/>
+              <a:buNone/>
+              <a:defRPr/>
+            </a:pPr>
+            <a:r>
+              <a:rPr lang="en-US" sz="2000" dirty="0">
+                <a:latin typeface="Courier New" panose="02070309020205020404" pitchFamily="49" charset="0"/>
+                <a:cs typeface="Courier New" panose="02070309020205020404" pitchFamily="49" charset="0"/>
+              </a:rPr>
+              <a:t>@</a:t>
+            </a:r>
+            <a:r>
+              <a:rPr lang="en-US" sz="2000" dirty="0" err="1">
+                <a:latin typeface="Courier New" panose="02070309020205020404" pitchFamily="49" charset="0"/>
+                <a:cs typeface="Courier New" panose="02070309020205020404" pitchFamily="49" charset="0"/>
+              </a:rPr>
+              <a:t>RequestMapping</a:t>
+            </a:r>
+            <a:r>
+              <a:rPr lang="en-US" sz="2000" dirty="0">
+                <a:latin typeface="Courier New" panose="02070309020205020404" pitchFamily="49" charset="0"/>
+                <a:cs typeface="Courier New" panose="02070309020205020404" pitchFamily="49" charset="0"/>
+              </a:rPr>
+              <a:t>("/</a:t>
+            </a:r>
+            <a:r>
+              <a:rPr lang="en-US" sz="2000" dirty="0" err="1">
+                <a:latin typeface="Courier New" panose="02070309020205020404" pitchFamily="49" charset="0"/>
+                <a:cs typeface="Courier New" panose="02070309020205020404" pitchFamily="49" charset="0"/>
+              </a:rPr>
+              <a:t>api</a:t>
+            </a:r>
+            <a:r>
+              <a:rPr lang="en-US" sz="2000" dirty="0">
+                <a:latin typeface="Courier New" panose="02070309020205020404" pitchFamily="49" charset="0"/>
+                <a:cs typeface="Courier New" panose="02070309020205020404" pitchFamily="49" charset="0"/>
+              </a:rPr>
+              <a:t>")</a:t>
+            </a:r>
+          </a:p>
+          <a:p>
+            <a:pPr marL="0" indent="0">
+              <a:buFont typeface="Monotype Sorts" pitchFamily="2" charset="2"/>
+              <a:buNone/>
+              <a:defRPr/>
+            </a:pPr>
+            <a:r>
+              <a:rPr lang="en-US" sz="2000" dirty="0">
+                <a:latin typeface="Courier New" panose="02070309020205020404" pitchFamily="49" charset="0"/>
+                <a:cs typeface="Courier New" panose="02070309020205020404" pitchFamily="49" charset="0"/>
+              </a:rPr>
+              <a:t>public class </a:t>
+            </a:r>
+            <a:r>
+              <a:rPr lang="en-US" sz="2000" dirty="0" err="1">
+                <a:latin typeface="Courier New" panose="02070309020205020404" pitchFamily="49" charset="0"/>
+                <a:cs typeface="Courier New" panose="02070309020205020404" pitchFamily="49" charset="0"/>
+              </a:rPr>
+              <a:t>EmployeeRestController</a:t>
+            </a:r>
+            <a:r>
+              <a:rPr lang="en-US" sz="2000" dirty="0">
+                <a:latin typeface="Courier New" panose="02070309020205020404" pitchFamily="49" charset="0"/>
+                <a:cs typeface="Courier New" panose="02070309020205020404" pitchFamily="49" charset="0"/>
+              </a:rPr>
+              <a:t> {</a:t>
+            </a:r>
+          </a:p>
+          <a:p>
+            <a:pPr marL="0" indent="0">
+              <a:buFont typeface="Monotype Sorts" pitchFamily="2" charset="2"/>
+              <a:buNone/>
+              <a:defRPr/>
+            </a:pPr>
+            <a:r>
+              <a:rPr lang="en-US" sz="2000" dirty="0">
+                <a:latin typeface="Courier New" panose="02070309020205020404" pitchFamily="49" charset="0"/>
+                <a:cs typeface="Courier New" panose="02070309020205020404" pitchFamily="49" charset="0"/>
+              </a:rPr>
+              <a:t> </a:t>
+            </a:r>
+          </a:p>
+          <a:p>
+            <a:pPr marL="0" indent="0">
+              <a:buFont typeface="Monotype Sorts" pitchFamily="2" charset="2"/>
+              <a:buNone/>
+              <a:defRPr/>
+            </a:pPr>
+            <a:r>
+              <a:rPr lang="en-US" sz="2000" dirty="0">
+                <a:latin typeface="Courier New" panose="02070309020205020404" pitchFamily="49" charset="0"/>
+                <a:cs typeface="Courier New" panose="02070309020205020404" pitchFamily="49" charset="0"/>
+              </a:rPr>
+              <a:t>    </a:t>
+            </a:r>
+            <a:endParaRPr lang="fr-FR" sz="2000" dirty="0">
+              <a:latin typeface="Courier New" panose="02070309020205020404" pitchFamily="49" charset="0"/>
+              <a:cs typeface="Courier New" panose="02070309020205020404" pitchFamily="49" charset="0"/>
+            </a:endParaRPr>
+          </a:p>
+        </p:txBody>
+      </p:sp>
+    </p:spTree>
+    <p:extLst>
+      <p:ext uri="{BB962C8B-B14F-4D97-AF65-F5344CB8AC3E}">
+        <p14:creationId xmlns:p14="http://schemas.microsoft.com/office/powerpoint/2010/main" val="2950897854"/>
+      </p:ext>
+    </p:extLst>
+  </p:cSld>
+  <p:clrMapOvr>
+    <a:masterClrMapping/>
+  </p:clrMapOvr>
+</p:sld>
+</file>
+
+<file path=ppt/slides/slide23.xml><?xml version="1.0" encoding="utf-8"?>
+<p:sld xmlns:a="http://schemas.openxmlformats.org/drawingml/2006/main" xmlns:r="http://schemas.openxmlformats.org/officeDocument/2006/relationships" xmlns:p="http://schemas.openxmlformats.org/presentationml/2006/main">
+  <p:cSld>
+    <p:spTree>
+      <p:nvGrpSpPr>
+        <p:cNvPr id="1" name=""/>
+        <p:cNvGrpSpPr/>
+        <p:nvPr/>
+      </p:nvGrpSpPr>
+      <p:grpSpPr>
+        <a:xfrm>
+          <a:off x="0" y="0"/>
+          <a:ext cx="0" cy="0"/>
+          <a:chOff x="0" y="0"/>
+          <a:chExt cx="0" cy="0"/>
+        </a:xfrm>
+      </p:grpSpPr>
+      <p:sp>
+        <p:nvSpPr>
           <p:cNvPr id="38914" name="Titre 1"/>
           <p:cNvSpPr>
             <a:spLocks noGrp="1"/>
@@ -10552,7 +10761,7 @@
 </p:sld>
 </file>
 
-<file path=ppt/slides/slide23.xml><?xml version="1.0" encoding="utf-8"?>
+<file path=ppt/slides/slide24.xml><?xml version="1.0" encoding="utf-8"?>
 <p:sld xmlns:a="http://schemas.openxmlformats.org/drawingml/2006/main" xmlns:r="http://schemas.openxmlformats.org/officeDocument/2006/relationships" xmlns:p="http://schemas.openxmlformats.org/presentationml/2006/main">
   <p:cSld>
     <p:spTree>
@@ -10724,7 +10933,7 @@
 </p:sld>
 </file>
 
-<file path=ppt/slides/slide24.xml><?xml version="1.0" encoding="utf-8"?>
+<file path=ppt/slides/slide25.xml><?xml version="1.0" encoding="utf-8"?>
 <p:sld xmlns:a="http://schemas.openxmlformats.org/drawingml/2006/main" xmlns:r="http://schemas.openxmlformats.org/officeDocument/2006/relationships" xmlns:p="http://schemas.openxmlformats.org/presentationml/2006/main">
   <p:cSld>
     <p:spTree>
@@ -10858,7 +11067,7 @@
 </p:sld>
 </file>
 
-<file path=ppt/slides/slide25.xml><?xml version="1.0" encoding="utf-8"?>
+<file path=ppt/slides/slide26.xml><?xml version="1.0" encoding="utf-8"?>
 <p:sld xmlns:a="http://schemas.openxmlformats.org/drawingml/2006/main" xmlns:r="http://schemas.openxmlformats.org/officeDocument/2006/relationships" xmlns:p="http://schemas.openxmlformats.org/presentationml/2006/main">
   <p:cSld>
     <p:spTree>
@@ -10978,7 +11187,7 @@
 </p:sld>
 </file>
 
-<file path=ppt/slides/slide26.xml><?xml version="1.0" encoding="utf-8"?>
+<file path=ppt/slides/slide27.xml><?xml version="1.0" encoding="utf-8"?>
 <p:sld xmlns:a="http://schemas.openxmlformats.org/drawingml/2006/main" xmlns:r="http://schemas.openxmlformats.org/officeDocument/2006/relationships" xmlns:p="http://schemas.openxmlformats.org/presentationml/2006/main">
   <p:cSld>
     <p:spTree>
@@ -11101,7 +11310,7 @@
 </p:sld>
 </file>
 
-<file path=ppt/slides/slide27.xml><?xml version="1.0" encoding="utf-8"?>
+<file path=ppt/slides/slide28.xml><?xml version="1.0" encoding="utf-8"?>
 <p:sld xmlns:a="http://schemas.openxmlformats.org/drawingml/2006/main" xmlns:r="http://schemas.openxmlformats.org/officeDocument/2006/relationships" xmlns:p="http://schemas.openxmlformats.org/presentationml/2006/main">
   <p:cSld>
     <p:spTree>
@@ -11275,7 +11484,7 @@
 </p:sld>
 </file>
 
-<file path=ppt/slides/slide28.xml><?xml version="1.0" encoding="utf-8"?>
+<file path=ppt/slides/slide29.xml><?xml version="1.0" encoding="utf-8"?>
 <p:sld xmlns:a="http://schemas.openxmlformats.org/drawingml/2006/main" xmlns:r="http://schemas.openxmlformats.org/officeDocument/2006/relationships" xmlns:p="http://schemas.openxmlformats.org/presentationml/2006/main">
   <p:cSld>
     <p:spTree>
@@ -11358,127 +11567,6 @@
           <a:p>
             <a:pPr lvl="1"/>
             <a:endParaRPr lang="fr-FR" altLang="fr-FR"/>
-          </a:p>
-          <a:p>
-            <a:pPr lvl="1"/>
-            <a:endParaRPr lang="fr-FR" altLang="fr-FR"/>
-          </a:p>
-        </p:txBody>
-      </p:sp>
-    </p:spTree>
-  </p:cSld>
-  <p:clrMapOvr>
-    <a:masterClrMapping/>
-  </p:clrMapOvr>
-</p:sld>
-</file>
-
-<file path=ppt/slides/slide29.xml><?xml version="1.0" encoding="utf-8"?>
-<p:sld xmlns:a="http://schemas.openxmlformats.org/drawingml/2006/main" xmlns:r="http://schemas.openxmlformats.org/officeDocument/2006/relationships" xmlns:p="http://schemas.openxmlformats.org/presentationml/2006/main">
-  <p:cSld>
-    <p:spTree>
-      <p:nvGrpSpPr>
-        <p:cNvPr id="1" name=""/>
-        <p:cNvGrpSpPr/>
-        <p:nvPr/>
-      </p:nvGrpSpPr>
-      <p:grpSpPr>
-        <a:xfrm>
-          <a:off x="0" y="0"/>
-          <a:ext cx="0" cy="0"/>
-          <a:chOff x="0" y="0"/>
-          <a:chExt cx="0" cy="0"/>
-        </a:xfrm>
-      </p:grpSpPr>
-      <p:sp>
-        <p:nvSpPr>
-          <p:cNvPr id="46082" name="Titre 1"/>
-          <p:cNvSpPr>
-            <a:spLocks noGrp="1"/>
-          </p:cNvSpPr>
-          <p:nvPr>
-            <p:ph type="title"/>
-          </p:nvPr>
-        </p:nvSpPr>
-        <p:spPr/>
-        <p:txBody>
-          <a:bodyPr/>
-          <a:lstStyle/>
-          <a:p>
-            <a:r>
-              <a:rPr lang="fr-FR" altLang="fr-FR"/>
-              <a:t>Exécution</a:t>
-            </a:r>
-          </a:p>
-        </p:txBody>
-      </p:sp>
-      <p:sp>
-        <p:nvSpPr>
-          <p:cNvPr id="46083" name="Espace réservé du contenu 2"/>
-          <p:cNvSpPr>
-            <a:spLocks noGrp="1"/>
-          </p:cNvSpPr>
-          <p:nvPr>
-            <p:ph idx="1"/>
-          </p:nvPr>
-        </p:nvSpPr>
-        <p:spPr/>
-        <p:txBody>
-          <a:bodyPr/>
-          <a:lstStyle/>
-          <a:p>
-            <a:r>
-              <a:rPr lang="fr-FR" altLang="fr-FR"/>
-              <a:t>Directement</a:t>
-            </a:r>
-          </a:p>
-          <a:p>
-            <a:pPr lvl="1"/>
-            <a:r>
-              <a:rPr lang="fr-FR" altLang="fr-FR"/>
-              <a:t>gradlew bootRun</a:t>
-            </a:r>
-          </a:p>
-          <a:p>
-            <a:pPr lvl="1"/>
-            <a:r>
-              <a:rPr lang="fr-FR" altLang="fr-FR"/>
-              <a:t>mvnw spring-boot:run</a:t>
-            </a:r>
-          </a:p>
-          <a:p>
-            <a:r>
-              <a:rPr lang="fr-FR" altLang="fr-FR"/>
-              <a:t>Via .JAR</a:t>
-            </a:r>
-          </a:p>
-          <a:p>
-            <a:pPr lvl="1"/>
-            <a:r>
-              <a:rPr lang="fr-FR" altLang="fr-FR"/>
-              <a:t>gradlew build</a:t>
-            </a:r>
-          </a:p>
-          <a:p>
-            <a:pPr lvl="1"/>
-            <a:r>
-              <a:rPr lang="fr-FR" altLang="fr-FR"/>
-              <a:t>java -jar build/libs/gs-rest-service-0.1.0.jar</a:t>
-            </a:r>
-          </a:p>
-          <a:p>
-            <a:pPr lvl="1"/>
-            <a:r>
-              <a:rPr lang="fr-FR" altLang="fr-FR"/>
-              <a:t>mvnw spring-boot:run</a:t>
-            </a:r>
-          </a:p>
-          <a:p>
-            <a:pPr lvl="1"/>
-            <a:r>
-              <a:rPr lang="fr-FR" altLang="fr-FR"/>
-              <a:t>java -jar target/gs-rest-service-0.1.0.jar</a:t>
-            </a:r>
           </a:p>
           <a:p>
             <a:pPr lvl="1"/>
@@ -12742,6 +12830,127 @@
       </p:grpSpPr>
       <p:sp>
         <p:nvSpPr>
+          <p:cNvPr id="46082" name="Titre 1"/>
+          <p:cNvSpPr>
+            <a:spLocks noGrp="1"/>
+          </p:cNvSpPr>
+          <p:nvPr>
+            <p:ph type="title"/>
+          </p:nvPr>
+        </p:nvSpPr>
+        <p:spPr/>
+        <p:txBody>
+          <a:bodyPr/>
+          <a:lstStyle/>
+          <a:p>
+            <a:r>
+              <a:rPr lang="fr-FR" altLang="fr-FR"/>
+              <a:t>Exécution</a:t>
+            </a:r>
+          </a:p>
+        </p:txBody>
+      </p:sp>
+      <p:sp>
+        <p:nvSpPr>
+          <p:cNvPr id="46083" name="Espace réservé du contenu 2"/>
+          <p:cNvSpPr>
+            <a:spLocks noGrp="1"/>
+          </p:cNvSpPr>
+          <p:nvPr>
+            <p:ph idx="1"/>
+          </p:nvPr>
+        </p:nvSpPr>
+        <p:spPr/>
+        <p:txBody>
+          <a:bodyPr/>
+          <a:lstStyle/>
+          <a:p>
+            <a:r>
+              <a:rPr lang="fr-FR" altLang="fr-FR"/>
+              <a:t>Directement</a:t>
+            </a:r>
+          </a:p>
+          <a:p>
+            <a:pPr lvl="1"/>
+            <a:r>
+              <a:rPr lang="fr-FR" altLang="fr-FR"/>
+              <a:t>gradlew bootRun</a:t>
+            </a:r>
+          </a:p>
+          <a:p>
+            <a:pPr lvl="1"/>
+            <a:r>
+              <a:rPr lang="fr-FR" altLang="fr-FR"/>
+              <a:t>mvnw spring-boot:run</a:t>
+            </a:r>
+          </a:p>
+          <a:p>
+            <a:r>
+              <a:rPr lang="fr-FR" altLang="fr-FR"/>
+              <a:t>Via .JAR</a:t>
+            </a:r>
+          </a:p>
+          <a:p>
+            <a:pPr lvl="1"/>
+            <a:r>
+              <a:rPr lang="fr-FR" altLang="fr-FR"/>
+              <a:t>gradlew build</a:t>
+            </a:r>
+          </a:p>
+          <a:p>
+            <a:pPr lvl="1"/>
+            <a:r>
+              <a:rPr lang="fr-FR" altLang="fr-FR"/>
+              <a:t>java -jar build/libs/gs-rest-service-0.1.0.jar</a:t>
+            </a:r>
+          </a:p>
+          <a:p>
+            <a:pPr lvl="1"/>
+            <a:r>
+              <a:rPr lang="fr-FR" altLang="fr-FR"/>
+              <a:t>mvnw spring-boot:run</a:t>
+            </a:r>
+          </a:p>
+          <a:p>
+            <a:pPr lvl="1"/>
+            <a:r>
+              <a:rPr lang="fr-FR" altLang="fr-FR"/>
+              <a:t>java -jar target/gs-rest-service-0.1.0.jar</a:t>
+            </a:r>
+          </a:p>
+          <a:p>
+            <a:pPr lvl="1"/>
+            <a:endParaRPr lang="fr-FR" altLang="fr-FR"/>
+          </a:p>
+        </p:txBody>
+      </p:sp>
+    </p:spTree>
+  </p:cSld>
+  <p:clrMapOvr>
+    <a:masterClrMapping/>
+  </p:clrMapOvr>
+</p:sld>
+</file>
+
+<file path=ppt/slides/slide31.xml><?xml version="1.0" encoding="utf-8"?>
+<p:sld xmlns:a="http://schemas.openxmlformats.org/drawingml/2006/main" xmlns:r="http://schemas.openxmlformats.org/officeDocument/2006/relationships" xmlns:p="http://schemas.openxmlformats.org/presentationml/2006/main">
+  <p:cSld>
+    <p:spTree>
+      <p:nvGrpSpPr>
+        <p:cNvPr id="1" name=""/>
+        <p:cNvGrpSpPr/>
+        <p:nvPr/>
+      </p:nvGrpSpPr>
+      <p:grpSpPr>
+        <a:xfrm>
+          <a:off x="0" y="0"/>
+          <a:ext cx="0" cy="0"/>
+          <a:chOff x="0" y="0"/>
+          <a:chExt cx="0" cy="0"/>
+        </a:xfrm>
+      </p:grpSpPr>
+      <p:sp>
+        <p:nvSpPr>
           <p:cNvPr id="49154" name="Titre 1"/>
           <p:cNvSpPr>
             <a:spLocks noGrp="1"/>
@@ -12902,7 +13111,7 @@
 </p:sld>
 </file>
 
-<file path=ppt/slides/slide31.xml><?xml version="1.0" encoding="utf-8"?>
+<file path=ppt/slides/slide32.xml><?xml version="1.0" encoding="utf-8"?>
 <p:sld xmlns:a="http://schemas.openxmlformats.org/drawingml/2006/main" xmlns:r="http://schemas.openxmlformats.org/officeDocument/2006/relationships" xmlns:p="http://schemas.openxmlformats.org/presentationml/2006/main">
   <p:cSld>
     <p:spTree>
@@ -12994,7 +13203,7 @@
 </p:sld>
 </file>
 
-<file path=ppt/slides/slide32.xml><?xml version="1.0" encoding="utf-8"?>
+<file path=ppt/slides/slide33.xml><?xml version="1.0" encoding="utf-8"?>
 <p:sld xmlns:a="http://schemas.openxmlformats.org/drawingml/2006/main" xmlns:r="http://schemas.openxmlformats.org/officeDocument/2006/relationships" xmlns:p="http://schemas.openxmlformats.org/presentationml/2006/main">
   <p:cSld>
     <p:spTree>
@@ -13320,7 +13529,7 @@
 </p:sld>
 </file>
 
-<file path=ppt/slides/slide33.xml><?xml version="1.0" encoding="utf-8"?>
+<file path=ppt/slides/slide34.xml><?xml version="1.0" encoding="utf-8"?>
 <p:sld xmlns:a="http://schemas.openxmlformats.org/drawingml/2006/main" xmlns:r="http://schemas.openxmlformats.org/officeDocument/2006/relationships" xmlns:p="http://schemas.openxmlformats.org/presentationml/2006/main">
   <p:cSld>
     <p:spTree>
@@ -13468,211 +13677,6 @@
           </a:extLst>
         </p:spPr>
       </p:pic>
-    </p:spTree>
-  </p:cSld>
-  <p:clrMapOvr>
-    <a:masterClrMapping/>
-  </p:clrMapOvr>
-</p:sld>
-</file>
-
-<file path=ppt/slides/slide34.xml><?xml version="1.0" encoding="utf-8"?>
-<p:sld xmlns:a="http://schemas.openxmlformats.org/drawingml/2006/main" xmlns:r="http://schemas.openxmlformats.org/officeDocument/2006/relationships" xmlns:p="http://schemas.openxmlformats.org/presentationml/2006/main">
-  <p:cSld>
-    <p:spTree>
-      <p:nvGrpSpPr>
-        <p:cNvPr id="1" name=""/>
-        <p:cNvGrpSpPr/>
-        <p:nvPr/>
-      </p:nvGrpSpPr>
-      <p:grpSpPr>
-        <a:xfrm>
-          <a:off x="0" y="0"/>
-          <a:ext cx="0" cy="0"/>
-          <a:chOff x="0" y="0"/>
-          <a:chExt cx="0" cy="0"/>
-        </a:xfrm>
-      </p:grpSpPr>
-      <p:sp>
-        <p:nvSpPr>
-          <p:cNvPr id="51202" name="Titre 1"/>
-          <p:cNvSpPr>
-            <a:spLocks noGrp="1"/>
-          </p:cNvSpPr>
-          <p:nvPr>
-            <p:ph type="title"/>
-          </p:nvPr>
-        </p:nvSpPr>
-        <p:spPr/>
-        <p:txBody>
-          <a:bodyPr/>
-          <a:lstStyle/>
-          <a:p>
-            <a:r>
-              <a:rPr lang="fr-FR" altLang="fr-FR"/>
-              <a:t>Préfixe d’URL</a:t>
-            </a:r>
-          </a:p>
-        </p:txBody>
-      </p:sp>
-      <p:sp>
-        <p:nvSpPr>
-          <p:cNvPr id="3" name="Espace réservé du contenu 2"/>
-          <p:cNvSpPr>
-            <a:spLocks noGrp="1"/>
-          </p:cNvSpPr>
-          <p:nvPr>
-            <p:ph idx="1"/>
-          </p:nvPr>
-        </p:nvSpPr>
-        <p:spPr/>
-        <p:txBody>
-          <a:bodyPr/>
-          <a:lstStyle/>
-          <a:p>
-            <a:pPr>
-              <a:defRPr/>
-            </a:pPr>
-            <a:r>
-              <a:rPr lang="fr-FR" dirty="0"/>
-              <a:t>Il est possible d’ajouter un préfixe d’URL sur le contrôleur</a:t>
-            </a:r>
-          </a:p>
-          <a:p>
-            <a:pPr>
-              <a:defRPr/>
-            </a:pPr>
-            <a:endParaRPr lang="fr-FR" dirty="0"/>
-          </a:p>
-          <a:p>
-            <a:pPr marL="0" indent="0">
-              <a:buFont typeface="Monotype Sorts" pitchFamily="2" charset="2"/>
-              <a:buNone/>
-              <a:defRPr/>
-            </a:pPr>
-            <a:r>
-              <a:rPr lang="en-US" sz="2000" dirty="0">
-                <a:latin typeface="Courier New" panose="02070309020205020404" pitchFamily="49" charset="0"/>
-                <a:cs typeface="Courier New" panose="02070309020205020404" pitchFamily="49" charset="0"/>
-              </a:rPr>
-              <a:t>@</a:t>
-            </a:r>
-            <a:r>
-              <a:rPr lang="en-US" sz="2000" dirty="0" err="1">
-                <a:latin typeface="Courier New" panose="02070309020205020404" pitchFamily="49" charset="0"/>
-                <a:cs typeface="Courier New" panose="02070309020205020404" pitchFamily="49" charset="0"/>
-              </a:rPr>
-              <a:t>RestController</a:t>
-            </a:r>
-            <a:endParaRPr lang="en-US" sz="2000" dirty="0">
-              <a:latin typeface="Courier New" panose="02070309020205020404" pitchFamily="49" charset="0"/>
-              <a:cs typeface="Courier New" panose="02070309020205020404" pitchFamily="49" charset="0"/>
-            </a:endParaRPr>
-          </a:p>
-          <a:p>
-            <a:pPr marL="0" indent="0">
-              <a:buFont typeface="Monotype Sorts" pitchFamily="2" charset="2"/>
-              <a:buNone/>
-              <a:defRPr/>
-            </a:pPr>
-            <a:r>
-              <a:rPr lang="en-US" sz="2000" dirty="0">
-                <a:latin typeface="Courier New" panose="02070309020205020404" pitchFamily="49" charset="0"/>
-                <a:cs typeface="Courier New" panose="02070309020205020404" pitchFamily="49" charset="0"/>
-              </a:rPr>
-              <a:t>@</a:t>
-            </a:r>
-            <a:r>
-              <a:rPr lang="en-US" sz="2000" dirty="0" err="1">
-                <a:latin typeface="Courier New" panose="02070309020205020404" pitchFamily="49" charset="0"/>
-                <a:cs typeface="Courier New" panose="02070309020205020404" pitchFamily="49" charset="0"/>
-              </a:rPr>
-              <a:t>RequestMapping</a:t>
-            </a:r>
-            <a:r>
-              <a:rPr lang="en-US" sz="2000" dirty="0">
-                <a:latin typeface="Courier New" panose="02070309020205020404" pitchFamily="49" charset="0"/>
-                <a:cs typeface="Courier New" panose="02070309020205020404" pitchFamily="49" charset="0"/>
-              </a:rPr>
-              <a:t>("/</a:t>
-            </a:r>
-            <a:r>
-              <a:rPr lang="en-US" sz="2000" dirty="0" err="1">
-                <a:latin typeface="Courier New" panose="02070309020205020404" pitchFamily="49" charset="0"/>
-                <a:cs typeface="Courier New" panose="02070309020205020404" pitchFamily="49" charset="0"/>
-              </a:rPr>
-              <a:t>api</a:t>
-            </a:r>
-            <a:r>
-              <a:rPr lang="en-US" sz="2000" dirty="0">
-                <a:latin typeface="Courier New" panose="02070309020205020404" pitchFamily="49" charset="0"/>
-                <a:cs typeface="Courier New" panose="02070309020205020404" pitchFamily="49" charset="0"/>
-              </a:rPr>
-              <a:t>")</a:t>
-            </a:r>
-          </a:p>
-          <a:p>
-            <a:pPr marL="0" indent="0">
-              <a:buFont typeface="Monotype Sorts" pitchFamily="2" charset="2"/>
-              <a:buNone/>
-              <a:defRPr/>
-            </a:pPr>
-            <a:r>
-              <a:rPr lang="en-US" sz="2000" dirty="0">
-                <a:latin typeface="Courier New" panose="02070309020205020404" pitchFamily="49" charset="0"/>
-                <a:cs typeface="Courier New" panose="02070309020205020404" pitchFamily="49" charset="0"/>
-              </a:rPr>
-              <a:t>public class </a:t>
-            </a:r>
-            <a:r>
-              <a:rPr lang="en-US" sz="2000" dirty="0" err="1">
-                <a:latin typeface="Courier New" panose="02070309020205020404" pitchFamily="49" charset="0"/>
-                <a:cs typeface="Courier New" panose="02070309020205020404" pitchFamily="49" charset="0"/>
-              </a:rPr>
-              <a:t>EmployeeRestController</a:t>
-            </a:r>
-            <a:r>
-              <a:rPr lang="en-US" sz="2000" dirty="0">
-                <a:latin typeface="Courier New" panose="02070309020205020404" pitchFamily="49" charset="0"/>
-                <a:cs typeface="Courier New" panose="02070309020205020404" pitchFamily="49" charset="0"/>
-              </a:rPr>
-              <a:t> {</a:t>
-            </a:r>
-          </a:p>
-          <a:p>
-            <a:pPr marL="0" indent="0">
-              <a:buFont typeface="Monotype Sorts" pitchFamily="2" charset="2"/>
-              <a:buNone/>
-              <a:defRPr/>
-            </a:pPr>
-            <a:r>
-              <a:rPr lang="en-US" sz="2000" dirty="0">
-                <a:latin typeface="Courier New" panose="02070309020205020404" pitchFamily="49" charset="0"/>
-                <a:cs typeface="Courier New" panose="02070309020205020404" pitchFamily="49" charset="0"/>
-              </a:rPr>
-              <a:t> </a:t>
-            </a:r>
-          </a:p>
-          <a:p>
-            <a:pPr marL="0" indent="0">
-              <a:buFont typeface="Monotype Sorts" pitchFamily="2" charset="2"/>
-              <a:buNone/>
-              <a:defRPr/>
-            </a:pPr>
-            <a:r>
-              <a:rPr lang="en-US" sz="2000" dirty="0">
-                <a:latin typeface="Courier New" panose="02070309020205020404" pitchFamily="49" charset="0"/>
-                <a:cs typeface="Courier New" panose="02070309020205020404" pitchFamily="49" charset="0"/>
-              </a:rPr>
-              <a:t>    </a:t>
-            </a:r>
-            <a:endParaRPr lang="fr-FR" sz="2000" dirty="0">
-              <a:latin typeface="Courier New" panose="02070309020205020404" pitchFamily="49" charset="0"/>
-              <a:cs typeface="Courier New" panose="02070309020205020404" pitchFamily="49" charset="0"/>
-            </a:endParaRPr>
-          </a:p>
-        </p:txBody>
-      </p:sp>
     </p:spTree>
   </p:cSld>
   <p:clrMapOvr>
@@ -13957,6 +13961,117 @@
       </p:grpSpPr>
       <p:sp>
         <p:nvSpPr>
+          <p:cNvPr id="57346" name="Titre 1"/>
+          <p:cNvSpPr>
+            <a:spLocks noGrp="1"/>
+          </p:cNvSpPr>
+          <p:nvPr>
+            <p:ph type="title"/>
+          </p:nvPr>
+        </p:nvSpPr>
+        <p:spPr/>
+        <p:txBody>
+          <a:bodyPr/>
+          <a:lstStyle/>
+          <a:p>
+            <a:r>
+              <a:rPr lang="fr-FR" altLang="fr-FR"/>
+              <a:t>Gestion des erreurs</a:t>
+            </a:r>
+          </a:p>
+        </p:txBody>
+      </p:sp>
+      <p:sp>
+        <p:nvSpPr>
+          <p:cNvPr id="57347" name="Espace réservé du contenu 2"/>
+          <p:cNvSpPr>
+            <a:spLocks noGrp="1"/>
+          </p:cNvSpPr>
+          <p:nvPr>
+            <p:ph idx="1"/>
+          </p:nvPr>
+        </p:nvSpPr>
+        <p:spPr/>
+        <p:txBody>
+          <a:bodyPr/>
+          <a:lstStyle/>
+          <a:p>
+            <a:r>
+              <a:rPr lang="fr-FR" altLang="fr-FR" dirty="0"/>
+              <a:t>Il faut lever des erreurs HTTP</a:t>
+            </a:r>
+          </a:p>
+          <a:p>
+            <a:pPr lvl="1"/>
+            <a:r>
+              <a:rPr lang="fr-FR" altLang="fr-FR" dirty="0"/>
+              <a:t>ici 404</a:t>
+            </a:r>
+          </a:p>
+        </p:txBody>
+      </p:sp>
+      <p:pic>
+        <p:nvPicPr>
+          <p:cNvPr id="2" name="Image 1">
+            <a:extLst>
+              <a:ext uri="{FF2B5EF4-FFF2-40B4-BE49-F238E27FC236}">
+                <a16:creationId xmlns:a16="http://schemas.microsoft.com/office/drawing/2014/main" id="{5669A34B-EF25-4785-8355-5BDB3C638ED2}"/>
+              </a:ext>
+            </a:extLst>
+          </p:cNvPr>
+          <p:cNvPicPr>
+            <a:picLocks noChangeAspect="1"/>
+          </p:cNvPicPr>
+          <p:nvPr/>
+        </p:nvPicPr>
+        <p:blipFill>
+          <a:blip r:embed="rId2"/>
+          <a:stretch>
+            <a:fillRect/>
+          </a:stretch>
+        </p:blipFill>
+        <p:spPr>
+          <a:xfrm>
+            <a:off x="1173163" y="3284984"/>
+            <a:ext cx="7324725" cy="2057400"/>
+          </a:xfrm>
+          <a:prstGeom prst="rect">
+            <a:avLst/>
+          </a:prstGeom>
+        </p:spPr>
+      </p:pic>
+    </p:spTree>
+    <p:extLst>
+      <p:ext uri="{BB962C8B-B14F-4D97-AF65-F5344CB8AC3E}">
+        <p14:creationId xmlns:p14="http://schemas.microsoft.com/office/powerpoint/2010/main" val="3290451429"/>
+      </p:ext>
+    </p:extLst>
+  </p:cSld>
+  <p:clrMapOvr>
+    <a:masterClrMapping/>
+  </p:clrMapOvr>
+</p:sld>
+</file>
+
+<file path=ppt/slides/slide38.xml><?xml version="1.0" encoding="utf-8"?>
+<p:sld xmlns:a="http://schemas.openxmlformats.org/drawingml/2006/main" xmlns:r="http://schemas.openxmlformats.org/officeDocument/2006/relationships" xmlns:p="http://schemas.openxmlformats.org/presentationml/2006/main">
+  <p:cSld>
+    <p:spTree>
+      <p:nvGrpSpPr>
+        <p:cNvPr id="1" name=""/>
+        <p:cNvGrpSpPr/>
+        <p:nvPr/>
+      </p:nvGrpSpPr>
+      <p:grpSpPr>
+        <a:xfrm>
+          <a:off x="0" y="0"/>
+          <a:ext cx="0" cy="0"/>
+          <a:chOff x="0" y="0"/>
+          <a:chExt cx="0" cy="0"/>
+        </a:xfrm>
+      </p:grpSpPr>
+      <p:sp>
+        <p:nvSpPr>
           <p:cNvPr id="54274" name="Titre 1"/>
           <p:cNvSpPr>
             <a:spLocks noGrp="1"/>
@@ -14074,7 +14189,7 @@
 </p:sld>
 </file>
 
-<file path=ppt/slides/slide38.xml><?xml version="1.0" encoding="utf-8"?>
+<file path=ppt/slides/slide39.xml><?xml version="1.0" encoding="utf-8"?>
 <p:sld xmlns:a="http://schemas.openxmlformats.org/drawingml/2006/main" xmlns:r="http://schemas.openxmlformats.org/officeDocument/2006/relationships" xmlns:p="http://schemas.openxmlformats.org/presentationml/2006/main">
   <p:cSld>
     <p:spTree>
@@ -14160,126 +14275,6 @@
           <a:xfrm>
             <a:off x="463550" y="2867025"/>
             <a:ext cx="8486775" cy="3228975"/>
-          </a:xfrm>
-          <a:prstGeom prst="rect">
-            <a:avLst/>
-          </a:prstGeom>
-          <a:noFill/>
-          <a:ln>
-            <a:noFill/>
-          </a:ln>
-          <a:extLst>
-            <a:ext uri="{909E8E84-426E-40DD-AFC4-6F175D3DCCD1}">
-              <a14:hiddenFill xmlns:a14="http://schemas.microsoft.com/office/drawing/2010/main">
-                <a:solidFill>
-                  <a:srgbClr val="FFFFFF"/>
-                </a:solidFill>
-              </a14:hiddenFill>
-            </a:ext>
-            <a:ext uri="{91240B29-F687-4F45-9708-019B960494DF}">
-              <a14:hiddenLine xmlns:a14="http://schemas.microsoft.com/office/drawing/2010/main" w="9525">
-                <a:solidFill>
-                  <a:srgbClr val="000000"/>
-                </a:solidFill>
-                <a:miter lim="800000"/>
-                <a:headEnd/>
-                <a:tailEnd/>
-              </a14:hiddenLine>
-            </a:ext>
-          </a:extLst>
-        </p:spPr>
-      </p:pic>
-    </p:spTree>
-  </p:cSld>
-  <p:clrMapOvr>
-    <a:masterClrMapping/>
-  </p:clrMapOvr>
-</p:sld>
-</file>
-
-<file path=ppt/slides/slide39.xml><?xml version="1.0" encoding="utf-8"?>
-<p:sld xmlns:a="http://schemas.openxmlformats.org/drawingml/2006/main" xmlns:r="http://schemas.openxmlformats.org/officeDocument/2006/relationships" xmlns:p="http://schemas.openxmlformats.org/presentationml/2006/main">
-  <p:cSld>
-    <p:spTree>
-      <p:nvGrpSpPr>
-        <p:cNvPr id="1" name=""/>
-        <p:cNvGrpSpPr/>
-        <p:nvPr/>
-      </p:nvGrpSpPr>
-      <p:grpSpPr>
-        <a:xfrm>
-          <a:off x="0" y="0"/>
-          <a:ext cx="0" cy="0"/>
-          <a:chOff x="0" y="0"/>
-          <a:chExt cx="0" cy="0"/>
-        </a:xfrm>
-      </p:grpSpPr>
-      <p:sp>
-        <p:nvSpPr>
-          <p:cNvPr id="56322" name="Titre 1"/>
-          <p:cNvSpPr>
-            <a:spLocks noGrp="1"/>
-          </p:cNvSpPr>
-          <p:nvPr>
-            <p:ph type="title"/>
-          </p:nvPr>
-        </p:nvSpPr>
-        <p:spPr/>
-        <p:txBody>
-          <a:bodyPr/>
-          <a:lstStyle/>
-          <a:p>
-            <a:r>
-              <a:rPr lang="fr-FR" altLang="fr-FR"/>
-              <a:t>Delete</a:t>
-            </a:r>
-          </a:p>
-        </p:txBody>
-      </p:sp>
-      <p:sp>
-        <p:nvSpPr>
-          <p:cNvPr id="56323" name="Espace réservé du contenu 2"/>
-          <p:cNvSpPr>
-            <a:spLocks noGrp="1"/>
-          </p:cNvSpPr>
-          <p:nvPr>
-            <p:ph idx="1"/>
-          </p:nvPr>
-        </p:nvSpPr>
-        <p:spPr/>
-        <p:txBody>
-          <a:bodyPr/>
-          <a:lstStyle/>
-          <a:p>
-            <a:endParaRPr lang="fr-FR" altLang="fr-FR"/>
-          </a:p>
-        </p:txBody>
-      </p:sp>
-      <p:pic>
-        <p:nvPicPr>
-          <p:cNvPr id="56324" name="Image 3"/>
-          <p:cNvPicPr>
-            <a:picLocks noChangeAspect="1"/>
-          </p:cNvPicPr>
-          <p:nvPr/>
-        </p:nvPicPr>
-        <p:blipFill>
-          <a:blip r:embed="rId2">
-            <a:extLst>
-              <a:ext uri="{28A0092B-C50C-407E-A947-70E740481C1C}">
-                <a14:useLocalDpi xmlns:a14="http://schemas.microsoft.com/office/drawing/2010/main" val="0"/>
-              </a:ext>
-            </a:extLst>
-          </a:blip>
-          <a:srcRect/>
-          <a:stretch>
-            <a:fillRect/>
-          </a:stretch>
-        </p:blipFill>
-        <p:spPr bwMode="auto">
-          <a:xfrm>
-            <a:off x="2119313" y="2928938"/>
-            <a:ext cx="4905375" cy="1000125"/>
           </a:xfrm>
           <a:prstGeom prst="rect">
             <a:avLst/>
@@ -15456,7 +15451,7 @@
       </p:grpSpPr>
       <p:sp>
         <p:nvSpPr>
-          <p:cNvPr id="57346" name="Titre 1"/>
+          <p:cNvPr id="56322" name="Titre 1"/>
           <p:cNvSpPr>
             <a:spLocks noGrp="1"/>
           </p:cNvSpPr>
@@ -15471,14 +15466,14 @@
           <a:p>
             <a:r>
               <a:rPr lang="fr-FR" altLang="fr-FR"/>
-              <a:t>Gestion des erreurs</a:t>
+              <a:t>Delete</a:t>
             </a:r>
           </a:p>
         </p:txBody>
       </p:sp>
       <p:sp>
         <p:nvSpPr>
-          <p:cNvPr id="57347" name="Espace réservé du contenu 2"/>
+          <p:cNvPr id="56323" name="Espace réservé du contenu 2"/>
           <p:cNvSpPr>
             <a:spLocks noGrp="1"/>
           </p:cNvSpPr>
@@ -15491,20 +15486,13 @@
           <a:bodyPr/>
           <a:lstStyle/>
           <a:p>
-            <a:r>
-              <a:rPr lang="fr-FR" altLang="fr-FR"/>
-              <a:t>Il faut d’abord créer une exception</a:t>
-            </a:r>
-          </a:p>
-          <a:p>
-            <a:pPr lvl="1"/>
             <a:endParaRPr lang="fr-FR" altLang="fr-FR"/>
           </a:p>
         </p:txBody>
       </p:sp>
       <p:pic>
         <p:nvPicPr>
-          <p:cNvPr id="57348" name="Image 3"/>
+          <p:cNvPr id="56324" name="Image 3"/>
           <p:cNvPicPr>
             <a:picLocks noChangeAspect="1"/>
           </p:cNvPicPr>
@@ -15525,8 +15513,8 @@
         </p:blipFill>
         <p:spPr bwMode="auto">
           <a:xfrm>
-            <a:off x="1619250" y="2700338"/>
-            <a:ext cx="5905500" cy="1457325"/>
+            <a:off x="2119313" y="2928938"/>
+            <a:ext cx="4905375" cy="1000125"/>
           </a:xfrm>
           <a:prstGeom prst="rect">
             <a:avLst/>
@@ -15583,140 +15571,6 @@
       </p:grpSpPr>
       <p:sp>
         <p:nvSpPr>
-          <p:cNvPr id="58370" name="Titre 1"/>
-          <p:cNvSpPr>
-            <a:spLocks noGrp="1"/>
-          </p:cNvSpPr>
-          <p:nvPr>
-            <p:ph type="title"/>
-          </p:nvPr>
-        </p:nvSpPr>
-        <p:spPr/>
-        <p:txBody>
-          <a:bodyPr/>
-          <a:lstStyle/>
-          <a:p>
-            <a:r>
-              <a:rPr lang="fr-FR" altLang="fr-FR"/>
-              <a:t>Advice</a:t>
-            </a:r>
-          </a:p>
-        </p:txBody>
-      </p:sp>
-      <p:sp>
-        <p:nvSpPr>
-          <p:cNvPr id="58371" name="Espace réservé du contenu 2"/>
-          <p:cNvSpPr>
-            <a:spLocks noGrp="1"/>
-          </p:cNvSpPr>
-          <p:nvPr>
-            <p:ph idx="1"/>
-          </p:nvPr>
-        </p:nvSpPr>
-        <p:spPr/>
-        <p:txBody>
-          <a:bodyPr/>
-          <a:lstStyle/>
-          <a:p>
-            <a:r>
-              <a:rPr lang="fr-FR" altLang="fr-FR"/>
-              <a:t>Gère automatiquement l’exception du ExceptionHandler si elle arrive en répondant par le ResponseStatus</a:t>
-            </a:r>
-          </a:p>
-          <a:p>
-            <a:pPr lvl="1"/>
-            <a:r>
-              <a:rPr lang="fr-FR" altLang="fr-FR"/>
-              <a:t>Ici 404</a:t>
-            </a:r>
-          </a:p>
-          <a:p>
-            <a:pPr lvl="1"/>
-            <a:endParaRPr lang="fr-FR" altLang="fr-FR"/>
-          </a:p>
-        </p:txBody>
-      </p:sp>
-      <p:pic>
-        <p:nvPicPr>
-          <p:cNvPr id="58372" name="Image 3"/>
-          <p:cNvPicPr>
-            <a:picLocks noChangeAspect="1"/>
-          </p:cNvPicPr>
-          <p:nvPr/>
-        </p:nvPicPr>
-        <p:blipFill>
-          <a:blip r:embed="rId2">
-            <a:extLst>
-              <a:ext uri="{28A0092B-C50C-407E-A947-70E740481C1C}">
-                <a14:useLocalDpi xmlns:a14="http://schemas.microsoft.com/office/drawing/2010/main" val="0"/>
-              </a:ext>
-            </a:extLst>
-          </a:blip>
-          <a:srcRect/>
-          <a:stretch>
-            <a:fillRect/>
-          </a:stretch>
-        </p:blipFill>
-        <p:spPr bwMode="auto">
-          <a:xfrm>
-            <a:off x="1331913" y="4038600"/>
-            <a:ext cx="6515100" cy="2266950"/>
-          </a:xfrm>
-          <a:prstGeom prst="rect">
-            <a:avLst/>
-          </a:prstGeom>
-          <a:noFill/>
-          <a:ln>
-            <a:noFill/>
-          </a:ln>
-          <a:extLst>
-            <a:ext uri="{909E8E84-426E-40DD-AFC4-6F175D3DCCD1}">
-              <a14:hiddenFill xmlns:a14="http://schemas.microsoft.com/office/drawing/2010/main">
-                <a:solidFill>
-                  <a:srgbClr val="FFFFFF"/>
-                </a:solidFill>
-              </a14:hiddenFill>
-            </a:ext>
-            <a:ext uri="{91240B29-F687-4F45-9708-019B960494DF}">
-              <a14:hiddenLine xmlns:a14="http://schemas.microsoft.com/office/drawing/2010/main" w="9525">
-                <a:solidFill>
-                  <a:srgbClr val="000000"/>
-                </a:solidFill>
-                <a:miter lim="800000"/>
-                <a:headEnd/>
-                <a:tailEnd/>
-              </a14:hiddenLine>
-            </a:ext>
-          </a:extLst>
-        </p:spPr>
-      </p:pic>
-    </p:spTree>
-  </p:cSld>
-  <p:clrMapOvr>
-    <a:masterClrMapping/>
-  </p:clrMapOvr>
-</p:sld>
-</file>
-
-<file path=ppt/slides/slide42.xml><?xml version="1.0" encoding="utf-8"?>
-<p:sld xmlns:a="http://schemas.openxmlformats.org/drawingml/2006/main" xmlns:r="http://schemas.openxmlformats.org/officeDocument/2006/relationships" xmlns:p="http://schemas.openxmlformats.org/presentationml/2006/main">
-  <p:cSld>
-    <p:spTree>
-      <p:nvGrpSpPr>
-        <p:cNvPr id="1" name=""/>
-        <p:cNvGrpSpPr/>
-        <p:nvPr/>
-      </p:nvGrpSpPr>
-      <p:grpSpPr>
-        <a:xfrm>
-          <a:off x="0" y="0"/>
-          <a:ext cx="0" cy="0"/>
-          <a:chOff x="0" y="0"/>
-          <a:chExt cx="0" cy="0"/>
-        </a:xfrm>
-      </p:grpSpPr>
-      <p:sp>
-        <p:nvSpPr>
           <p:cNvPr id="63490" name="Titre 1"/>
           <p:cNvSpPr>
             <a:spLocks noGrp="1"/>
@@ -15802,7 +15656,7 @@
 </p:sld>
 </file>
 
-<file path=ppt/slides/slide43.xml><?xml version="1.0" encoding="utf-8"?>
+<file path=ppt/slides/slide42.xml><?xml version="1.0" encoding="utf-8"?>
 <p:sld xmlns:a="http://schemas.openxmlformats.org/drawingml/2006/main" xmlns:r="http://schemas.openxmlformats.org/officeDocument/2006/relationships" xmlns:p="http://schemas.openxmlformats.org/presentationml/2006/main">
   <p:cSld>
     <p:spTree>
